--- a/presentation.pptx
+++ b/presentation.pptx
@@ -3,32 +3,37 @@
 <p:presentation xmlns:a="http://schemas.openxmlformats.org/drawingml/2006/main" xmlns:p="http://schemas.openxmlformats.org/presentationml/2006/main" xmlns:r="http://schemas.openxmlformats.org/officeDocument/2006/relationships" xmlns:p14="http://schemas.microsoft.com/office/powerpoint/2010/main" xmlns:p15="http://schemas.microsoft.com/office/powerpoint/2012/main" xmlns:mc="http://schemas.openxmlformats.org/markup-compatibility/2006">
   <p:sldMasterIdLst>
     <p:sldMasterId id="2147483648" r:id="rId2"/>
+    <p:sldMasterId id="2147483661" r:id="rId3"/>
+    <p:sldMasterId id="2147483674" r:id="rId4"/>
   </p:sldMasterIdLst>
   <p:sldIdLst>
-    <p:sldId id="256" r:id="rId3"/>
-    <p:sldId id="257" r:id="rId4"/>
-    <p:sldId id="258" r:id="rId5"/>
-    <p:sldId id="259" r:id="rId6"/>
-    <p:sldId id="260" r:id="rId7"/>
-    <p:sldId id="261" r:id="rId8"/>
-    <p:sldId id="262" r:id="rId9"/>
-    <p:sldId id="263" r:id="rId10"/>
-    <p:sldId id="264" r:id="rId11"/>
-    <p:sldId id="265" r:id="rId12"/>
-    <p:sldId id="266" r:id="rId13"/>
-    <p:sldId id="267" r:id="rId14"/>
-    <p:sldId id="268" r:id="rId15"/>
-    <p:sldId id="269" r:id="rId16"/>
-    <p:sldId id="270" r:id="rId17"/>
-    <p:sldId id="271" r:id="rId18"/>
-    <p:sldId id="272" r:id="rId19"/>
-    <p:sldId id="273" r:id="rId20"/>
-    <p:sldId id="274" r:id="rId21"/>
-    <p:sldId id="275" r:id="rId22"/>
-    <p:sldId id="276" r:id="rId23"/>
-    <p:sldId id="277" r:id="rId24"/>
-    <p:sldId id="278" r:id="rId25"/>
-    <p:sldId id="279" r:id="rId26"/>
+    <p:sldId id="256" r:id="rId5"/>
+    <p:sldId id="257" r:id="rId6"/>
+    <p:sldId id="258" r:id="rId7"/>
+    <p:sldId id="259" r:id="rId8"/>
+    <p:sldId id="260" r:id="rId9"/>
+    <p:sldId id="261" r:id="rId10"/>
+    <p:sldId id="262" r:id="rId11"/>
+    <p:sldId id="263" r:id="rId12"/>
+    <p:sldId id="264" r:id="rId13"/>
+    <p:sldId id="265" r:id="rId14"/>
+    <p:sldId id="266" r:id="rId15"/>
+    <p:sldId id="267" r:id="rId16"/>
+    <p:sldId id="268" r:id="rId17"/>
+    <p:sldId id="269" r:id="rId18"/>
+    <p:sldId id="270" r:id="rId19"/>
+    <p:sldId id="271" r:id="rId20"/>
+    <p:sldId id="272" r:id="rId21"/>
+    <p:sldId id="273" r:id="rId22"/>
+    <p:sldId id="274" r:id="rId23"/>
+    <p:sldId id="275" r:id="rId24"/>
+    <p:sldId id="276" r:id="rId25"/>
+    <p:sldId id="277" r:id="rId26"/>
+    <p:sldId id="278" r:id="rId27"/>
+    <p:sldId id="279" r:id="rId28"/>
+    <p:sldId id="280" r:id="rId29"/>
+    <p:sldId id="281" r:id="rId30"/>
+    <p:sldId id="282" r:id="rId31"/>
   </p:sldIdLst>
   <p:sldSz cx="10080625" cy="5670550"/>
   <p:notesSz cx="7772400" cy="10058400"/>
@@ -76,7 +81,7 @@
       </p:grpSpPr>
       <p:sp>
         <p:nvSpPr>
-          <p:cNvPr id="26" name="PlaceHolder 1"/>
+          <p:cNvPr id="23" name="PlaceHolder 1"/>
           <p:cNvSpPr>
             <a:spLocks noGrp="1"/>
           </p:cNvSpPr>
@@ -87,7 +92,7 @@
         <p:spPr>
           <a:xfrm>
             <a:off x="504000" y="226080"/>
-            <a:ext cx="9071640" cy="946440"/>
+            <a:ext cx="9071280" cy="946080"/>
           </a:xfrm>
           <a:prstGeom prst="rect">
             <a:avLst/>
@@ -98,18 +103,19 @@
             <a:noAutofit/>
           </a:bodyPr>
           <a:p>
-            <a:endParaRPr b="0" lang="en-US" sz="4400" spc="-1" strike="noStrike">
+            <a:pPr algn="ctr"/>
+            <a:endParaRPr b="0" lang="en-US" sz="1800" spc="-1" strike="noStrike">
               <a:solidFill>
                 <a:srgbClr val="a6a8c4"/>
               </a:solidFill>
-              <a:latin typeface="Courier New"/>
-            </a:endParaRPr>
-          </a:p>
-        </p:txBody>
-      </p:sp>
-      <p:sp>
-        <p:nvSpPr>
-          <p:cNvPr id="27" name="PlaceHolder 2"/>
+              <a:latin typeface="Arial"/>
+            </a:endParaRPr>
+          </a:p>
+        </p:txBody>
+      </p:sp>
+      <p:sp>
+        <p:nvSpPr>
+          <p:cNvPr id="24" name="PlaceHolder 2"/>
           <p:cNvSpPr>
             <a:spLocks noGrp="1"/>
           </p:cNvSpPr>
@@ -120,7 +126,7 @@
         <p:spPr>
           <a:xfrm>
             <a:off x="504000" y="1326600"/>
-            <a:ext cx="9071640" cy="1568160"/>
+            <a:ext cx="9072000" cy="1568520"/>
           </a:xfrm>
           <a:prstGeom prst="rect">
             <a:avLst/>
@@ -132,17 +138,14 @@
           </a:bodyPr>
           <a:p>
             <a:endParaRPr b="0" lang="en-US" sz="3200" spc="-1" strike="noStrike">
-              <a:solidFill>
-                <a:srgbClr val="a6a8c4"/>
-              </a:solidFill>
-              <a:latin typeface="Arial"/>
-            </a:endParaRPr>
-          </a:p>
-        </p:txBody>
-      </p:sp>
-      <p:sp>
-        <p:nvSpPr>
-          <p:cNvPr id="28" name="PlaceHolder 3"/>
+              <a:latin typeface="Arial"/>
+            </a:endParaRPr>
+          </a:p>
+        </p:txBody>
+      </p:sp>
+      <p:sp>
+        <p:nvSpPr>
+          <p:cNvPr id="25" name="PlaceHolder 3"/>
           <p:cNvSpPr>
             <a:spLocks noGrp="1"/>
           </p:cNvSpPr>
@@ -152,8 +155,8 @@
         </p:nvSpPr>
         <p:spPr>
           <a:xfrm>
-            <a:off x="504000" y="3044160"/>
-            <a:ext cx="9071640" cy="1568160"/>
+            <a:off x="504000" y="3044520"/>
+            <a:ext cx="9072000" cy="1568520"/>
           </a:xfrm>
           <a:prstGeom prst="rect">
             <a:avLst/>
@@ -165,9 +168,6 @@
           </a:bodyPr>
           <a:p>
             <a:endParaRPr b="0" lang="en-US" sz="3200" spc="-1" strike="noStrike">
-              <a:solidFill>
-                <a:srgbClr val="a6a8c4"/>
-              </a:solidFill>
               <a:latin typeface="Arial"/>
             </a:endParaRPr>
           </a:p>
@@ -197,7 +197,7 @@
       </p:grpSpPr>
       <p:sp>
         <p:nvSpPr>
-          <p:cNvPr id="29" name="PlaceHolder 1"/>
+          <p:cNvPr id="26" name="PlaceHolder 1"/>
           <p:cNvSpPr>
             <a:spLocks noGrp="1"/>
           </p:cNvSpPr>
@@ -208,7 +208,7 @@
         <p:spPr>
           <a:xfrm>
             <a:off x="504000" y="226080"/>
-            <a:ext cx="9071640" cy="946440"/>
+            <a:ext cx="9071280" cy="946080"/>
           </a:xfrm>
           <a:prstGeom prst="rect">
             <a:avLst/>
@@ -219,18 +219,19 @@
             <a:noAutofit/>
           </a:bodyPr>
           <a:p>
-            <a:endParaRPr b="0" lang="en-US" sz="4400" spc="-1" strike="noStrike">
+            <a:pPr algn="ctr"/>
+            <a:endParaRPr b="0" lang="en-US" sz="1800" spc="-1" strike="noStrike">
               <a:solidFill>
                 <a:srgbClr val="a6a8c4"/>
               </a:solidFill>
-              <a:latin typeface="Courier New"/>
-            </a:endParaRPr>
-          </a:p>
-        </p:txBody>
-      </p:sp>
-      <p:sp>
-        <p:nvSpPr>
-          <p:cNvPr id="30" name="PlaceHolder 2"/>
+              <a:latin typeface="Arial"/>
+            </a:endParaRPr>
+          </a:p>
+        </p:txBody>
+      </p:sp>
+      <p:sp>
+        <p:nvSpPr>
+          <p:cNvPr id="27" name="PlaceHolder 2"/>
           <p:cNvSpPr>
             <a:spLocks noGrp="1"/>
           </p:cNvSpPr>
@@ -241,7 +242,7 @@
         <p:spPr>
           <a:xfrm>
             <a:off x="504000" y="1326600"/>
-            <a:ext cx="4426920" cy="1568160"/>
+            <a:ext cx="4426920" cy="1568520"/>
           </a:xfrm>
           <a:prstGeom prst="rect">
             <a:avLst/>
@@ -253,17 +254,14 @@
           </a:bodyPr>
           <a:p>
             <a:endParaRPr b="0" lang="en-US" sz="3200" spc="-1" strike="noStrike">
-              <a:solidFill>
-                <a:srgbClr val="a6a8c4"/>
-              </a:solidFill>
-              <a:latin typeface="Arial"/>
-            </a:endParaRPr>
-          </a:p>
-        </p:txBody>
-      </p:sp>
-      <p:sp>
-        <p:nvSpPr>
-          <p:cNvPr id="31" name="PlaceHolder 3"/>
+              <a:latin typeface="Arial"/>
+            </a:endParaRPr>
+          </a:p>
+        </p:txBody>
+      </p:sp>
+      <p:sp>
+        <p:nvSpPr>
+          <p:cNvPr id="28" name="PlaceHolder 3"/>
           <p:cNvSpPr>
             <a:spLocks noGrp="1"/>
           </p:cNvSpPr>
@@ -274,7 +272,7 @@
         <p:spPr>
           <a:xfrm>
             <a:off x="5152680" y="1326600"/>
-            <a:ext cx="4426920" cy="1568160"/>
+            <a:ext cx="4426920" cy="1568520"/>
           </a:xfrm>
           <a:prstGeom prst="rect">
             <a:avLst/>
@@ -286,17 +284,14 @@
           </a:bodyPr>
           <a:p>
             <a:endParaRPr b="0" lang="en-US" sz="3200" spc="-1" strike="noStrike">
-              <a:solidFill>
-                <a:srgbClr val="a6a8c4"/>
-              </a:solidFill>
-              <a:latin typeface="Arial"/>
-            </a:endParaRPr>
-          </a:p>
-        </p:txBody>
-      </p:sp>
-      <p:sp>
-        <p:nvSpPr>
-          <p:cNvPr id="32" name="PlaceHolder 4"/>
+              <a:latin typeface="Arial"/>
+            </a:endParaRPr>
+          </a:p>
+        </p:txBody>
+      </p:sp>
+      <p:sp>
+        <p:nvSpPr>
+          <p:cNvPr id="29" name="PlaceHolder 4"/>
           <p:cNvSpPr>
             <a:spLocks noGrp="1"/>
           </p:cNvSpPr>
@@ -306,8 +301,8 @@
         </p:nvSpPr>
         <p:spPr>
           <a:xfrm>
-            <a:off x="504000" y="3044160"/>
-            <a:ext cx="4426920" cy="1568160"/>
+            <a:off x="504000" y="3044520"/>
+            <a:ext cx="4426920" cy="1568520"/>
           </a:xfrm>
           <a:prstGeom prst="rect">
             <a:avLst/>
@@ -319,17 +314,14 @@
           </a:bodyPr>
           <a:p>
             <a:endParaRPr b="0" lang="en-US" sz="3200" spc="-1" strike="noStrike">
-              <a:solidFill>
-                <a:srgbClr val="a6a8c4"/>
-              </a:solidFill>
-              <a:latin typeface="Arial"/>
-            </a:endParaRPr>
-          </a:p>
-        </p:txBody>
-      </p:sp>
-      <p:sp>
-        <p:nvSpPr>
-          <p:cNvPr id="33" name="PlaceHolder 5"/>
+              <a:latin typeface="Arial"/>
+            </a:endParaRPr>
+          </a:p>
+        </p:txBody>
+      </p:sp>
+      <p:sp>
+        <p:nvSpPr>
+          <p:cNvPr id="30" name="PlaceHolder 5"/>
           <p:cNvSpPr>
             <a:spLocks noGrp="1"/>
           </p:cNvSpPr>
@@ -339,8 +331,8 @@
         </p:nvSpPr>
         <p:spPr>
           <a:xfrm>
-            <a:off x="5152680" y="3044160"/>
-            <a:ext cx="4426920" cy="1568160"/>
+            <a:off x="5152680" y="3044520"/>
+            <a:ext cx="4426920" cy="1568520"/>
           </a:xfrm>
           <a:prstGeom prst="rect">
             <a:avLst/>
@@ -352,9 +344,6 @@
           </a:bodyPr>
           <a:p>
             <a:endParaRPr b="0" lang="en-US" sz="3200" spc="-1" strike="noStrike">
-              <a:solidFill>
-                <a:srgbClr val="a6a8c4"/>
-              </a:solidFill>
               <a:latin typeface="Arial"/>
             </a:endParaRPr>
           </a:p>
@@ -384,7 +373,7 @@
       </p:grpSpPr>
       <p:sp>
         <p:nvSpPr>
-          <p:cNvPr id="34" name="PlaceHolder 1"/>
+          <p:cNvPr id="31" name="PlaceHolder 1"/>
           <p:cNvSpPr>
             <a:spLocks noGrp="1"/>
           </p:cNvSpPr>
@@ -395,7 +384,7 @@
         <p:spPr>
           <a:xfrm>
             <a:off x="504000" y="226080"/>
-            <a:ext cx="9071640" cy="946440"/>
+            <a:ext cx="9071280" cy="946080"/>
           </a:xfrm>
           <a:prstGeom prst="rect">
             <a:avLst/>
@@ -406,18 +395,19 @@
             <a:noAutofit/>
           </a:bodyPr>
           <a:p>
-            <a:endParaRPr b="0" lang="en-US" sz="4400" spc="-1" strike="noStrike">
+            <a:pPr algn="ctr"/>
+            <a:endParaRPr b="0" lang="en-US" sz="1800" spc="-1" strike="noStrike">
               <a:solidFill>
                 <a:srgbClr val="a6a8c4"/>
               </a:solidFill>
-              <a:latin typeface="Courier New"/>
-            </a:endParaRPr>
-          </a:p>
-        </p:txBody>
-      </p:sp>
-      <p:sp>
-        <p:nvSpPr>
-          <p:cNvPr id="35" name="PlaceHolder 2"/>
+              <a:latin typeface="Arial"/>
+            </a:endParaRPr>
+          </a:p>
+        </p:txBody>
+      </p:sp>
+      <p:sp>
+        <p:nvSpPr>
+          <p:cNvPr id="32" name="PlaceHolder 2"/>
           <p:cNvSpPr>
             <a:spLocks noGrp="1"/>
           </p:cNvSpPr>
@@ -428,7 +418,7 @@
         <p:spPr>
           <a:xfrm>
             <a:off x="504000" y="1326600"/>
-            <a:ext cx="2920680" cy="1568160"/>
+            <a:ext cx="2921040" cy="1568520"/>
           </a:xfrm>
           <a:prstGeom prst="rect">
             <a:avLst/>
@@ -440,6 +430,231 @@
           </a:bodyPr>
           <a:p>
             <a:endParaRPr b="0" lang="en-US" sz="3200" spc="-1" strike="noStrike">
+              <a:latin typeface="Arial"/>
+            </a:endParaRPr>
+          </a:p>
+        </p:txBody>
+      </p:sp>
+      <p:sp>
+        <p:nvSpPr>
+          <p:cNvPr id="33" name="PlaceHolder 3"/>
+          <p:cNvSpPr>
+            <a:spLocks noGrp="1"/>
+          </p:cNvSpPr>
+          <p:nvPr>
+            <p:ph type="body"/>
+          </p:nvPr>
+        </p:nvSpPr>
+        <p:spPr>
+          <a:xfrm>
+            <a:off x="3571560" y="1326600"/>
+            <a:ext cx="2921040" cy="1568520"/>
+          </a:xfrm>
+          <a:prstGeom prst="rect">
+            <a:avLst/>
+          </a:prstGeom>
+        </p:spPr>
+        <p:txBody>
+          <a:bodyPr lIns="0" rIns="0" tIns="0" bIns="0">
+            <a:normAutofit/>
+          </a:bodyPr>
+          <a:p>
+            <a:endParaRPr b="0" lang="en-US" sz="3200" spc="-1" strike="noStrike">
+              <a:latin typeface="Arial"/>
+            </a:endParaRPr>
+          </a:p>
+        </p:txBody>
+      </p:sp>
+      <p:sp>
+        <p:nvSpPr>
+          <p:cNvPr id="34" name="PlaceHolder 4"/>
+          <p:cNvSpPr>
+            <a:spLocks noGrp="1"/>
+          </p:cNvSpPr>
+          <p:nvPr>
+            <p:ph type="body"/>
+          </p:nvPr>
+        </p:nvSpPr>
+        <p:spPr>
+          <a:xfrm>
+            <a:off x="6639120" y="1326600"/>
+            <a:ext cx="2921040" cy="1568520"/>
+          </a:xfrm>
+          <a:prstGeom prst="rect">
+            <a:avLst/>
+          </a:prstGeom>
+        </p:spPr>
+        <p:txBody>
+          <a:bodyPr lIns="0" rIns="0" tIns="0" bIns="0">
+            <a:normAutofit/>
+          </a:bodyPr>
+          <a:p>
+            <a:endParaRPr b="0" lang="en-US" sz="3200" spc="-1" strike="noStrike">
+              <a:latin typeface="Arial"/>
+            </a:endParaRPr>
+          </a:p>
+        </p:txBody>
+      </p:sp>
+      <p:sp>
+        <p:nvSpPr>
+          <p:cNvPr id="35" name="PlaceHolder 5"/>
+          <p:cNvSpPr>
+            <a:spLocks noGrp="1"/>
+          </p:cNvSpPr>
+          <p:nvPr>
+            <p:ph type="body"/>
+          </p:nvPr>
+        </p:nvSpPr>
+        <p:spPr>
+          <a:xfrm>
+            <a:off x="504000" y="3044520"/>
+            <a:ext cx="2921040" cy="1568520"/>
+          </a:xfrm>
+          <a:prstGeom prst="rect">
+            <a:avLst/>
+          </a:prstGeom>
+        </p:spPr>
+        <p:txBody>
+          <a:bodyPr lIns="0" rIns="0" tIns="0" bIns="0">
+            <a:normAutofit/>
+          </a:bodyPr>
+          <a:p>
+            <a:endParaRPr b="0" lang="en-US" sz="3200" spc="-1" strike="noStrike">
+              <a:latin typeface="Arial"/>
+            </a:endParaRPr>
+          </a:p>
+        </p:txBody>
+      </p:sp>
+      <p:sp>
+        <p:nvSpPr>
+          <p:cNvPr id="36" name="PlaceHolder 6"/>
+          <p:cNvSpPr>
+            <a:spLocks noGrp="1"/>
+          </p:cNvSpPr>
+          <p:nvPr>
+            <p:ph type="body"/>
+          </p:nvPr>
+        </p:nvSpPr>
+        <p:spPr>
+          <a:xfrm>
+            <a:off x="3571560" y="3044520"/>
+            <a:ext cx="2921040" cy="1568520"/>
+          </a:xfrm>
+          <a:prstGeom prst="rect">
+            <a:avLst/>
+          </a:prstGeom>
+        </p:spPr>
+        <p:txBody>
+          <a:bodyPr lIns="0" rIns="0" tIns="0" bIns="0">
+            <a:normAutofit/>
+          </a:bodyPr>
+          <a:p>
+            <a:endParaRPr b="0" lang="en-US" sz="3200" spc="-1" strike="noStrike">
+              <a:latin typeface="Arial"/>
+            </a:endParaRPr>
+          </a:p>
+        </p:txBody>
+      </p:sp>
+      <p:sp>
+        <p:nvSpPr>
+          <p:cNvPr id="37" name="PlaceHolder 7"/>
+          <p:cNvSpPr>
+            <a:spLocks noGrp="1"/>
+          </p:cNvSpPr>
+          <p:nvPr>
+            <p:ph type="body"/>
+          </p:nvPr>
+        </p:nvSpPr>
+        <p:spPr>
+          <a:xfrm>
+            <a:off x="6639120" y="3044520"/>
+            <a:ext cx="2921040" cy="1568520"/>
+          </a:xfrm>
+          <a:prstGeom prst="rect">
+            <a:avLst/>
+          </a:prstGeom>
+        </p:spPr>
+        <p:txBody>
+          <a:bodyPr lIns="0" rIns="0" tIns="0" bIns="0">
+            <a:normAutofit/>
+          </a:bodyPr>
+          <a:p>
+            <a:endParaRPr b="0" lang="en-US" sz="3200" spc="-1" strike="noStrike">
+              <a:latin typeface="Arial"/>
+            </a:endParaRPr>
+          </a:p>
+        </p:txBody>
+      </p:sp>
+    </p:spTree>
+  </p:cSld>
+</p:sldLayout>
+</file>
+
+<file path=ppt/slideLayouts/slideLayout13.xml><?xml version="1.0" encoding="utf-8"?>
+<p:sldLayout xmlns:a="http://schemas.openxmlformats.org/drawingml/2006/main" xmlns:p="http://schemas.openxmlformats.org/presentationml/2006/main" xmlns:r="http://schemas.openxmlformats.org/officeDocument/2006/relationships" xmlns:p14="http://schemas.microsoft.com/office/powerpoint/2010/main" xmlns:p15="http://schemas.microsoft.com/office/powerpoint/2012/main" xmlns:mc="http://schemas.openxmlformats.org/markup-compatibility/2006" type="blank" preserve="1">
+  <p:cSld name="Blank Slide">
+    <p:spTree>
+      <p:nvGrpSpPr>
+        <p:cNvPr id="1" name=""/>
+        <p:cNvGrpSpPr/>
+        <p:nvPr/>
+      </p:nvGrpSpPr>
+      <p:grpSpPr>
+        <a:xfrm>
+          <a:off x="0" y="0"/>
+          <a:ext cx="0" cy="0"/>
+          <a:chOff x="0" y="0"/>
+          <a:chExt cx="0" cy="0"/>
+        </a:xfrm>
+      </p:grpSpPr>
+    </p:spTree>
+  </p:cSld>
+</p:sldLayout>
+</file>
+
+<file path=ppt/slideLayouts/slideLayout14.xml><?xml version="1.0" encoding="utf-8"?>
+<p:sldLayout xmlns:a="http://schemas.openxmlformats.org/drawingml/2006/main" xmlns:p="http://schemas.openxmlformats.org/presentationml/2006/main" xmlns:r="http://schemas.openxmlformats.org/officeDocument/2006/relationships" xmlns:p14="http://schemas.microsoft.com/office/powerpoint/2010/main" xmlns:p15="http://schemas.microsoft.com/office/powerpoint/2012/main" xmlns:mc="http://schemas.openxmlformats.org/markup-compatibility/2006" type="tx" preserve="1">
+  <p:cSld name="Title Slide">
+    <p:spTree>
+      <p:nvGrpSpPr>
+        <p:cNvPr id="1" name=""/>
+        <p:cNvGrpSpPr/>
+        <p:nvPr/>
+      </p:nvGrpSpPr>
+      <p:grpSpPr>
+        <a:xfrm>
+          <a:off x="0" y="0"/>
+          <a:ext cx="0" cy="0"/>
+          <a:chOff x="0" y="0"/>
+          <a:chExt cx="0" cy="0"/>
+        </a:xfrm>
+      </p:grpSpPr>
+      <p:sp>
+        <p:nvSpPr>
+          <p:cNvPr id="40" name="PlaceHolder 1"/>
+          <p:cNvSpPr>
+            <a:spLocks noGrp="1"/>
+          </p:cNvSpPr>
+          <p:nvPr>
+            <p:ph type="title"/>
+          </p:nvPr>
+        </p:nvSpPr>
+        <p:spPr>
+          <a:xfrm>
+            <a:off x="504000" y="226080"/>
+            <a:ext cx="9071280" cy="946080"/>
+          </a:xfrm>
+          <a:prstGeom prst="rect">
+            <a:avLst/>
+          </a:prstGeom>
+        </p:spPr>
+        <p:txBody>
+          <a:bodyPr lIns="0" rIns="0" tIns="0" bIns="0" anchor="ctr">
+            <a:noAutofit/>
+          </a:bodyPr>
+          <a:p>
+            <a:pPr algn="ctr"/>
+            <a:endParaRPr b="0" lang="en-US" sz="1800" spc="-1" strike="noStrike">
               <a:solidFill>
                 <a:srgbClr val="a6a8c4"/>
               </a:solidFill>
@@ -450,29 +665,83 @@
       </p:sp>
       <p:sp>
         <p:nvSpPr>
-          <p:cNvPr id="36" name="PlaceHolder 3"/>
-          <p:cNvSpPr>
-            <a:spLocks noGrp="1"/>
-          </p:cNvSpPr>
-          <p:nvPr>
-            <p:ph type="body"/>
-          </p:nvPr>
-        </p:nvSpPr>
-        <p:spPr>
-          <a:xfrm>
-            <a:off x="3571200" y="1326600"/>
-            <a:ext cx="2920680" cy="1568160"/>
-          </a:xfrm>
-          <a:prstGeom prst="rect">
-            <a:avLst/>
-          </a:prstGeom>
-        </p:spPr>
-        <p:txBody>
-          <a:bodyPr lIns="0" rIns="0" tIns="0" bIns="0">
-            <a:normAutofit/>
-          </a:bodyPr>
-          <a:p>
+          <p:cNvPr id="41" name="PlaceHolder 2"/>
+          <p:cNvSpPr>
+            <a:spLocks noGrp="1"/>
+          </p:cNvSpPr>
+          <p:nvPr>
+            <p:ph type="subTitle"/>
+          </p:nvPr>
+        </p:nvSpPr>
+        <p:spPr>
+          <a:xfrm>
+            <a:off x="504000" y="1326600"/>
+            <a:ext cx="9072000" cy="3288600"/>
+          </a:xfrm>
+          <a:prstGeom prst="rect">
+            <a:avLst/>
+          </a:prstGeom>
+        </p:spPr>
+        <p:txBody>
+          <a:bodyPr lIns="0" rIns="0" tIns="0" bIns="0" anchor="ctr">
+            <a:noAutofit/>
+          </a:bodyPr>
+          <a:p>
+            <a:pPr algn="ctr"/>
             <a:endParaRPr b="0" lang="en-US" sz="3200" spc="-1" strike="noStrike">
+              <a:latin typeface="Arial"/>
+            </a:endParaRPr>
+          </a:p>
+        </p:txBody>
+      </p:sp>
+    </p:spTree>
+  </p:cSld>
+</p:sldLayout>
+</file>
+
+<file path=ppt/slideLayouts/slideLayout15.xml><?xml version="1.0" encoding="utf-8"?>
+<p:sldLayout xmlns:a="http://schemas.openxmlformats.org/drawingml/2006/main" xmlns:p="http://schemas.openxmlformats.org/presentationml/2006/main" xmlns:r="http://schemas.openxmlformats.org/officeDocument/2006/relationships" xmlns:p14="http://schemas.microsoft.com/office/powerpoint/2010/main" xmlns:p15="http://schemas.microsoft.com/office/powerpoint/2012/main" xmlns:mc="http://schemas.openxmlformats.org/markup-compatibility/2006" type="obj" preserve="1">
+  <p:cSld name="Title, Content">
+    <p:spTree>
+      <p:nvGrpSpPr>
+        <p:cNvPr id="1" name=""/>
+        <p:cNvGrpSpPr/>
+        <p:nvPr/>
+      </p:nvGrpSpPr>
+      <p:grpSpPr>
+        <a:xfrm>
+          <a:off x="0" y="0"/>
+          <a:ext cx="0" cy="0"/>
+          <a:chOff x="0" y="0"/>
+          <a:chExt cx="0" cy="0"/>
+        </a:xfrm>
+      </p:grpSpPr>
+      <p:sp>
+        <p:nvSpPr>
+          <p:cNvPr id="42" name="PlaceHolder 1"/>
+          <p:cNvSpPr>
+            <a:spLocks noGrp="1"/>
+          </p:cNvSpPr>
+          <p:nvPr>
+            <p:ph type="title"/>
+          </p:nvPr>
+        </p:nvSpPr>
+        <p:spPr>
+          <a:xfrm>
+            <a:off x="504000" y="226080"/>
+            <a:ext cx="9071280" cy="946080"/>
+          </a:xfrm>
+          <a:prstGeom prst="rect">
+            <a:avLst/>
+          </a:prstGeom>
+        </p:spPr>
+        <p:txBody>
+          <a:bodyPr lIns="0" rIns="0" tIns="0" bIns="0" anchor="ctr">
+            <a:noAutofit/>
+          </a:bodyPr>
+          <a:p>
+            <a:pPr algn="ctr"/>
+            <a:endParaRPr b="0" lang="en-US" sz="1800" spc="-1" strike="noStrike">
               <a:solidFill>
                 <a:srgbClr val="a6a8c4"/>
               </a:solidFill>
@@ -483,7 +752,7 @@
       </p:sp>
       <p:sp>
         <p:nvSpPr>
-          <p:cNvPr id="37" name="PlaceHolder 4"/>
+          <p:cNvPr id="43" name="PlaceHolder 2"/>
           <p:cNvSpPr>
             <a:spLocks noGrp="1"/>
           </p:cNvSpPr>
@@ -493,8 +762,8 @@
         </p:nvSpPr>
         <p:spPr>
           <a:xfrm>
-            <a:off x="6638040" y="1326600"/>
-            <a:ext cx="2920680" cy="1568160"/>
+            <a:off x="504000" y="1326600"/>
+            <a:ext cx="9072000" cy="3288600"/>
           </a:xfrm>
           <a:prstGeom prst="rect">
             <a:avLst/>
@@ -506,6 +775,59 @@
           </a:bodyPr>
           <a:p>
             <a:endParaRPr b="0" lang="en-US" sz="3200" spc="-1" strike="noStrike">
+              <a:latin typeface="Arial"/>
+            </a:endParaRPr>
+          </a:p>
+        </p:txBody>
+      </p:sp>
+    </p:spTree>
+  </p:cSld>
+</p:sldLayout>
+</file>
+
+<file path=ppt/slideLayouts/slideLayout16.xml><?xml version="1.0" encoding="utf-8"?>
+<p:sldLayout xmlns:a="http://schemas.openxmlformats.org/drawingml/2006/main" xmlns:p="http://schemas.openxmlformats.org/presentationml/2006/main" xmlns:r="http://schemas.openxmlformats.org/officeDocument/2006/relationships" xmlns:p14="http://schemas.microsoft.com/office/powerpoint/2010/main" xmlns:p15="http://schemas.microsoft.com/office/powerpoint/2012/main" xmlns:mc="http://schemas.openxmlformats.org/markup-compatibility/2006" type="twoObj" preserve="1">
+  <p:cSld name="Title, 2 Content">
+    <p:spTree>
+      <p:nvGrpSpPr>
+        <p:cNvPr id="1" name=""/>
+        <p:cNvGrpSpPr/>
+        <p:nvPr/>
+      </p:nvGrpSpPr>
+      <p:grpSpPr>
+        <a:xfrm>
+          <a:off x="0" y="0"/>
+          <a:ext cx="0" cy="0"/>
+          <a:chOff x="0" y="0"/>
+          <a:chExt cx="0" cy="0"/>
+        </a:xfrm>
+      </p:grpSpPr>
+      <p:sp>
+        <p:nvSpPr>
+          <p:cNvPr id="44" name="PlaceHolder 1"/>
+          <p:cNvSpPr>
+            <a:spLocks noGrp="1"/>
+          </p:cNvSpPr>
+          <p:nvPr>
+            <p:ph type="title"/>
+          </p:nvPr>
+        </p:nvSpPr>
+        <p:spPr>
+          <a:xfrm>
+            <a:off x="504000" y="226080"/>
+            <a:ext cx="9071280" cy="946080"/>
+          </a:xfrm>
+          <a:prstGeom prst="rect">
+            <a:avLst/>
+          </a:prstGeom>
+        </p:spPr>
+        <p:txBody>
+          <a:bodyPr lIns="0" rIns="0" tIns="0" bIns="0" anchor="ctr">
+            <a:noAutofit/>
+          </a:bodyPr>
+          <a:p>
+            <a:pPr algn="ctr"/>
+            <a:endParaRPr b="0" lang="en-US" sz="1800" spc="-1" strike="noStrike">
               <a:solidFill>
                 <a:srgbClr val="a6a8c4"/>
               </a:solidFill>
@@ -516,7 +838,7 @@
       </p:sp>
       <p:sp>
         <p:nvSpPr>
-          <p:cNvPr id="38" name="PlaceHolder 5"/>
+          <p:cNvPr id="45" name="PlaceHolder 2"/>
           <p:cNvSpPr>
             <a:spLocks noGrp="1"/>
           </p:cNvSpPr>
@@ -526,8 +848,8 @@
         </p:nvSpPr>
         <p:spPr>
           <a:xfrm>
-            <a:off x="504000" y="3044160"/>
-            <a:ext cx="2920680" cy="1568160"/>
+            <a:off x="504000" y="1326600"/>
+            <a:ext cx="4426920" cy="3288600"/>
           </a:xfrm>
           <a:prstGeom prst="rect">
             <a:avLst/>
@@ -539,6 +861,89 @@
           </a:bodyPr>
           <a:p>
             <a:endParaRPr b="0" lang="en-US" sz="3200" spc="-1" strike="noStrike">
+              <a:latin typeface="Arial"/>
+            </a:endParaRPr>
+          </a:p>
+        </p:txBody>
+      </p:sp>
+      <p:sp>
+        <p:nvSpPr>
+          <p:cNvPr id="46" name="PlaceHolder 3"/>
+          <p:cNvSpPr>
+            <a:spLocks noGrp="1"/>
+          </p:cNvSpPr>
+          <p:nvPr>
+            <p:ph type="body"/>
+          </p:nvPr>
+        </p:nvSpPr>
+        <p:spPr>
+          <a:xfrm>
+            <a:off x="5152680" y="1326600"/>
+            <a:ext cx="4426920" cy="3288600"/>
+          </a:xfrm>
+          <a:prstGeom prst="rect">
+            <a:avLst/>
+          </a:prstGeom>
+        </p:spPr>
+        <p:txBody>
+          <a:bodyPr lIns="0" rIns="0" tIns="0" bIns="0">
+            <a:normAutofit/>
+          </a:bodyPr>
+          <a:p>
+            <a:endParaRPr b="0" lang="en-US" sz="3200" spc="-1" strike="noStrike">
+              <a:latin typeface="Arial"/>
+            </a:endParaRPr>
+          </a:p>
+        </p:txBody>
+      </p:sp>
+    </p:spTree>
+  </p:cSld>
+</p:sldLayout>
+</file>
+
+<file path=ppt/slideLayouts/slideLayout17.xml><?xml version="1.0" encoding="utf-8"?>
+<p:sldLayout xmlns:a="http://schemas.openxmlformats.org/drawingml/2006/main" xmlns:p="http://schemas.openxmlformats.org/presentationml/2006/main" xmlns:r="http://schemas.openxmlformats.org/officeDocument/2006/relationships" xmlns:p14="http://schemas.microsoft.com/office/powerpoint/2010/main" xmlns:p15="http://schemas.microsoft.com/office/powerpoint/2012/main" xmlns:mc="http://schemas.openxmlformats.org/markup-compatibility/2006" type="titleOnly" preserve="1">
+  <p:cSld name="Title Only">
+    <p:spTree>
+      <p:nvGrpSpPr>
+        <p:cNvPr id="1" name=""/>
+        <p:cNvGrpSpPr/>
+        <p:nvPr/>
+      </p:nvGrpSpPr>
+      <p:grpSpPr>
+        <a:xfrm>
+          <a:off x="0" y="0"/>
+          <a:ext cx="0" cy="0"/>
+          <a:chOff x="0" y="0"/>
+          <a:chExt cx="0" cy="0"/>
+        </a:xfrm>
+      </p:grpSpPr>
+      <p:sp>
+        <p:nvSpPr>
+          <p:cNvPr id="47" name="PlaceHolder 1"/>
+          <p:cNvSpPr>
+            <a:spLocks noGrp="1"/>
+          </p:cNvSpPr>
+          <p:nvPr>
+            <p:ph type="title"/>
+          </p:nvPr>
+        </p:nvSpPr>
+        <p:spPr>
+          <a:xfrm>
+            <a:off x="504000" y="226080"/>
+            <a:ext cx="9071280" cy="946080"/>
+          </a:xfrm>
+          <a:prstGeom prst="rect">
+            <a:avLst/>
+          </a:prstGeom>
+        </p:spPr>
+        <p:txBody>
+          <a:bodyPr lIns="0" rIns="0" tIns="0" bIns="0" anchor="ctr">
+            <a:noAutofit/>
+          </a:bodyPr>
+          <a:p>
+            <a:pPr algn="ctr"/>
+            <a:endParaRPr b="0" lang="en-US" sz="1800" spc="-1" strike="noStrike">
               <a:solidFill>
                 <a:srgbClr val="a6a8c4"/>
               </a:solidFill>
@@ -547,31 +952,107 @@
           </a:p>
         </p:txBody>
       </p:sp>
-      <p:sp>
-        <p:nvSpPr>
-          <p:cNvPr id="39" name="PlaceHolder 6"/>
-          <p:cNvSpPr>
-            <a:spLocks noGrp="1"/>
-          </p:cNvSpPr>
-          <p:nvPr>
-            <p:ph type="body"/>
-          </p:nvPr>
-        </p:nvSpPr>
-        <p:spPr>
-          <a:xfrm>
-            <a:off x="3571200" y="3044160"/>
-            <a:ext cx="2920680" cy="1568160"/>
-          </a:xfrm>
-          <a:prstGeom prst="rect">
-            <a:avLst/>
-          </a:prstGeom>
-        </p:spPr>
-        <p:txBody>
-          <a:bodyPr lIns="0" rIns="0" tIns="0" bIns="0">
-            <a:normAutofit/>
-          </a:bodyPr>
-          <a:p>
+    </p:spTree>
+  </p:cSld>
+</p:sldLayout>
+</file>
+
+<file path=ppt/slideLayouts/slideLayout18.xml><?xml version="1.0" encoding="utf-8"?>
+<p:sldLayout xmlns:a="http://schemas.openxmlformats.org/drawingml/2006/main" xmlns:p="http://schemas.openxmlformats.org/presentationml/2006/main" xmlns:r="http://schemas.openxmlformats.org/officeDocument/2006/relationships" xmlns:p14="http://schemas.microsoft.com/office/powerpoint/2010/main" xmlns:p15="http://schemas.microsoft.com/office/powerpoint/2012/main" xmlns:mc="http://schemas.openxmlformats.org/markup-compatibility/2006" type="objOnly" preserve="1">
+  <p:cSld name="Centered Text">
+    <p:spTree>
+      <p:nvGrpSpPr>
+        <p:cNvPr id="1" name=""/>
+        <p:cNvGrpSpPr/>
+        <p:nvPr/>
+      </p:nvGrpSpPr>
+      <p:grpSpPr>
+        <a:xfrm>
+          <a:off x="0" y="0"/>
+          <a:ext cx="0" cy="0"/>
+          <a:chOff x="0" y="0"/>
+          <a:chExt cx="0" cy="0"/>
+        </a:xfrm>
+      </p:grpSpPr>
+      <p:sp>
+        <p:nvSpPr>
+          <p:cNvPr id="48" name="PlaceHolder 1"/>
+          <p:cNvSpPr>
+            <a:spLocks noGrp="1"/>
+          </p:cNvSpPr>
+          <p:nvPr>
+            <p:ph type="subTitle"/>
+          </p:nvPr>
+        </p:nvSpPr>
+        <p:spPr>
+          <a:xfrm>
+            <a:off x="504000" y="226080"/>
+            <a:ext cx="9071280" cy="4386600"/>
+          </a:xfrm>
+          <a:prstGeom prst="rect">
+            <a:avLst/>
+          </a:prstGeom>
+        </p:spPr>
+        <p:txBody>
+          <a:bodyPr lIns="0" rIns="0" tIns="0" bIns="0" anchor="ctr">
+            <a:noAutofit/>
+          </a:bodyPr>
+          <a:p>
+            <a:pPr algn="ctr"/>
             <a:endParaRPr b="0" lang="en-US" sz="3200" spc="-1" strike="noStrike">
+              <a:latin typeface="Arial"/>
+            </a:endParaRPr>
+          </a:p>
+        </p:txBody>
+      </p:sp>
+    </p:spTree>
+  </p:cSld>
+</p:sldLayout>
+</file>
+
+<file path=ppt/slideLayouts/slideLayout19.xml><?xml version="1.0" encoding="utf-8"?>
+<p:sldLayout xmlns:a="http://schemas.openxmlformats.org/drawingml/2006/main" xmlns:p="http://schemas.openxmlformats.org/presentationml/2006/main" xmlns:r="http://schemas.openxmlformats.org/officeDocument/2006/relationships" xmlns:p14="http://schemas.microsoft.com/office/powerpoint/2010/main" xmlns:p15="http://schemas.microsoft.com/office/powerpoint/2012/main" xmlns:mc="http://schemas.openxmlformats.org/markup-compatibility/2006" type="twoObjAndObj" preserve="1">
+  <p:cSld name="Title, 2 Content and Content">
+    <p:spTree>
+      <p:nvGrpSpPr>
+        <p:cNvPr id="1" name=""/>
+        <p:cNvGrpSpPr/>
+        <p:nvPr/>
+      </p:nvGrpSpPr>
+      <p:grpSpPr>
+        <a:xfrm>
+          <a:off x="0" y="0"/>
+          <a:ext cx="0" cy="0"/>
+          <a:chOff x="0" y="0"/>
+          <a:chExt cx="0" cy="0"/>
+        </a:xfrm>
+      </p:grpSpPr>
+      <p:sp>
+        <p:nvSpPr>
+          <p:cNvPr id="49" name="PlaceHolder 1"/>
+          <p:cNvSpPr>
+            <a:spLocks noGrp="1"/>
+          </p:cNvSpPr>
+          <p:nvPr>
+            <p:ph type="title"/>
+          </p:nvPr>
+        </p:nvSpPr>
+        <p:spPr>
+          <a:xfrm>
+            <a:off x="504000" y="226080"/>
+            <a:ext cx="9071280" cy="946080"/>
+          </a:xfrm>
+          <a:prstGeom prst="rect">
+            <a:avLst/>
+          </a:prstGeom>
+        </p:spPr>
+        <p:txBody>
+          <a:bodyPr lIns="0" rIns="0" tIns="0" bIns="0" anchor="ctr">
+            <a:noAutofit/>
+          </a:bodyPr>
+          <a:p>
+            <a:pPr algn="ctr"/>
+            <a:endParaRPr b="0" lang="en-US" sz="1800" spc="-1" strike="noStrike">
               <a:solidFill>
                 <a:srgbClr val="a6a8c4"/>
               </a:solidFill>
@@ -582,7 +1063,7 @@
       </p:sp>
       <p:sp>
         <p:nvSpPr>
-          <p:cNvPr id="40" name="PlaceHolder 7"/>
+          <p:cNvPr id="50" name="PlaceHolder 2"/>
           <p:cNvSpPr>
             <a:spLocks noGrp="1"/>
           </p:cNvSpPr>
@@ -592,8 +1073,8 @@
         </p:nvSpPr>
         <p:spPr>
           <a:xfrm>
-            <a:off x="6638040" y="3044160"/>
-            <a:ext cx="2920680" cy="1568160"/>
+            <a:off x="504000" y="1326600"/>
+            <a:ext cx="4426920" cy="1568520"/>
           </a:xfrm>
           <a:prstGeom prst="rect">
             <a:avLst/>
@@ -605,9 +1086,66 @@
           </a:bodyPr>
           <a:p>
             <a:endParaRPr b="0" lang="en-US" sz="3200" spc="-1" strike="noStrike">
-              <a:solidFill>
-                <a:srgbClr val="a6a8c4"/>
-              </a:solidFill>
+              <a:latin typeface="Arial"/>
+            </a:endParaRPr>
+          </a:p>
+        </p:txBody>
+      </p:sp>
+      <p:sp>
+        <p:nvSpPr>
+          <p:cNvPr id="51" name="PlaceHolder 3"/>
+          <p:cNvSpPr>
+            <a:spLocks noGrp="1"/>
+          </p:cNvSpPr>
+          <p:nvPr>
+            <p:ph type="body"/>
+          </p:nvPr>
+        </p:nvSpPr>
+        <p:spPr>
+          <a:xfrm>
+            <a:off x="5152680" y="1326600"/>
+            <a:ext cx="4426920" cy="3288600"/>
+          </a:xfrm>
+          <a:prstGeom prst="rect">
+            <a:avLst/>
+          </a:prstGeom>
+        </p:spPr>
+        <p:txBody>
+          <a:bodyPr lIns="0" rIns="0" tIns="0" bIns="0">
+            <a:normAutofit/>
+          </a:bodyPr>
+          <a:p>
+            <a:endParaRPr b="0" lang="en-US" sz="3200" spc="-1" strike="noStrike">
+              <a:latin typeface="Arial"/>
+            </a:endParaRPr>
+          </a:p>
+        </p:txBody>
+      </p:sp>
+      <p:sp>
+        <p:nvSpPr>
+          <p:cNvPr id="52" name="PlaceHolder 4"/>
+          <p:cNvSpPr>
+            <a:spLocks noGrp="1"/>
+          </p:cNvSpPr>
+          <p:nvPr>
+            <p:ph type="body"/>
+          </p:nvPr>
+        </p:nvSpPr>
+        <p:spPr>
+          <a:xfrm>
+            <a:off x="504000" y="3044520"/>
+            <a:ext cx="4426920" cy="1568520"/>
+          </a:xfrm>
+          <a:prstGeom prst="rect">
+            <a:avLst/>
+          </a:prstGeom>
+        </p:spPr>
+        <p:txBody>
+          <a:bodyPr lIns="0" rIns="0" tIns="0" bIns="0">
+            <a:normAutofit/>
+          </a:bodyPr>
+          <a:p>
+            <a:endParaRPr b="0" lang="en-US" sz="3200" spc="-1" strike="noStrike">
               <a:latin typeface="Arial"/>
             </a:endParaRPr>
           </a:p>
@@ -637,7 +1175,7 @@
       </p:grpSpPr>
       <p:sp>
         <p:nvSpPr>
-          <p:cNvPr id="5" name="PlaceHolder 1"/>
+          <p:cNvPr id="2" name="PlaceHolder 1"/>
           <p:cNvSpPr>
             <a:spLocks noGrp="1"/>
           </p:cNvSpPr>
@@ -648,7 +1186,7 @@
         <p:spPr>
           <a:xfrm>
             <a:off x="504000" y="226080"/>
-            <a:ext cx="9071640" cy="946440"/>
+            <a:ext cx="9071280" cy="946080"/>
           </a:xfrm>
           <a:prstGeom prst="rect">
             <a:avLst/>
@@ -659,18 +1197,19 @@
             <a:noAutofit/>
           </a:bodyPr>
           <a:p>
-            <a:endParaRPr b="0" lang="en-US" sz="4400" spc="-1" strike="noStrike">
+            <a:pPr algn="ctr"/>
+            <a:endParaRPr b="0" lang="en-US" sz="1800" spc="-1" strike="noStrike">
               <a:solidFill>
                 <a:srgbClr val="a6a8c4"/>
               </a:solidFill>
-              <a:latin typeface="Courier New"/>
-            </a:endParaRPr>
-          </a:p>
-        </p:txBody>
-      </p:sp>
-      <p:sp>
-        <p:nvSpPr>
-          <p:cNvPr id="6" name="PlaceHolder 2"/>
+              <a:latin typeface="Arial"/>
+            </a:endParaRPr>
+          </a:p>
+        </p:txBody>
+      </p:sp>
+      <p:sp>
+        <p:nvSpPr>
+          <p:cNvPr id="3" name="PlaceHolder 2"/>
           <p:cNvSpPr>
             <a:spLocks noGrp="1"/>
           </p:cNvSpPr>
@@ -681,7 +1220,7 @@
         <p:spPr>
           <a:xfrm>
             <a:off x="504000" y="1326600"/>
-            <a:ext cx="9071640" cy="3288240"/>
+            <a:ext cx="9072000" cy="3288600"/>
           </a:xfrm>
           <a:prstGeom prst="rect">
             <a:avLst/>
@@ -693,7 +1232,1191 @@
           </a:bodyPr>
           <a:p>
             <a:pPr algn="ctr"/>
-            <a:endParaRPr b="0" lang="en-US" sz="1200" spc="-1" strike="noStrike">
+            <a:endParaRPr b="0" lang="en-US" sz="3200" spc="-1" strike="noStrike">
+              <a:latin typeface="Arial"/>
+            </a:endParaRPr>
+          </a:p>
+        </p:txBody>
+      </p:sp>
+    </p:spTree>
+  </p:cSld>
+</p:sldLayout>
+</file>
+
+<file path=ppt/slideLayouts/slideLayout20.xml><?xml version="1.0" encoding="utf-8"?>
+<p:sldLayout xmlns:a="http://schemas.openxmlformats.org/drawingml/2006/main" xmlns:p="http://schemas.openxmlformats.org/presentationml/2006/main" xmlns:r="http://schemas.openxmlformats.org/officeDocument/2006/relationships" xmlns:p14="http://schemas.microsoft.com/office/powerpoint/2010/main" xmlns:p15="http://schemas.microsoft.com/office/powerpoint/2012/main" xmlns:mc="http://schemas.openxmlformats.org/markup-compatibility/2006" type="objAndTwoObj" preserve="1">
+  <p:cSld name="Title Content and 2 Content">
+    <p:spTree>
+      <p:nvGrpSpPr>
+        <p:cNvPr id="1" name=""/>
+        <p:cNvGrpSpPr/>
+        <p:nvPr/>
+      </p:nvGrpSpPr>
+      <p:grpSpPr>
+        <a:xfrm>
+          <a:off x="0" y="0"/>
+          <a:ext cx="0" cy="0"/>
+          <a:chOff x="0" y="0"/>
+          <a:chExt cx="0" cy="0"/>
+        </a:xfrm>
+      </p:grpSpPr>
+      <p:sp>
+        <p:nvSpPr>
+          <p:cNvPr id="53" name="PlaceHolder 1"/>
+          <p:cNvSpPr>
+            <a:spLocks noGrp="1"/>
+          </p:cNvSpPr>
+          <p:nvPr>
+            <p:ph type="title"/>
+          </p:nvPr>
+        </p:nvSpPr>
+        <p:spPr>
+          <a:xfrm>
+            <a:off x="504000" y="226080"/>
+            <a:ext cx="9071280" cy="946080"/>
+          </a:xfrm>
+          <a:prstGeom prst="rect">
+            <a:avLst/>
+          </a:prstGeom>
+        </p:spPr>
+        <p:txBody>
+          <a:bodyPr lIns="0" rIns="0" tIns="0" bIns="0" anchor="ctr">
+            <a:noAutofit/>
+          </a:bodyPr>
+          <a:p>
+            <a:pPr algn="ctr"/>
+            <a:endParaRPr b="0" lang="en-US" sz="1800" spc="-1" strike="noStrike">
+              <a:solidFill>
+                <a:srgbClr val="a6a8c4"/>
+              </a:solidFill>
+              <a:latin typeface="Arial"/>
+            </a:endParaRPr>
+          </a:p>
+        </p:txBody>
+      </p:sp>
+      <p:sp>
+        <p:nvSpPr>
+          <p:cNvPr id="54" name="PlaceHolder 2"/>
+          <p:cNvSpPr>
+            <a:spLocks noGrp="1"/>
+          </p:cNvSpPr>
+          <p:nvPr>
+            <p:ph type="body"/>
+          </p:nvPr>
+        </p:nvSpPr>
+        <p:spPr>
+          <a:xfrm>
+            <a:off x="504000" y="1326600"/>
+            <a:ext cx="4426920" cy="3288600"/>
+          </a:xfrm>
+          <a:prstGeom prst="rect">
+            <a:avLst/>
+          </a:prstGeom>
+        </p:spPr>
+        <p:txBody>
+          <a:bodyPr lIns="0" rIns="0" tIns="0" bIns="0">
+            <a:normAutofit/>
+          </a:bodyPr>
+          <a:p>
+            <a:endParaRPr b="0" lang="en-US" sz="3200" spc="-1" strike="noStrike">
+              <a:latin typeface="Arial"/>
+            </a:endParaRPr>
+          </a:p>
+        </p:txBody>
+      </p:sp>
+      <p:sp>
+        <p:nvSpPr>
+          <p:cNvPr id="55" name="PlaceHolder 3"/>
+          <p:cNvSpPr>
+            <a:spLocks noGrp="1"/>
+          </p:cNvSpPr>
+          <p:nvPr>
+            <p:ph type="body"/>
+          </p:nvPr>
+        </p:nvSpPr>
+        <p:spPr>
+          <a:xfrm>
+            <a:off x="5152680" y="1326600"/>
+            <a:ext cx="4426920" cy="1568520"/>
+          </a:xfrm>
+          <a:prstGeom prst="rect">
+            <a:avLst/>
+          </a:prstGeom>
+        </p:spPr>
+        <p:txBody>
+          <a:bodyPr lIns="0" rIns="0" tIns="0" bIns="0">
+            <a:normAutofit/>
+          </a:bodyPr>
+          <a:p>
+            <a:endParaRPr b="0" lang="en-US" sz="3200" spc="-1" strike="noStrike">
+              <a:latin typeface="Arial"/>
+            </a:endParaRPr>
+          </a:p>
+        </p:txBody>
+      </p:sp>
+      <p:sp>
+        <p:nvSpPr>
+          <p:cNvPr id="56" name="PlaceHolder 4"/>
+          <p:cNvSpPr>
+            <a:spLocks noGrp="1"/>
+          </p:cNvSpPr>
+          <p:nvPr>
+            <p:ph type="body"/>
+          </p:nvPr>
+        </p:nvSpPr>
+        <p:spPr>
+          <a:xfrm>
+            <a:off x="5152680" y="3044520"/>
+            <a:ext cx="4426920" cy="1568520"/>
+          </a:xfrm>
+          <a:prstGeom prst="rect">
+            <a:avLst/>
+          </a:prstGeom>
+        </p:spPr>
+        <p:txBody>
+          <a:bodyPr lIns="0" rIns="0" tIns="0" bIns="0">
+            <a:normAutofit/>
+          </a:bodyPr>
+          <a:p>
+            <a:endParaRPr b="0" lang="en-US" sz="3200" spc="-1" strike="noStrike">
+              <a:latin typeface="Arial"/>
+            </a:endParaRPr>
+          </a:p>
+        </p:txBody>
+      </p:sp>
+    </p:spTree>
+  </p:cSld>
+</p:sldLayout>
+</file>
+
+<file path=ppt/slideLayouts/slideLayout21.xml><?xml version="1.0" encoding="utf-8"?>
+<p:sldLayout xmlns:a="http://schemas.openxmlformats.org/drawingml/2006/main" xmlns:p="http://schemas.openxmlformats.org/presentationml/2006/main" xmlns:r="http://schemas.openxmlformats.org/officeDocument/2006/relationships" xmlns:p14="http://schemas.microsoft.com/office/powerpoint/2010/main" xmlns:p15="http://schemas.microsoft.com/office/powerpoint/2012/main" xmlns:mc="http://schemas.openxmlformats.org/markup-compatibility/2006" type="twoObjOverTx" preserve="1">
+  <p:cSld name="Title, 2 Content over Content">
+    <p:spTree>
+      <p:nvGrpSpPr>
+        <p:cNvPr id="1" name=""/>
+        <p:cNvGrpSpPr/>
+        <p:nvPr/>
+      </p:nvGrpSpPr>
+      <p:grpSpPr>
+        <a:xfrm>
+          <a:off x="0" y="0"/>
+          <a:ext cx="0" cy="0"/>
+          <a:chOff x="0" y="0"/>
+          <a:chExt cx="0" cy="0"/>
+        </a:xfrm>
+      </p:grpSpPr>
+      <p:sp>
+        <p:nvSpPr>
+          <p:cNvPr id="57" name="PlaceHolder 1"/>
+          <p:cNvSpPr>
+            <a:spLocks noGrp="1"/>
+          </p:cNvSpPr>
+          <p:nvPr>
+            <p:ph type="title"/>
+          </p:nvPr>
+        </p:nvSpPr>
+        <p:spPr>
+          <a:xfrm>
+            <a:off x="504000" y="226080"/>
+            <a:ext cx="9071280" cy="946080"/>
+          </a:xfrm>
+          <a:prstGeom prst="rect">
+            <a:avLst/>
+          </a:prstGeom>
+        </p:spPr>
+        <p:txBody>
+          <a:bodyPr lIns="0" rIns="0" tIns="0" bIns="0" anchor="ctr">
+            <a:noAutofit/>
+          </a:bodyPr>
+          <a:p>
+            <a:pPr algn="ctr"/>
+            <a:endParaRPr b="0" lang="en-US" sz="1800" spc="-1" strike="noStrike">
+              <a:solidFill>
+                <a:srgbClr val="a6a8c4"/>
+              </a:solidFill>
+              <a:latin typeface="Arial"/>
+            </a:endParaRPr>
+          </a:p>
+        </p:txBody>
+      </p:sp>
+      <p:sp>
+        <p:nvSpPr>
+          <p:cNvPr id="58" name="PlaceHolder 2"/>
+          <p:cNvSpPr>
+            <a:spLocks noGrp="1"/>
+          </p:cNvSpPr>
+          <p:nvPr>
+            <p:ph type="body"/>
+          </p:nvPr>
+        </p:nvSpPr>
+        <p:spPr>
+          <a:xfrm>
+            <a:off x="504000" y="1326600"/>
+            <a:ext cx="4426920" cy="1568520"/>
+          </a:xfrm>
+          <a:prstGeom prst="rect">
+            <a:avLst/>
+          </a:prstGeom>
+        </p:spPr>
+        <p:txBody>
+          <a:bodyPr lIns="0" rIns="0" tIns="0" bIns="0">
+            <a:normAutofit/>
+          </a:bodyPr>
+          <a:p>
+            <a:endParaRPr b="0" lang="en-US" sz="3200" spc="-1" strike="noStrike">
+              <a:latin typeface="Arial"/>
+            </a:endParaRPr>
+          </a:p>
+        </p:txBody>
+      </p:sp>
+      <p:sp>
+        <p:nvSpPr>
+          <p:cNvPr id="59" name="PlaceHolder 3"/>
+          <p:cNvSpPr>
+            <a:spLocks noGrp="1"/>
+          </p:cNvSpPr>
+          <p:nvPr>
+            <p:ph type="body"/>
+          </p:nvPr>
+        </p:nvSpPr>
+        <p:spPr>
+          <a:xfrm>
+            <a:off x="5152680" y="1326600"/>
+            <a:ext cx="4426920" cy="1568520"/>
+          </a:xfrm>
+          <a:prstGeom prst="rect">
+            <a:avLst/>
+          </a:prstGeom>
+        </p:spPr>
+        <p:txBody>
+          <a:bodyPr lIns="0" rIns="0" tIns="0" bIns="0">
+            <a:normAutofit/>
+          </a:bodyPr>
+          <a:p>
+            <a:endParaRPr b="0" lang="en-US" sz="3200" spc="-1" strike="noStrike">
+              <a:latin typeface="Arial"/>
+            </a:endParaRPr>
+          </a:p>
+        </p:txBody>
+      </p:sp>
+      <p:sp>
+        <p:nvSpPr>
+          <p:cNvPr id="60" name="PlaceHolder 4"/>
+          <p:cNvSpPr>
+            <a:spLocks noGrp="1"/>
+          </p:cNvSpPr>
+          <p:nvPr>
+            <p:ph type="body"/>
+          </p:nvPr>
+        </p:nvSpPr>
+        <p:spPr>
+          <a:xfrm>
+            <a:off x="504000" y="3044520"/>
+            <a:ext cx="9072000" cy="1568520"/>
+          </a:xfrm>
+          <a:prstGeom prst="rect">
+            <a:avLst/>
+          </a:prstGeom>
+        </p:spPr>
+        <p:txBody>
+          <a:bodyPr lIns="0" rIns="0" tIns="0" bIns="0">
+            <a:normAutofit/>
+          </a:bodyPr>
+          <a:p>
+            <a:endParaRPr b="0" lang="en-US" sz="3200" spc="-1" strike="noStrike">
+              <a:latin typeface="Arial"/>
+            </a:endParaRPr>
+          </a:p>
+        </p:txBody>
+      </p:sp>
+    </p:spTree>
+  </p:cSld>
+</p:sldLayout>
+</file>
+
+<file path=ppt/slideLayouts/slideLayout22.xml><?xml version="1.0" encoding="utf-8"?>
+<p:sldLayout xmlns:a="http://schemas.openxmlformats.org/drawingml/2006/main" xmlns:p="http://schemas.openxmlformats.org/presentationml/2006/main" xmlns:r="http://schemas.openxmlformats.org/officeDocument/2006/relationships" xmlns:p14="http://schemas.microsoft.com/office/powerpoint/2010/main" xmlns:p15="http://schemas.microsoft.com/office/powerpoint/2012/main" xmlns:mc="http://schemas.openxmlformats.org/markup-compatibility/2006" type="objOverTx" preserve="1">
+  <p:cSld name="Title, Content over Content">
+    <p:spTree>
+      <p:nvGrpSpPr>
+        <p:cNvPr id="1" name=""/>
+        <p:cNvGrpSpPr/>
+        <p:nvPr/>
+      </p:nvGrpSpPr>
+      <p:grpSpPr>
+        <a:xfrm>
+          <a:off x="0" y="0"/>
+          <a:ext cx="0" cy="0"/>
+          <a:chOff x="0" y="0"/>
+          <a:chExt cx="0" cy="0"/>
+        </a:xfrm>
+      </p:grpSpPr>
+      <p:sp>
+        <p:nvSpPr>
+          <p:cNvPr id="61" name="PlaceHolder 1"/>
+          <p:cNvSpPr>
+            <a:spLocks noGrp="1"/>
+          </p:cNvSpPr>
+          <p:nvPr>
+            <p:ph type="title"/>
+          </p:nvPr>
+        </p:nvSpPr>
+        <p:spPr>
+          <a:xfrm>
+            <a:off x="504000" y="226080"/>
+            <a:ext cx="9071280" cy="946080"/>
+          </a:xfrm>
+          <a:prstGeom prst="rect">
+            <a:avLst/>
+          </a:prstGeom>
+        </p:spPr>
+        <p:txBody>
+          <a:bodyPr lIns="0" rIns="0" tIns="0" bIns="0" anchor="ctr">
+            <a:noAutofit/>
+          </a:bodyPr>
+          <a:p>
+            <a:pPr algn="ctr"/>
+            <a:endParaRPr b="0" lang="en-US" sz="1800" spc="-1" strike="noStrike">
+              <a:solidFill>
+                <a:srgbClr val="a6a8c4"/>
+              </a:solidFill>
+              <a:latin typeface="Arial"/>
+            </a:endParaRPr>
+          </a:p>
+        </p:txBody>
+      </p:sp>
+      <p:sp>
+        <p:nvSpPr>
+          <p:cNvPr id="62" name="PlaceHolder 2"/>
+          <p:cNvSpPr>
+            <a:spLocks noGrp="1"/>
+          </p:cNvSpPr>
+          <p:nvPr>
+            <p:ph type="body"/>
+          </p:nvPr>
+        </p:nvSpPr>
+        <p:spPr>
+          <a:xfrm>
+            <a:off x="504000" y="1326600"/>
+            <a:ext cx="9072000" cy="1568520"/>
+          </a:xfrm>
+          <a:prstGeom prst="rect">
+            <a:avLst/>
+          </a:prstGeom>
+        </p:spPr>
+        <p:txBody>
+          <a:bodyPr lIns="0" rIns="0" tIns="0" bIns="0">
+            <a:normAutofit/>
+          </a:bodyPr>
+          <a:p>
+            <a:endParaRPr b="0" lang="en-US" sz="3200" spc="-1" strike="noStrike">
+              <a:latin typeface="Arial"/>
+            </a:endParaRPr>
+          </a:p>
+        </p:txBody>
+      </p:sp>
+      <p:sp>
+        <p:nvSpPr>
+          <p:cNvPr id="63" name="PlaceHolder 3"/>
+          <p:cNvSpPr>
+            <a:spLocks noGrp="1"/>
+          </p:cNvSpPr>
+          <p:nvPr>
+            <p:ph type="body"/>
+          </p:nvPr>
+        </p:nvSpPr>
+        <p:spPr>
+          <a:xfrm>
+            <a:off x="504000" y="3044520"/>
+            <a:ext cx="9072000" cy="1568520"/>
+          </a:xfrm>
+          <a:prstGeom prst="rect">
+            <a:avLst/>
+          </a:prstGeom>
+        </p:spPr>
+        <p:txBody>
+          <a:bodyPr lIns="0" rIns="0" tIns="0" bIns="0">
+            <a:normAutofit/>
+          </a:bodyPr>
+          <a:p>
+            <a:endParaRPr b="0" lang="en-US" sz="3200" spc="-1" strike="noStrike">
+              <a:latin typeface="Arial"/>
+            </a:endParaRPr>
+          </a:p>
+        </p:txBody>
+      </p:sp>
+    </p:spTree>
+  </p:cSld>
+</p:sldLayout>
+</file>
+
+<file path=ppt/slideLayouts/slideLayout23.xml><?xml version="1.0" encoding="utf-8"?>
+<p:sldLayout xmlns:a="http://schemas.openxmlformats.org/drawingml/2006/main" xmlns:p="http://schemas.openxmlformats.org/presentationml/2006/main" xmlns:r="http://schemas.openxmlformats.org/officeDocument/2006/relationships" xmlns:p14="http://schemas.microsoft.com/office/powerpoint/2010/main" xmlns:p15="http://schemas.microsoft.com/office/powerpoint/2012/main" xmlns:mc="http://schemas.openxmlformats.org/markup-compatibility/2006" type="fourObj" preserve="1">
+  <p:cSld name="Title, 4 Content">
+    <p:spTree>
+      <p:nvGrpSpPr>
+        <p:cNvPr id="1" name=""/>
+        <p:cNvGrpSpPr/>
+        <p:nvPr/>
+      </p:nvGrpSpPr>
+      <p:grpSpPr>
+        <a:xfrm>
+          <a:off x="0" y="0"/>
+          <a:ext cx="0" cy="0"/>
+          <a:chOff x="0" y="0"/>
+          <a:chExt cx="0" cy="0"/>
+        </a:xfrm>
+      </p:grpSpPr>
+      <p:sp>
+        <p:nvSpPr>
+          <p:cNvPr id="64" name="PlaceHolder 1"/>
+          <p:cNvSpPr>
+            <a:spLocks noGrp="1"/>
+          </p:cNvSpPr>
+          <p:nvPr>
+            <p:ph type="title"/>
+          </p:nvPr>
+        </p:nvSpPr>
+        <p:spPr>
+          <a:xfrm>
+            <a:off x="504000" y="226080"/>
+            <a:ext cx="9071280" cy="946080"/>
+          </a:xfrm>
+          <a:prstGeom prst="rect">
+            <a:avLst/>
+          </a:prstGeom>
+        </p:spPr>
+        <p:txBody>
+          <a:bodyPr lIns="0" rIns="0" tIns="0" bIns="0" anchor="ctr">
+            <a:noAutofit/>
+          </a:bodyPr>
+          <a:p>
+            <a:pPr algn="ctr"/>
+            <a:endParaRPr b="0" lang="en-US" sz="1800" spc="-1" strike="noStrike">
+              <a:solidFill>
+                <a:srgbClr val="a6a8c4"/>
+              </a:solidFill>
+              <a:latin typeface="Arial"/>
+            </a:endParaRPr>
+          </a:p>
+        </p:txBody>
+      </p:sp>
+      <p:sp>
+        <p:nvSpPr>
+          <p:cNvPr id="65" name="PlaceHolder 2"/>
+          <p:cNvSpPr>
+            <a:spLocks noGrp="1"/>
+          </p:cNvSpPr>
+          <p:nvPr>
+            <p:ph type="body"/>
+          </p:nvPr>
+        </p:nvSpPr>
+        <p:spPr>
+          <a:xfrm>
+            <a:off x="504000" y="1326600"/>
+            <a:ext cx="4426920" cy="1568520"/>
+          </a:xfrm>
+          <a:prstGeom prst="rect">
+            <a:avLst/>
+          </a:prstGeom>
+        </p:spPr>
+        <p:txBody>
+          <a:bodyPr lIns="0" rIns="0" tIns="0" bIns="0">
+            <a:normAutofit/>
+          </a:bodyPr>
+          <a:p>
+            <a:endParaRPr b="0" lang="en-US" sz="3200" spc="-1" strike="noStrike">
+              <a:latin typeface="Arial"/>
+            </a:endParaRPr>
+          </a:p>
+        </p:txBody>
+      </p:sp>
+      <p:sp>
+        <p:nvSpPr>
+          <p:cNvPr id="66" name="PlaceHolder 3"/>
+          <p:cNvSpPr>
+            <a:spLocks noGrp="1"/>
+          </p:cNvSpPr>
+          <p:nvPr>
+            <p:ph type="body"/>
+          </p:nvPr>
+        </p:nvSpPr>
+        <p:spPr>
+          <a:xfrm>
+            <a:off x="5152680" y="1326600"/>
+            <a:ext cx="4426920" cy="1568520"/>
+          </a:xfrm>
+          <a:prstGeom prst="rect">
+            <a:avLst/>
+          </a:prstGeom>
+        </p:spPr>
+        <p:txBody>
+          <a:bodyPr lIns="0" rIns="0" tIns="0" bIns="0">
+            <a:normAutofit/>
+          </a:bodyPr>
+          <a:p>
+            <a:endParaRPr b="0" lang="en-US" sz="3200" spc="-1" strike="noStrike">
+              <a:latin typeface="Arial"/>
+            </a:endParaRPr>
+          </a:p>
+        </p:txBody>
+      </p:sp>
+      <p:sp>
+        <p:nvSpPr>
+          <p:cNvPr id="67" name="PlaceHolder 4"/>
+          <p:cNvSpPr>
+            <a:spLocks noGrp="1"/>
+          </p:cNvSpPr>
+          <p:nvPr>
+            <p:ph type="body"/>
+          </p:nvPr>
+        </p:nvSpPr>
+        <p:spPr>
+          <a:xfrm>
+            <a:off x="504000" y="3044520"/>
+            <a:ext cx="4426920" cy="1568520"/>
+          </a:xfrm>
+          <a:prstGeom prst="rect">
+            <a:avLst/>
+          </a:prstGeom>
+        </p:spPr>
+        <p:txBody>
+          <a:bodyPr lIns="0" rIns="0" tIns="0" bIns="0">
+            <a:normAutofit/>
+          </a:bodyPr>
+          <a:p>
+            <a:endParaRPr b="0" lang="en-US" sz="3200" spc="-1" strike="noStrike">
+              <a:latin typeface="Arial"/>
+            </a:endParaRPr>
+          </a:p>
+        </p:txBody>
+      </p:sp>
+      <p:sp>
+        <p:nvSpPr>
+          <p:cNvPr id="68" name="PlaceHolder 5"/>
+          <p:cNvSpPr>
+            <a:spLocks noGrp="1"/>
+          </p:cNvSpPr>
+          <p:nvPr>
+            <p:ph type="body"/>
+          </p:nvPr>
+        </p:nvSpPr>
+        <p:spPr>
+          <a:xfrm>
+            <a:off x="5152680" y="3044520"/>
+            <a:ext cx="4426920" cy="1568520"/>
+          </a:xfrm>
+          <a:prstGeom prst="rect">
+            <a:avLst/>
+          </a:prstGeom>
+        </p:spPr>
+        <p:txBody>
+          <a:bodyPr lIns="0" rIns="0" tIns="0" bIns="0">
+            <a:normAutofit/>
+          </a:bodyPr>
+          <a:p>
+            <a:endParaRPr b="0" lang="en-US" sz="3200" spc="-1" strike="noStrike">
+              <a:latin typeface="Arial"/>
+            </a:endParaRPr>
+          </a:p>
+        </p:txBody>
+      </p:sp>
+    </p:spTree>
+  </p:cSld>
+</p:sldLayout>
+</file>
+
+<file path=ppt/slideLayouts/slideLayout24.xml><?xml version="1.0" encoding="utf-8"?>
+<p:sldLayout xmlns:a="http://schemas.openxmlformats.org/drawingml/2006/main" xmlns:p="http://schemas.openxmlformats.org/presentationml/2006/main" xmlns:r="http://schemas.openxmlformats.org/officeDocument/2006/relationships" xmlns:p14="http://schemas.microsoft.com/office/powerpoint/2010/main" xmlns:p15="http://schemas.microsoft.com/office/powerpoint/2012/main" xmlns:mc="http://schemas.openxmlformats.org/markup-compatibility/2006" type="blank" preserve="1">
+  <p:cSld name="Title, 6 Content">
+    <p:spTree>
+      <p:nvGrpSpPr>
+        <p:cNvPr id="1" name=""/>
+        <p:cNvGrpSpPr/>
+        <p:nvPr/>
+      </p:nvGrpSpPr>
+      <p:grpSpPr>
+        <a:xfrm>
+          <a:off x="0" y="0"/>
+          <a:ext cx="0" cy="0"/>
+          <a:chOff x="0" y="0"/>
+          <a:chExt cx="0" cy="0"/>
+        </a:xfrm>
+      </p:grpSpPr>
+      <p:sp>
+        <p:nvSpPr>
+          <p:cNvPr id="69" name="PlaceHolder 1"/>
+          <p:cNvSpPr>
+            <a:spLocks noGrp="1"/>
+          </p:cNvSpPr>
+          <p:nvPr>
+            <p:ph type="title"/>
+          </p:nvPr>
+        </p:nvSpPr>
+        <p:spPr>
+          <a:xfrm>
+            <a:off x="504000" y="226080"/>
+            <a:ext cx="9071280" cy="946080"/>
+          </a:xfrm>
+          <a:prstGeom prst="rect">
+            <a:avLst/>
+          </a:prstGeom>
+        </p:spPr>
+        <p:txBody>
+          <a:bodyPr lIns="0" rIns="0" tIns="0" bIns="0" anchor="ctr">
+            <a:noAutofit/>
+          </a:bodyPr>
+          <a:p>
+            <a:pPr algn="ctr"/>
+            <a:endParaRPr b="0" lang="en-US" sz="1800" spc="-1" strike="noStrike">
+              <a:solidFill>
+                <a:srgbClr val="a6a8c4"/>
+              </a:solidFill>
+              <a:latin typeface="Arial"/>
+            </a:endParaRPr>
+          </a:p>
+        </p:txBody>
+      </p:sp>
+      <p:sp>
+        <p:nvSpPr>
+          <p:cNvPr id="70" name="PlaceHolder 2"/>
+          <p:cNvSpPr>
+            <a:spLocks noGrp="1"/>
+          </p:cNvSpPr>
+          <p:nvPr>
+            <p:ph type="body"/>
+          </p:nvPr>
+        </p:nvSpPr>
+        <p:spPr>
+          <a:xfrm>
+            <a:off x="504000" y="1326600"/>
+            <a:ext cx="2921040" cy="1568520"/>
+          </a:xfrm>
+          <a:prstGeom prst="rect">
+            <a:avLst/>
+          </a:prstGeom>
+        </p:spPr>
+        <p:txBody>
+          <a:bodyPr lIns="0" rIns="0" tIns="0" bIns="0">
+            <a:normAutofit/>
+          </a:bodyPr>
+          <a:p>
+            <a:endParaRPr b="0" lang="en-US" sz="3200" spc="-1" strike="noStrike">
+              <a:latin typeface="Arial"/>
+            </a:endParaRPr>
+          </a:p>
+        </p:txBody>
+      </p:sp>
+      <p:sp>
+        <p:nvSpPr>
+          <p:cNvPr id="71" name="PlaceHolder 3"/>
+          <p:cNvSpPr>
+            <a:spLocks noGrp="1"/>
+          </p:cNvSpPr>
+          <p:nvPr>
+            <p:ph type="body"/>
+          </p:nvPr>
+        </p:nvSpPr>
+        <p:spPr>
+          <a:xfrm>
+            <a:off x="3571560" y="1326600"/>
+            <a:ext cx="2921040" cy="1568520"/>
+          </a:xfrm>
+          <a:prstGeom prst="rect">
+            <a:avLst/>
+          </a:prstGeom>
+        </p:spPr>
+        <p:txBody>
+          <a:bodyPr lIns="0" rIns="0" tIns="0" bIns="0">
+            <a:normAutofit/>
+          </a:bodyPr>
+          <a:p>
+            <a:endParaRPr b="0" lang="en-US" sz="3200" spc="-1" strike="noStrike">
+              <a:latin typeface="Arial"/>
+            </a:endParaRPr>
+          </a:p>
+        </p:txBody>
+      </p:sp>
+      <p:sp>
+        <p:nvSpPr>
+          <p:cNvPr id="72" name="PlaceHolder 4"/>
+          <p:cNvSpPr>
+            <a:spLocks noGrp="1"/>
+          </p:cNvSpPr>
+          <p:nvPr>
+            <p:ph type="body"/>
+          </p:nvPr>
+        </p:nvSpPr>
+        <p:spPr>
+          <a:xfrm>
+            <a:off x="6639120" y="1326600"/>
+            <a:ext cx="2921040" cy="1568520"/>
+          </a:xfrm>
+          <a:prstGeom prst="rect">
+            <a:avLst/>
+          </a:prstGeom>
+        </p:spPr>
+        <p:txBody>
+          <a:bodyPr lIns="0" rIns="0" tIns="0" bIns="0">
+            <a:normAutofit/>
+          </a:bodyPr>
+          <a:p>
+            <a:endParaRPr b="0" lang="en-US" sz="3200" spc="-1" strike="noStrike">
+              <a:latin typeface="Arial"/>
+            </a:endParaRPr>
+          </a:p>
+        </p:txBody>
+      </p:sp>
+      <p:sp>
+        <p:nvSpPr>
+          <p:cNvPr id="73" name="PlaceHolder 5"/>
+          <p:cNvSpPr>
+            <a:spLocks noGrp="1"/>
+          </p:cNvSpPr>
+          <p:nvPr>
+            <p:ph type="body"/>
+          </p:nvPr>
+        </p:nvSpPr>
+        <p:spPr>
+          <a:xfrm>
+            <a:off x="504000" y="3044520"/>
+            <a:ext cx="2921040" cy="1568520"/>
+          </a:xfrm>
+          <a:prstGeom prst="rect">
+            <a:avLst/>
+          </a:prstGeom>
+        </p:spPr>
+        <p:txBody>
+          <a:bodyPr lIns="0" rIns="0" tIns="0" bIns="0">
+            <a:normAutofit/>
+          </a:bodyPr>
+          <a:p>
+            <a:endParaRPr b="0" lang="en-US" sz="3200" spc="-1" strike="noStrike">
+              <a:latin typeface="Arial"/>
+            </a:endParaRPr>
+          </a:p>
+        </p:txBody>
+      </p:sp>
+      <p:sp>
+        <p:nvSpPr>
+          <p:cNvPr id="74" name="PlaceHolder 6"/>
+          <p:cNvSpPr>
+            <a:spLocks noGrp="1"/>
+          </p:cNvSpPr>
+          <p:nvPr>
+            <p:ph type="body"/>
+          </p:nvPr>
+        </p:nvSpPr>
+        <p:spPr>
+          <a:xfrm>
+            <a:off x="3571560" y="3044520"/>
+            <a:ext cx="2921040" cy="1568520"/>
+          </a:xfrm>
+          <a:prstGeom prst="rect">
+            <a:avLst/>
+          </a:prstGeom>
+        </p:spPr>
+        <p:txBody>
+          <a:bodyPr lIns="0" rIns="0" tIns="0" bIns="0">
+            <a:normAutofit/>
+          </a:bodyPr>
+          <a:p>
+            <a:endParaRPr b="0" lang="en-US" sz="3200" spc="-1" strike="noStrike">
+              <a:latin typeface="Arial"/>
+            </a:endParaRPr>
+          </a:p>
+        </p:txBody>
+      </p:sp>
+      <p:sp>
+        <p:nvSpPr>
+          <p:cNvPr id="75" name="PlaceHolder 7"/>
+          <p:cNvSpPr>
+            <a:spLocks noGrp="1"/>
+          </p:cNvSpPr>
+          <p:nvPr>
+            <p:ph type="body"/>
+          </p:nvPr>
+        </p:nvSpPr>
+        <p:spPr>
+          <a:xfrm>
+            <a:off x="6639120" y="3044520"/>
+            <a:ext cx="2921040" cy="1568520"/>
+          </a:xfrm>
+          <a:prstGeom prst="rect">
+            <a:avLst/>
+          </a:prstGeom>
+        </p:spPr>
+        <p:txBody>
+          <a:bodyPr lIns="0" rIns="0" tIns="0" bIns="0">
+            <a:normAutofit/>
+          </a:bodyPr>
+          <a:p>
+            <a:endParaRPr b="0" lang="en-US" sz="3200" spc="-1" strike="noStrike">
+              <a:latin typeface="Arial"/>
+            </a:endParaRPr>
+          </a:p>
+        </p:txBody>
+      </p:sp>
+    </p:spTree>
+  </p:cSld>
+</p:sldLayout>
+</file>
+
+<file path=ppt/slideLayouts/slideLayout25.xml><?xml version="1.0" encoding="utf-8"?>
+<p:sldLayout xmlns:a="http://schemas.openxmlformats.org/drawingml/2006/main" xmlns:p="http://schemas.openxmlformats.org/presentationml/2006/main" xmlns:r="http://schemas.openxmlformats.org/officeDocument/2006/relationships" xmlns:p14="http://schemas.microsoft.com/office/powerpoint/2010/main" xmlns:p15="http://schemas.microsoft.com/office/powerpoint/2012/main" xmlns:mc="http://schemas.openxmlformats.org/markup-compatibility/2006" type="blank" preserve="1">
+  <p:cSld name="Blank Slide">
+    <p:spTree>
+      <p:nvGrpSpPr>
+        <p:cNvPr id="1" name=""/>
+        <p:cNvGrpSpPr/>
+        <p:nvPr/>
+      </p:nvGrpSpPr>
+      <p:grpSpPr>
+        <a:xfrm>
+          <a:off x="0" y="0"/>
+          <a:ext cx="0" cy="0"/>
+          <a:chOff x="0" y="0"/>
+          <a:chExt cx="0" cy="0"/>
+        </a:xfrm>
+      </p:grpSpPr>
+    </p:spTree>
+  </p:cSld>
+</p:sldLayout>
+</file>
+
+<file path=ppt/slideLayouts/slideLayout26.xml><?xml version="1.0" encoding="utf-8"?>
+<p:sldLayout xmlns:a="http://schemas.openxmlformats.org/drawingml/2006/main" xmlns:p="http://schemas.openxmlformats.org/presentationml/2006/main" xmlns:r="http://schemas.openxmlformats.org/officeDocument/2006/relationships" xmlns:p14="http://schemas.microsoft.com/office/powerpoint/2010/main" xmlns:p15="http://schemas.microsoft.com/office/powerpoint/2012/main" xmlns:mc="http://schemas.openxmlformats.org/markup-compatibility/2006" type="tx" preserve="1">
+  <p:cSld name="Title Slide">
+    <p:spTree>
+      <p:nvGrpSpPr>
+        <p:cNvPr id="1" name=""/>
+        <p:cNvGrpSpPr/>
+        <p:nvPr/>
+      </p:nvGrpSpPr>
+      <p:grpSpPr>
+        <a:xfrm>
+          <a:off x="0" y="0"/>
+          <a:ext cx="0" cy="0"/>
+          <a:chOff x="0" y="0"/>
+          <a:chExt cx="0" cy="0"/>
+        </a:xfrm>
+      </p:grpSpPr>
+      <p:sp>
+        <p:nvSpPr>
+          <p:cNvPr id="78" name="PlaceHolder 1"/>
+          <p:cNvSpPr>
+            <a:spLocks noGrp="1"/>
+          </p:cNvSpPr>
+          <p:nvPr>
+            <p:ph type="title"/>
+          </p:nvPr>
+        </p:nvSpPr>
+        <p:spPr>
+          <a:xfrm>
+            <a:off x="504000" y="226080"/>
+            <a:ext cx="9071280" cy="946080"/>
+          </a:xfrm>
+          <a:prstGeom prst="rect">
+            <a:avLst/>
+          </a:prstGeom>
+        </p:spPr>
+        <p:txBody>
+          <a:bodyPr lIns="0" rIns="0" tIns="0" bIns="0" anchor="ctr">
+            <a:noAutofit/>
+          </a:bodyPr>
+          <a:p>
+            <a:pPr algn="ctr"/>
+            <a:endParaRPr b="0" lang="en-US" sz="1800" spc="-1" strike="noStrike">
+              <a:solidFill>
+                <a:srgbClr val="a6a8c4"/>
+              </a:solidFill>
+              <a:latin typeface="Arial"/>
+            </a:endParaRPr>
+          </a:p>
+        </p:txBody>
+      </p:sp>
+      <p:sp>
+        <p:nvSpPr>
+          <p:cNvPr id="79" name="PlaceHolder 2"/>
+          <p:cNvSpPr>
+            <a:spLocks noGrp="1"/>
+          </p:cNvSpPr>
+          <p:nvPr>
+            <p:ph type="subTitle"/>
+          </p:nvPr>
+        </p:nvSpPr>
+        <p:spPr>
+          <a:xfrm>
+            <a:off x="504000" y="1326600"/>
+            <a:ext cx="9072000" cy="3288600"/>
+          </a:xfrm>
+          <a:prstGeom prst="rect">
+            <a:avLst/>
+          </a:prstGeom>
+        </p:spPr>
+        <p:txBody>
+          <a:bodyPr lIns="0" rIns="0" tIns="0" bIns="0" anchor="ctr">
+            <a:noAutofit/>
+          </a:bodyPr>
+          <a:p>
+            <a:pPr algn="ctr"/>
+            <a:endParaRPr b="0" lang="en-US" sz="3200" spc="-1" strike="noStrike">
+              <a:latin typeface="Arial"/>
+            </a:endParaRPr>
+          </a:p>
+        </p:txBody>
+      </p:sp>
+    </p:spTree>
+  </p:cSld>
+</p:sldLayout>
+</file>
+
+<file path=ppt/slideLayouts/slideLayout27.xml><?xml version="1.0" encoding="utf-8"?>
+<p:sldLayout xmlns:a="http://schemas.openxmlformats.org/drawingml/2006/main" xmlns:p="http://schemas.openxmlformats.org/presentationml/2006/main" xmlns:r="http://schemas.openxmlformats.org/officeDocument/2006/relationships" xmlns:p14="http://schemas.microsoft.com/office/powerpoint/2010/main" xmlns:p15="http://schemas.microsoft.com/office/powerpoint/2012/main" xmlns:mc="http://schemas.openxmlformats.org/markup-compatibility/2006" type="obj" preserve="1">
+  <p:cSld name="Title, Content">
+    <p:spTree>
+      <p:nvGrpSpPr>
+        <p:cNvPr id="1" name=""/>
+        <p:cNvGrpSpPr/>
+        <p:nvPr/>
+      </p:nvGrpSpPr>
+      <p:grpSpPr>
+        <a:xfrm>
+          <a:off x="0" y="0"/>
+          <a:ext cx="0" cy="0"/>
+          <a:chOff x="0" y="0"/>
+          <a:chExt cx="0" cy="0"/>
+        </a:xfrm>
+      </p:grpSpPr>
+      <p:sp>
+        <p:nvSpPr>
+          <p:cNvPr id="80" name="PlaceHolder 1"/>
+          <p:cNvSpPr>
+            <a:spLocks noGrp="1"/>
+          </p:cNvSpPr>
+          <p:nvPr>
+            <p:ph type="title"/>
+          </p:nvPr>
+        </p:nvSpPr>
+        <p:spPr>
+          <a:xfrm>
+            <a:off x="504000" y="226080"/>
+            <a:ext cx="9071280" cy="946080"/>
+          </a:xfrm>
+          <a:prstGeom prst="rect">
+            <a:avLst/>
+          </a:prstGeom>
+        </p:spPr>
+        <p:txBody>
+          <a:bodyPr lIns="0" rIns="0" tIns="0" bIns="0" anchor="ctr">
+            <a:noAutofit/>
+          </a:bodyPr>
+          <a:p>
+            <a:pPr algn="ctr"/>
+            <a:endParaRPr b="0" lang="en-US" sz="1800" spc="-1" strike="noStrike">
+              <a:solidFill>
+                <a:srgbClr val="a6a8c4"/>
+              </a:solidFill>
+              <a:latin typeface="Arial"/>
+            </a:endParaRPr>
+          </a:p>
+        </p:txBody>
+      </p:sp>
+      <p:sp>
+        <p:nvSpPr>
+          <p:cNvPr id="81" name="PlaceHolder 2"/>
+          <p:cNvSpPr>
+            <a:spLocks noGrp="1"/>
+          </p:cNvSpPr>
+          <p:nvPr>
+            <p:ph type="body"/>
+          </p:nvPr>
+        </p:nvSpPr>
+        <p:spPr>
+          <a:xfrm>
+            <a:off x="504000" y="1326600"/>
+            <a:ext cx="9072000" cy="3288600"/>
+          </a:xfrm>
+          <a:prstGeom prst="rect">
+            <a:avLst/>
+          </a:prstGeom>
+        </p:spPr>
+        <p:txBody>
+          <a:bodyPr lIns="0" rIns="0" tIns="0" bIns="0">
+            <a:normAutofit/>
+          </a:bodyPr>
+          <a:p>
+            <a:endParaRPr b="0" lang="en-US" sz="3200" spc="-1" strike="noStrike">
+              <a:latin typeface="Arial"/>
+            </a:endParaRPr>
+          </a:p>
+        </p:txBody>
+      </p:sp>
+    </p:spTree>
+  </p:cSld>
+</p:sldLayout>
+</file>
+
+<file path=ppt/slideLayouts/slideLayout28.xml><?xml version="1.0" encoding="utf-8"?>
+<p:sldLayout xmlns:a="http://schemas.openxmlformats.org/drawingml/2006/main" xmlns:p="http://schemas.openxmlformats.org/presentationml/2006/main" xmlns:r="http://schemas.openxmlformats.org/officeDocument/2006/relationships" xmlns:p14="http://schemas.microsoft.com/office/powerpoint/2010/main" xmlns:p15="http://schemas.microsoft.com/office/powerpoint/2012/main" xmlns:mc="http://schemas.openxmlformats.org/markup-compatibility/2006" type="twoObj" preserve="1">
+  <p:cSld name="Title, 2 Content">
+    <p:spTree>
+      <p:nvGrpSpPr>
+        <p:cNvPr id="1" name=""/>
+        <p:cNvGrpSpPr/>
+        <p:nvPr/>
+      </p:nvGrpSpPr>
+      <p:grpSpPr>
+        <a:xfrm>
+          <a:off x="0" y="0"/>
+          <a:ext cx="0" cy="0"/>
+          <a:chOff x="0" y="0"/>
+          <a:chExt cx="0" cy="0"/>
+        </a:xfrm>
+      </p:grpSpPr>
+      <p:sp>
+        <p:nvSpPr>
+          <p:cNvPr id="82" name="PlaceHolder 1"/>
+          <p:cNvSpPr>
+            <a:spLocks noGrp="1"/>
+          </p:cNvSpPr>
+          <p:nvPr>
+            <p:ph type="title"/>
+          </p:nvPr>
+        </p:nvSpPr>
+        <p:spPr>
+          <a:xfrm>
+            <a:off x="504000" y="226080"/>
+            <a:ext cx="9071280" cy="946080"/>
+          </a:xfrm>
+          <a:prstGeom prst="rect">
+            <a:avLst/>
+          </a:prstGeom>
+        </p:spPr>
+        <p:txBody>
+          <a:bodyPr lIns="0" rIns="0" tIns="0" bIns="0" anchor="ctr">
+            <a:noAutofit/>
+          </a:bodyPr>
+          <a:p>
+            <a:pPr algn="ctr"/>
+            <a:endParaRPr b="0" lang="en-US" sz="1800" spc="-1" strike="noStrike">
+              <a:solidFill>
+                <a:srgbClr val="a6a8c4"/>
+              </a:solidFill>
+              <a:latin typeface="Arial"/>
+            </a:endParaRPr>
+          </a:p>
+        </p:txBody>
+      </p:sp>
+      <p:sp>
+        <p:nvSpPr>
+          <p:cNvPr id="83" name="PlaceHolder 2"/>
+          <p:cNvSpPr>
+            <a:spLocks noGrp="1"/>
+          </p:cNvSpPr>
+          <p:nvPr>
+            <p:ph type="body"/>
+          </p:nvPr>
+        </p:nvSpPr>
+        <p:spPr>
+          <a:xfrm>
+            <a:off x="504000" y="1326600"/>
+            <a:ext cx="4426920" cy="3288600"/>
+          </a:xfrm>
+          <a:prstGeom prst="rect">
+            <a:avLst/>
+          </a:prstGeom>
+        </p:spPr>
+        <p:txBody>
+          <a:bodyPr lIns="0" rIns="0" tIns="0" bIns="0">
+            <a:normAutofit/>
+          </a:bodyPr>
+          <a:p>
+            <a:endParaRPr b="0" lang="en-US" sz="3200" spc="-1" strike="noStrike">
+              <a:latin typeface="Arial"/>
+            </a:endParaRPr>
+          </a:p>
+        </p:txBody>
+      </p:sp>
+      <p:sp>
+        <p:nvSpPr>
+          <p:cNvPr id="84" name="PlaceHolder 3"/>
+          <p:cNvSpPr>
+            <a:spLocks noGrp="1"/>
+          </p:cNvSpPr>
+          <p:nvPr>
+            <p:ph type="body"/>
+          </p:nvPr>
+        </p:nvSpPr>
+        <p:spPr>
+          <a:xfrm>
+            <a:off x="5152680" y="1326600"/>
+            <a:ext cx="4426920" cy="3288600"/>
+          </a:xfrm>
+          <a:prstGeom prst="rect">
+            <a:avLst/>
+          </a:prstGeom>
+        </p:spPr>
+        <p:txBody>
+          <a:bodyPr lIns="0" rIns="0" tIns="0" bIns="0">
+            <a:normAutofit/>
+          </a:bodyPr>
+          <a:p>
+            <a:endParaRPr b="0" lang="en-US" sz="3200" spc="-1" strike="noStrike">
+              <a:latin typeface="Arial"/>
+            </a:endParaRPr>
+          </a:p>
+        </p:txBody>
+      </p:sp>
+    </p:spTree>
+  </p:cSld>
+</p:sldLayout>
+</file>
+
+<file path=ppt/slideLayouts/slideLayout29.xml><?xml version="1.0" encoding="utf-8"?>
+<p:sldLayout xmlns:a="http://schemas.openxmlformats.org/drawingml/2006/main" xmlns:p="http://schemas.openxmlformats.org/presentationml/2006/main" xmlns:r="http://schemas.openxmlformats.org/officeDocument/2006/relationships" xmlns:p14="http://schemas.microsoft.com/office/powerpoint/2010/main" xmlns:p15="http://schemas.microsoft.com/office/powerpoint/2012/main" xmlns:mc="http://schemas.openxmlformats.org/markup-compatibility/2006" type="titleOnly" preserve="1">
+  <p:cSld name="Title Only">
+    <p:spTree>
+      <p:nvGrpSpPr>
+        <p:cNvPr id="1" name=""/>
+        <p:cNvGrpSpPr/>
+        <p:nvPr/>
+      </p:nvGrpSpPr>
+      <p:grpSpPr>
+        <a:xfrm>
+          <a:off x="0" y="0"/>
+          <a:ext cx="0" cy="0"/>
+          <a:chOff x="0" y="0"/>
+          <a:chExt cx="0" cy="0"/>
+        </a:xfrm>
+      </p:grpSpPr>
+      <p:sp>
+        <p:nvSpPr>
+          <p:cNvPr id="85" name="PlaceHolder 1"/>
+          <p:cNvSpPr>
+            <a:spLocks noGrp="1"/>
+          </p:cNvSpPr>
+          <p:nvPr>
+            <p:ph type="title"/>
+          </p:nvPr>
+        </p:nvSpPr>
+        <p:spPr>
+          <a:xfrm>
+            <a:off x="504000" y="226080"/>
+            <a:ext cx="9071280" cy="946080"/>
+          </a:xfrm>
+          <a:prstGeom prst="rect">
+            <a:avLst/>
+          </a:prstGeom>
+        </p:spPr>
+        <p:txBody>
+          <a:bodyPr lIns="0" rIns="0" tIns="0" bIns="0" anchor="ctr">
+            <a:noAutofit/>
+          </a:bodyPr>
+          <a:p>
+            <a:pPr algn="ctr"/>
+            <a:endParaRPr b="0" lang="en-US" sz="1800" spc="-1" strike="noStrike">
               <a:solidFill>
                 <a:srgbClr val="a6a8c4"/>
               </a:solidFill>
@@ -726,7 +2449,7 @@
       </p:grpSpPr>
       <p:sp>
         <p:nvSpPr>
-          <p:cNvPr id="7" name="PlaceHolder 1"/>
+          <p:cNvPr id="4" name="PlaceHolder 1"/>
           <p:cNvSpPr>
             <a:spLocks noGrp="1"/>
           </p:cNvSpPr>
@@ -737,7 +2460,7 @@
         <p:spPr>
           <a:xfrm>
             <a:off x="504000" y="226080"/>
-            <a:ext cx="9071640" cy="946440"/>
+            <a:ext cx="9071280" cy="946080"/>
           </a:xfrm>
           <a:prstGeom prst="rect">
             <a:avLst/>
@@ -748,18 +2471,19 @@
             <a:noAutofit/>
           </a:bodyPr>
           <a:p>
-            <a:endParaRPr b="0" lang="en-US" sz="4400" spc="-1" strike="noStrike">
+            <a:pPr algn="ctr"/>
+            <a:endParaRPr b="0" lang="en-US" sz="1800" spc="-1" strike="noStrike">
               <a:solidFill>
                 <a:srgbClr val="a6a8c4"/>
               </a:solidFill>
-              <a:latin typeface="Courier New"/>
-            </a:endParaRPr>
-          </a:p>
-        </p:txBody>
-      </p:sp>
-      <p:sp>
-        <p:nvSpPr>
-          <p:cNvPr id="8" name="PlaceHolder 2"/>
+              <a:latin typeface="Arial"/>
+            </a:endParaRPr>
+          </a:p>
+        </p:txBody>
+      </p:sp>
+      <p:sp>
+        <p:nvSpPr>
+          <p:cNvPr id="5" name="PlaceHolder 2"/>
           <p:cNvSpPr>
             <a:spLocks noGrp="1"/>
           </p:cNvSpPr>
@@ -770,7 +2494,7 @@
         <p:spPr>
           <a:xfrm>
             <a:off x="504000" y="1326600"/>
-            <a:ext cx="9071640" cy="3288240"/>
+            <a:ext cx="9072000" cy="3288600"/>
           </a:xfrm>
           <a:prstGeom prst="rect">
             <a:avLst/>
@@ -782,9 +2506,1025 @@
           </a:bodyPr>
           <a:p>
             <a:endParaRPr b="0" lang="en-US" sz="3200" spc="-1" strike="noStrike">
+              <a:latin typeface="Arial"/>
+            </a:endParaRPr>
+          </a:p>
+        </p:txBody>
+      </p:sp>
+    </p:spTree>
+  </p:cSld>
+</p:sldLayout>
+</file>
+
+<file path=ppt/slideLayouts/slideLayout30.xml><?xml version="1.0" encoding="utf-8"?>
+<p:sldLayout xmlns:a="http://schemas.openxmlformats.org/drawingml/2006/main" xmlns:p="http://schemas.openxmlformats.org/presentationml/2006/main" xmlns:r="http://schemas.openxmlformats.org/officeDocument/2006/relationships" xmlns:p14="http://schemas.microsoft.com/office/powerpoint/2010/main" xmlns:p15="http://schemas.microsoft.com/office/powerpoint/2012/main" xmlns:mc="http://schemas.openxmlformats.org/markup-compatibility/2006" type="objOnly" preserve="1">
+  <p:cSld name="Centered Text">
+    <p:spTree>
+      <p:nvGrpSpPr>
+        <p:cNvPr id="1" name=""/>
+        <p:cNvGrpSpPr/>
+        <p:nvPr/>
+      </p:nvGrpSpPr>
+      <p:grpSpPr>
+        <a:xfrm>
+          <a:off x="0" y="0"/>
+          <a:ext cx="0" cy="0"/>
+          <a:chOff x="0" y="0"/>
+          <a:chExt cx="0" cy="0"/>
+        </a:xfrm>
+      </p:grpSpPr>
+      <p:sp>
+        <p:nvSpPr>
+          <p:cNvPr id="86" name="PlaceHolder 1"/>
+          <p:cNvSpPr>
+            <a:spLocks noGrp="1"/>
+          </p:cNvSpPr>
+          <p:nvPr>
+            <p:ph type="subTitle"/>
+          </p:nvPr>
+        </p:nvSpPr>
+        <p:spPr>
+          <a:xfrm>
+            <a:off x="504000" y="226080"/>
+            <a:ext cx="9071280" cy="4386600"/>
+          </a:xfrm>
+          <a:prstGeom prst="rect">
+            <a:avLst/>
+          </a:prstGeom>
+        </p:spPr>
+        <p:txBody>
+          <a:bodyPr lIns="0" rIns="0" tIns="0" bIns="0" anchor="ctr">
+            <a:noAutofit/>
+          </a:bodyPr>
+          <a:p>
+            <a:pPr algn="ctr"/>
+            <a:endParaRPr b="0" lang="en-US" sz="3200" spc="-1" strike="noStrike">
+              <a:latin typeface="Arial"/>
+            </a:endParaRPr>
+          </a:p>
+        </p:txBody>
+      </p:sp>
+    </p:spTree>
+  </p:cSld>
+</p:sldLayout>
+</file>
+
+<file path=ppt/slideLayouts/slideLayout31.xml><?xml version="1.0" encoding="utf-8"?>
+<p:sldLayout xmlns:a="http://schemas.openxmlformats.org/drawingml/2006/main" xmlns:p="http://schemas.openxmlformats.org/presentationml/2006/main" xmlns:r="http://schemas.openxmlformats.org/officeDocument/2006/relationships" xmlns:p14="http://schemas.microsoft.com/office/powerpoint/2010/main" xmlns:p15="http://schemas.microsoft.com/office/powerpoint/2012/main" xmlns:mc="http://schemas.openxmlformats.org/markup-compatibility/2006" type="twoObjAndObj" preserve="1">
+  <p:cSld name="Title, 2 Content and Content">
+    <p:spTree>
+      <p:nvGrpSpPr>
+        <p:cNvPr id="1" name=""/>
+        <p:cNvGrpSpPr/>
+        <p:nvPr/>
+      </p:nvGrpSpPr>
+      <p:grpSpPr>
+        <a:xfrm>
+          <a:off x="0" y="0"/>
+          <a:ext cx="0" cy="0"/>
+          <a:chOff x="0" y="0"/>
+          <a:chExt cx="0" cy="0"/>
+        </a:xfrm>
+      </p:grpSpPr>
+      <p:sp>
+        <p:nvSpPr>
+          <p:cNvPr id="87" name="PlaceHolder 1"/>
+          <p:cNvSpPr>
+            <a:spLocks noGrp="1"/>
+          </p:cNvSpPr>
+          <p:nvPr>
+            <p:ph type="title"/>
+          </p:nvPr>
+        </p:nvSpPr>
+        <p:spPr>
+          <a:xfrm>
+            <a:off x="504000" y="226080"/>
+            <a:ext cx="9071280" cy="946080"/>
+          </a:xfrm>
+          <a:prstGeom prst="rect">
+            <a:avLst/>
+          </a:prstGeom>
+        </p:spPr>
+        <p:txBody>
+          <a:bodyPr lIns="0" rIns="0" tIns="0" bIns="0" anchor="ctr">
+            <a:noAutofit/>
+          </a:bodyPr>
+          <a:p>
+            <a:pPr algn="ctr"/>
+            <a:endParaRPr b="0" lang="en-US" sz="1800" spc="-1" strike="noStrike">
               <a:solidFill>
                 <a:srgbClr val="a6a8c4"/>
               </a:solidFill>
+              <a:latin typeface="Arial"/>
+            </a:endParaRPr>
+          </a:p>
+        </p:txBody>
+      </p:sp>
+      <p:sp>
+        <p:nvSpPr>
+          <p:cNvPr id="88" name="PlaceHolder 2"/>
+          <p:cNvSpPr>
+            <a:spLocks noGrp="1"/>
+          </p:cNvSpPr>
+          <p:nvPr>
+            <p:ph type="body"/>
+          </p:nvPr>
+        </p:nvSpPr>
+        <p:spPr>
+          <a:xfrm>
+            <a:off x="504000" y="1326600"/>
+            <a:ext cx="4426920" cy="1568520"/>
+          </a:xfrm>
+          <a:prstGeom prst="rect">
+            <a:avLst/>
+          </a:prstGeom>
+        </p:spPr>
+        <p:txBody>
+          <a:bodyPr lIns="0" rIns="0" tIns="0" bIns="0">
+            <a:normAutofit/>
+          </a:bodyPr>
+          <a:p>
+            <a:endParaRPr b="0" lang="en-US" sz="3200" spc="-1" strike="noStrike">
+              <a:latin typeface="Arial"/>
+            </a:endParaRPr>
+          </a:p>
+        </p:txBody>
+      </p:sp>
+      <p:sp>
+        <p:nvSpPr>
+          <p:cNvPr id="89" name="PlaceHolder 3"/>
+          <p:cNvSpPr>
+            <a:spLocks noGrp="1"/>
+          </p:cNvSpPr>
+          <p:nvPr>
+            <p:ph type="body"/>
+          </p:nvPr>
+        </p:nvSpPr>
+        <p:spPr>
+          <a:xfrm>
+            <a:off x="5152680" y="1326600"/>
+            <a:ext cx="4426920" cy="3288600"/>
+          </a:xfrm>
+          <a:prstGeom prst="rect">
+            <a:avLst/>
+          </a:prstGeom>
+        </p:spPr>
+        <p:txBody>
+          <a:bodyPr lIns="0" rIns="0" tIns="0" bIns="0">
+            <a:normAutofit/>
+          </a:bodyPr>
+          <a:p>
+            <a:endParaRPr b="0" lang="en-US" sz="3200" spc="-1" strike="noStrike">
+              <a:latin typeface="Arial"/>
+            </a:endParaRPr>
+          </a:p>
+        </p:txBody>
+      </p:sp>
+      <p:sp>
+        <p:nvSpPr>
+          <p:cNvPr id="90" name="PlaceHolder 4"/>
+          <p:cNvSpPr>
+            <a:spLocks noGrp="1"/>
+          </p:cNvSpPr>
+          <p:nvPr>
+            <p:ph type="body"/>
+          </p:nvPr>
+        </p:nvSpPr>
+        <p:spPr>
+          <a:xfrm>
+            <a:off x="504000" y="3044520"/>
+            <a:ext cx="4426920" cy="1568520"/>
+          </a:xfrm>
+          <a:prstGeom prst="rect">
+            <a:avLst/>
+          </a:prstGeom>
+        </p:spPr>
+        <p:txBody>
+          <a:bodyPr lIns="0" rIns="0" tIns="0" bIns="0">
+            <a:normAutofit/>
+          </a:bodyPr>
+          <a:p>
+            <a:endParaRPr b="0" lang="en-US" sz="3200" spc="-1" strike="noStrike">
+              <a:latin typeface="Arial"/>
+            </a:endParaRPr>
+          </a:p>
+        </p:txBody>
+      </p:sp>
+    </p:spTree>
+  </p:cSld>
+</p:sldLayout>
+</file>
+
+<file path=ppt/slideLayouts/slideLayout32.xml><?xml version="1.0" encoding="utf-8"?>
+<p:sldLayout xmlns:a="http://schemas.openxmlformats.org/drawingml/2006/main" xmlns:p="http://schemas.openxmlformats.org/presentationml/2006/main" xmlns:r="http://schemas.openxmlformats.org/officeDocument/2006/relationships" xmlns:p14="http://schemas.microsoft.com/office/powerpoint/2010/main" xmlns:p15="http://schemas.microsoft.com/office/powerpoint/2012/main" xmlns:mc="http://schemas.openxmlformats.org/markup-compatibility/2006" type="objAndTwoObj" preserve="1">
+  <p:cSld name="Title Content and 2 Content">
+    <p:spTree>
+      <p:nvGrpSpPr>
+        <p:cNvPr id="1" name=""/>
+        <p:cNvGrpSpPr/>
+        <p:nvPr/>
+      </p:nvGrpSpPr>
+      <p:grpSpPr>
+        <a:xfrm>
+          <a:off x="0" y="0"/>
+          <a:ext cx="0" cy="0"/>
+          <a:chOff x="0" y="0"/>
+          <a:chExt cx="0" cy="0"/>
+        </a:xfrm>
+      </p:grpSpPr>
+      <p:sp>
+        <p:nvSpPr>
+          <p:cNvPr id="91" name="PlaceHolder 1"/>
+          <p:cNvSpPr>
+            <a:spLocks noGrp="1"/>
+          </p:cNvSpPr>
+          <p:nvPr>
+            <p:ph type="title"/>
+          </p:nvPr>
+        </p:nvSpPr>
+        <p:spPr>
+          <a:xfrm>
+            <a:off x="504000" y="226080"/>
+            <a:ext cx="9071280" cy="946080"/>
+          </a:xfrm>
+          <a:prstGeom prst="rect">
+            <a:avLst/>
+          </a:prstGeom>
+        </p:spPr>
+        <p:txBody>
+          <a:bodyPr lIns="0" rIns="0" tIns="0" bIns="0" anchor="ctr">
+            <a:noAutofit/>
+          </a:bodyPr>
+          <a:p>
+            <a:pPr algn="ctr"/>
+            <a:endParaRPr b="0" lang="en-US" sz="1800" spc="-1" strike="noStrike">
+              <a:solidFill>
+                <a:srgbClr val="a6a8c4"/>
+              </a:solidFill>
+              <a:latin typeface="Arial"/>
+            </a:endParaRPr>
+          </a:p>
+        </p:txBody>
+      </p:sp>
+      <p:sp>
+        <p:nvSpPr>
+          <p:cNvPr id="92" name="PlaceHolder 2"/>
+          <p:cNvSpPr>
+            <a:spLocks noGrp="1"/>
+          </p:cNvSpPr>
+          <p:nvPr>
+            <p:ph type="body"/>
+          </p:nvPr>
+        </p:nvSpPr>
+        <p:spPr>
+          <a:xfrm>
+            <a:off x="504000" y="1326600"/>
+            <a:ext cx="4426920" cy="3288600"/>
+          </a:xfrm>
+          <a:prstGeom prst="rect">
+            <a:avLst/>
+          </a:prstGeom>
+        </p:spPr>
+        <p:txBody>
+          <a:bodyPr lIns="0" rIns="0" tIns="0" bIns="0">
+            <a:normAutofit/>
+          </a:bodyPr>
+          <a:p>
+            <a:endParaRPr b="0" lang="en-US" sz="3200" spc="-1" strike="noStrike">
+              <a:latin typeface="Arial"/>
+            </a:endParaRPr>
+          </a:p>
+        </p:txBody>
+      </p:sp>
+      <p:sp>
+        <p:nvSpPr>
+          <p:cNvPr id="93" name="PlaceHolder 3"/>
+          <p:cNvSpPr>
+            <a:spLocks noGrp="1"/>
+          </p:cNvSpPr>
+          <p:nvPr>
+            <p:ph type="body"/>
+          </p:nvPr>
+        </p:nvSpPr>
+        <p:spPr>
+          <a:xfrm>
+            <a:off x="5152680" y="1326600"/>
+            <a:ext cx="4426920" cy="1568520"/>
+          </a:xfrm>
+          <a:prstGeom prst="rect">
+            <a:avLst/>
+          </a:prstGeom>
+        </p:spPr>
+        <p:txBody>
+          <a:bodyPr lIns="0" rIns="0" tIns="0" bIns="0">
+            <a:normAutofit/>
+          </a:bodyPr>
+          <a:p>
+            <a:endParaRPr b="0" lang="en-US" sz="3200" spc="-1" strike="noStrike">
+              <a:latin typeface="Arial"/>
+            </a:endParaRPr>
+          </a:p>
+        </p:txBody>
+      </p:sp>
+      <p:sp>
+        <p:nvSpPr>
+          <p:cNvPr id="94" name="PlaceHolder 4"/>
+          <p:cNvSpPr>
+            <a:spLocks noGrp="1"/>
+          </p:cNvSpPr>
+          <p:nvPr>
+            <p:ph type="body"/>
+          </p:nvPr>
+        </p:nvSpPr>
+        <p:spPr>
+          <a:xfrm>
+            <a:off x="5152680" y="3044520"/>
+            <a:ext cx="4426920" cy="1568520"/>
+          </a:xfrm>
+          <a:prstGeom prst="rect">
+            <a:avLst/>
+          </a:prstGeom>
+        </p:spPr>
+        <p:txBody>
+          <a:bodyPr lIns="0" rIns="0" tIns="0" bIns="0">
+            <a:normAutofit/>
+          </a:bodyPr>
+          <a:p>
+            <a:endParaRPr b="0" lang="en-US" sz="3200" spc="-1" strike="noStrike">
+              <a:latin typeface="Arial"/>
+            </a:endParaRPr>
+          </a:p>
+        </p:txBody>
+      </p:sp>
+    </p:spTree>
+  </p:cSld>
+</p:sldLayout>
+</file>
+
+<file path=ppt/slideLayouts/slideLayout33.xml><?xml version="1.0" encoding="utf-8"?>
+<p:sldLayout xmlns:a="http://schemas.openxmlformats.org/drawingml/2006/main" xmlns:p="http://schemas.openxmlformats.org/presentationml/2006/main" xmlns:r="http://schemas.openxmlformats.org/officeDocument/2006/relationships" xmlns:p14="http://schemas.microsoft.com/office/powerpoint/2010/main" xmlns:p15="http://schemas.microsoft.com/office/powerpoint/2012/main" xmlns:mc="http://schemas.openxmlformats.org/markup-compatibility/2006" type="twoObjOverTx" preserve="1">
+  <p:cSld name="Title, 2 Content over Content">
+    <p:spTree>
+      <p:nvGrpSpPr>
+        <p:cNvPr id="1" name=""/>
+        <p:cNvGrpSpPr/>
+        <p:nvPr/>
+      </p:nvGrpSpPr>
+      <p:grpSpPr>
+        <a:xfrm>
+          <a:off x="0" y="0"/>
+          <a:ext cx="0" cy="0"/>
+          <a:chOff x="0" y="0"/>
+          <a:chExt cx="0" cy="0"/>
+        </a:xfrm>
+      </p:grpSpPr>
+      <p:sp>
+        <p:nvSpPr>
+          <p:cNvPr id="95" name="PlaceHolder 1"/>
+          <p:cNvSpPr>
+            <a:spLocks noGrp="1"/>
+          </p:cNvSpPr>
+          <p:nvPr>
+            <p:ph type="title"/>
+          </p:nvPr>
+        </p:nvSpPr>
+        <p:spPr>
+          <a:xfrm>
+            <a:off x="504000" y="226080"/>
+            <a:ext cx="9071280" cy="946080"/>
+          </a:xfrm>
+          <a:prstGeom prst="rect">
+            <a:avLst/>
+          </a:prstGeom>
+        </p:spPr>
+        <p:txBody>
+          <a:bodyPr lIns="0" rIns="0" tIns="0" bIns="0" anchor="ctr">
+            <a:noAutofit/>
+          </a:bodyPr>
+          <a:p>
+            <a:pPr algn="ctr"/>
+            <a:endParaRPr b="0" lang="en-US" sz="1800" spc="-1" strike="noStrike">
+              <a:solidFill>
+                <a:srgbClr val="a6a8c4"/>
+              </a:solidFill>
+              <a:latin typeface="Arial"/>
+            </a:endParaRPr>
+          </a:p>
+        </p:txBody>
+      </p:sp>
+      <p:sp>
+        <p:nvSpPr>
+          <p:cNvPr id="96" name="PlaceHolder 2"/>
+          <p:cNvSpPr>
+            <a:spLocks noGrp="1"/>
+          </p:cNvSpPr>
+          <p:nvPr>
+            <p:ph type="body"/>
+          </p:nvPr>
+        </p:nvSpPr>
+        <p:spPr>
+          <a:xfrm>
+            <a:off x="504000" y="1326600"/>
+            <a:ext cx="4426920" cy="1568520"/>
+          </a:xfrm>
+          <a:prstGeom prst="rect">
+            <a:avLst/>
+          </a:prstGeom>
+        </p:spPr>
+        <p:txBody>
+          <a:bodyPr lIns="0" rIns="0" tIns="0" bIns="0">
+            <a:normAutofit/>
+          </a:bodyPr>
+          <a:p>
+            <a:endParaRPr b="0" lang="en-US" sz="3200" spc="-1" strike="noStrike">
+              <a:latin typeface="Arial"/>
+            </a:endParaRPr>
+          </a:p>
+        </p:txBody>
+      </p:sp>
+      <p:sp>
+        <p:nvSpPr>
+          <p:cNvPr id="97" name="PlaceHolder 3"/>
+          <p:cNvSpPr>
+            <a:spLocks noGrp="1"/>
+          </p:cNvSpPr>
+          <p:nvPr>
+            <p:ph type="body"/>
+          </p:nvPr>
+        </p:nvSpPr>
+        <p:spPr>
+          <a:xfrm>
+            <a:off x="5152680" y="1326600"/>
+            <a:ext cx="4426920" cy="1568520"/>
+          </a:xfrm>
+          <a:prstGeom prst="rect">
+            <a:avLst/>
+          </a:prstGeom>
+        </p:spPr>
+        <p:txBody>
+          <a:bodyPr lIns="0" rIns="0" tIns="0" bIns="0">
+            <a:normAutofit/>
+          </a:bodyPr>
+          <a:p>
+            <a:endParaRPr b="0" lang="en-US" sz="3200" spc="-1" strike="noStrike">
+              <a:latin typeface="Arial"/>
+            </a:endParaRPr>
+          </a:p>
+        </p:txBody>
+      </p:sp>
+      <p:sp>
+        <p:nvSpPr>
+          <p:cNvPr id="98" name="PlaceHolder 4"/>
+          <p:cNvSpPr>
+            <a:spLocks noGrp="1"/>
+          </p:cNvSpPr>
+          <p:nvPr>
+            <p:ph type="body"/>
+          </p:nvPr>
+        </p:nvSpPr>
+        <p:spPr>
+          <a:xfrm>
+            <a:off x="504000" y="3044520"/>
+            <a:ext cx="9072000" cy="1568520"/>
+          </a:xfrm>
+          <a:prstGeom prst="rect">
+            <a:avLst/>
+          </a:prstGeom>
+        </p:spPr>
+        <p:txBody>
+          <a:bodyPr lIns="0" rIns="0" tIns="0" bIns="0">
+            <a:normAutofit/>
+          </a:bodyPr>
+          <a:p>
+            <a:endParaRPr b="0" lang="en-US" sz="3200" spc="-1" strike="noStrike">
+              <a:latin typeface="Arial"/>
+            </a:endParaRPr>
+          </a:p>
+        </p:txBody>
+      </p:sp>
+    </p:spTree>
+  </p:cSld>
+</p:sldLayout>
+</file>
+
+<file path=ppt/slideLayouts/slideLayout34.xml><?xml version="1.0" encoding="utf-8"?>
+<p:sldLayout xmlns:a="http://schemas.openxmlformats.org/drawingml/2006/main" xmlns:p="http://schemas.openxmlformats.org/presentationml/2006/main" xmlns:r="http://schemas.openxmlformats.org/officeDocument/2006/relationships" xmlns:p14="http://schemas.microsoft.com/office/powerpoint/2010/main" xmlns:p15="http://schemas.microsoft.com/office/powerpoint/2012/main" xmlns:mc="http://schemas.openxmlformats.org/markup-compatibility/2006" type="objOverTx" preserve="1">
+  <p:cSld name="Title, Content over Content">
+    <p:spTree>
+      <p:nvGrpSpPr>
+        <p:cNvPr id="1" name=""/>
+        <p:cNvGrpSpPr/>
+        <p:nvPr/>
+      </p:nvGrpSpPr>
+      <p:grpSpPr>
+        <a:xfrm>
+          <a:off x="0" y="0"/>
+          <a:ext cx="0" cy="0"/>
+          <a:chOff x="0" y="0"/>
+          <a:chExt cx="0" cy="0"/>
+        </a:xfrm>
+      </p:grpSpPr>
+      <p:sp>
+        <p:nvSpPr>
+          <p:cNvPr id="99" name="PlaceHolder 1"/>
+          <p:cNvSpPr>
+            <a:spLocks noGrp="1"/>
+          </p:cNvSpPr>
+          <p:nvPr>
+            <p:ph type="title"/>
+          </p:nvPr>
+        </p:nvSpPr>
+        <p:spPr>
+          <a:xfrm>
+            <a:off x="504000" y="226080"/>
+            <a:ext cx="9071280" cy="946080"/>
+          </a:xfrm>
+          <a:prstGeom prst="rect">
+            <a:avLst/>
+          </a:prstGeom>
+        </p:spPr>
+        <p:txBody>
+          <a:bodyPr lIns="0" rIns="0" tIns="0" bIns="0" anchor="ctr">
+            <a:noAutofit/>
+          </a:bodyPr>
+          <a:p>
+            <a:pPr algn="ctr"/>
+            <a:endParaRPr b="0" lang="en-US" sz="1800" spc="-1" strike="noStrike">
+              <a:solidFill>
+                <a:srgbClr val="a6a8c4"/>
+              </a:solidFill>
+              <a:latin typeface="Arial"/>
+            </a:endParaRPr>
+          </a:p>
+        </p:txBody>
+      </p:sp>
+      <p:sp>
+        <p:nvSpPr>
+          <p:cNvPr id="100" name="PlaceHolder 2"/>
+          <p:cNvSpPr>
+            <a:spLocks noGrp="1"/>
+          </p:cNvSpPr>
+          <p:nvPr>
+            <p:ph type="body"/>
+          </p:nvPr>
+        </p:nvSpPr>
+        <p:spPr>
+          <a:xfrm>
+            <a:off x="504000" y="1326600"/>
+            <a:ext cx="9072000" cy="1568520"/>
+          </a:xfrm>
+          <a:prstGeom prst="rect">
+            <a:avLst/>
+          </a:prstGeom>
+        </p:spPr>
+        <p:txBody>
+          <a:bodyPr lIns="0" rIns="0" tIns="0" bIns="0">
+            <a:normAutofit/>
+          </a:bodyPr>
+          <a:p>
+            <a:endParaRPr b="0" lang="en-US" sz="3200" spc="-1" strike="noStrike">
+              <a:latin typeface="Arial"/>
+            </a:endParaRPr>
+          </a:p>
+        </p:txBody>
+      </p:sp>
+      <p:sp>
+        <p:nvSpPr>
+          <p:cNvPr id="101" name="PlaceHolder 3"/>
+          <p:cNvSpPr>
+            <a:spLocks noGrp="1"/>
+          </p:cNvSpPr>
+          <p:nvPr>
+            <p:ph type="body"/>
+          </p:nvPr>
+        </p:nvSpPr>
+        <p:spPr>
+          <a:xfrm>
+            <a:off x="504000" y="3044520"/>
+            <a:ext cx="9072000" cy="1568520"/>
+          </a:xfrm>
+          <a:prstGeom prst="rect">
+            <a:avLst/>
+          </a:prstGeom>
+        </p:spPr>
+        <p:txBody>
+          <a:bodyPr lIns="0" rIns="0" tIns="0" bIns="0">
+            <a:normAutofit/>
+          </a:bodyPr>
+          <a:p>
+            <a:endParaRPr b="0" lang="en-US" sz="3200" spc="-1" strike="noStrike">
+              <a:latin typeface="Arial"/>
+            </a:endParaRPr>
+          </a:p>
+        </p:txBody>
+      </p:sp>
+    </p:spTree>
+  </p:cSld>
+</p:sldLayout>
+</file>
+
+<file path=ppt/slideLayouts/slideLayout35.xml><?xml version="1.0" encoding="utf-8"?>
+<p:sldLayout xmlns:a="http://schemas.openxmlformats.org/drawingml/2006/main" xmlns:p="http://schemas.openxmlformats.org/presentationml/2006/main" xmlns:r="http://schemas.openxmlformats.org/officeDocument/2006/relationships" xmlns:p14="http://schemas.microsoft.com/office/powerpoint/2010/main" xmlns:p15="http://schemas.microsoft.com/office/powerpoint/2012/main" xmlns:mc="http://schemas.openxmlformats.org/markup-compatibility/2006" type="fourObj" preserve="1">
+  <p:cSld name="Title, 4 Content">
+    <p:spTree>
+      <p:nvGrpSpPr>
+        <p:cNvPr id="1" name=""/>
+        <p:cNvGrpSpPr/>
+        <p:nvPr/>
+      </p:nvGrpSpPr>
+      <p:grpSpPr>
+        <a:xfrm>
+          <a:off x="0" y="0"/>
+          <a:ext cx="0" cy="0"/>
+          <a:chOff x="0" y="0"/>
+          <a:chExt cx="0" cy="0"/>
+        </a:xfrm>
+      </p:grpSpPr>
+      <p:sp>
+        <p:nvSpPr>
+          <p:cNvPr id="102" name="PlaceHolder 1"/>
+          <p:cNvSpPr>
+            <a:spLocks noGrp="1"/>
+          </p:cNvSpPr>
+          <p:nvPr>
+            <p:ph type="title"/>
+          </p:nvPr>
+        </p:nvSpPr>
+        <p:spPr>
+          <a:xfrm>
+            <a:off x="504000" y="226080"/>
+            <a:ext cx="9071280" cy="946080"/>
+          </a:xfrm>
+          <a:prstGeom prst="rect">
+            <a:avLst/>
+          </a:prstGeom>
+        </p:spPr>
+        <p:txBody>
+          <a:bodyPr lIns="0" rIns="0" tIns="0" bIns="0" anchor="ctr">
+            <a:noAutofit/>
+          </a:bodyPr>
+          <a:p>
+            <a:pPr algn="ctr"/>
+            <a:endParaRPr b="0" lang="en-US" sz="1800" spc="-1" strike="noStrike">
+              <a:solidFill>
+                <a:srgbClr val="a6a8c4"/>
+              </a:solidFill>
+              <a:latin typeface="Arial"/>
+            </a:endParaRPr>
+          </a:p>
+        </p:txBody>
+      </p:sp>
+      <p:sp>
+        <p:nvSpPr>
+          <p:cNvPr id="103" name="PlaceHolder 2"/>
+          <p:cNvSpPr>
+            <a:spLocks noGrp="1"/>
+          </p:cNvSpPr>
+          <p:nvPr>
+            <p:ph type="body"/>
+          </p:nvPr>
+        </p:nvSpPr>
+        <p:spPr>
+          <a:xfrm>
+            <a:off x="504000" y="1326600"/>
+            <a:ext cx="4426920" cy="1568520"/>
+          </a:xfrm>
+          <a:prstGeom prst="rect">
+            <a:avLst/>
+          </a:prstGeom>
+        </p:spPr>
+        <p:txBody>
+          <a:bodyPr lIns="0" rIns="0" tIns="0" bIns="0">
+            <a:normAutofit/>
+          </a:bodyPr>
+          <a:p>
+            <a:endParaRPr b="0" lang="en-US" sz="3200" spc="-1" strike="noStrike">
+              <a:latin typeface="Arial"/>
+            </a:endParaRPr>
+          </a:p>
+        </p:txBody>
+      </p:sp>
+      <p:sp>
+        <p:nvSpPr>
+          <p:cNvPr id="104" name="PlaceHolder 3"/>
+          <p:cNvSpPr>
+            <a:spLocks noGrp="1"/>
+          </p:cNvSpPr>
+          <p:nvPr>
+            <p:ph type="body"/>
+          </p:nvPr>
+        </p:nvSpPr>
+        <p:spPr>
+          <a:xfrm>
+            <a:off x="5152680" y="1326600"/>
+            <a:ext cx="4426920" cy="1568520"/>
+          </a:xfrm>
+          <a:prstGeom prst="rect">
+            <a:avLst/>
+          </a:prstGeom>
+        </p:spPr>
+        <p:txBody>
+          <a:bodyPr lIns="0" rIns="0" tIns="0" bIns="0">
+            <a:normAutofit/>
+          </a:bodyPr>
+          <a:p>
+            <a:endParaRPr b="0" lang="en-US" sz="3200" spc="-1" strike="noStrike">
+              <a:latin typeface="Arial"/>
+            </a:endParaRPr>
+          </a:p>
+        </p:txBody>
+      </p:sp>
+      <p:sp>
+        <p:nvSpPr>
+          <p:cNvPr id="105" name="PlaceHolder 4"/>
+          <p:cNvSpPr>
+            <a:spLocks noGrp="1"/>
+          </p:cNvSpPr>
+          <p:nvPr>
+            <p:ph type="body"/>
+          </p:nvPr>
+        </p:nvSpPr>
+        <p:spPr>
+          <a:xfrm>
+            <a:off x="504000" y="3044520"/>
+            <a:ext cx="4426920" cy="1568520"/>
+          </a:xfrm>
+          <a:prstGeom prst="rect">
+            <a:avLst/>
+          </a:prstGeom>
+        </p:spPr>
+        <p:txBody>
+          <a:bodyPr lIns="0" rIns="0" tIns="0" bIns="0">
+            <a:normAutofit/>
+          </a:bodyPr>
+          <a:p>
+            <a:endParaRPr b="0" lang="en-US" sz="3200" spc="-1" strike="noStrike">
+              <a:latin typeface="Arial"/>
+            </a:endParaRPr>
+          </a:p>
+        </p:txBody>
+      </p:sp>
+      <p:sp>
+        <p:nvSpPr>
+          <p:cNvPr id="106" name="PlaceHolder 5"/>
+          <p:cNvSpPr>
+            <a:spLocks noGrp="1"/>
+          </p:cNvSpPr>
+          <p:nvPr>
+            <p:ph type="body"/>
+          </p:nvPr>
+        </p:nvSpPr>
+        <p:spPr>
+          <a:xfrm>
+            <a:off x="5152680" y="3044520"/>
+            <a:ext cx="4426920" cy="1568520"/>
+          </a:xfrm>
+          <a:prstGeom prst="rect">
+            <a:avLst/>
+          </a:prstGeom>
+        </p:spPr>
+        <p:txBody>
+          <a:bodyPr lIns="0" rIns="0" tIns="0" bIns="0">
+            <a:normAutofit/>
+          </a:bodyPr>
+          <a:p>
+            <a:endParaRPr b="0" lang="en-US" sz="3200" spc="-1" strike="noStrike">
+              <a:latin typeface="Arial"/>
+            </a:endParaRPr>
+          </a:p>
+        </p:txBody>
+      </p:sp>
+    </p:spTree>
+  </p:cSld>
+</p:sldLayout>
+</file>
+
+<file path=ppt/slideLayouts/slideLayout36.xml><?xml version="1.0" encoding="utf-8"?>
+<p:sldLayout xmlns:a="http://schemas.openxmlformats.org/drawingml/2006/main" xmlns:p="http://schemas.openxmlformats.org/presentationml/2006/main" xmlns:r="http://schemas.openxmlformats.org/officeDocument/2006/relationships" xmlns:p14="http://schemas.microsoft.com/office/powerpoint/2010/main" xmlns:p15="http://schemas.microsoft.com/office/powerpoint/2012/main" xmlns:mc="http://schemas.openxmlformats.org/markup-compatibility/2006" type="blank" preserve="1">
+  <p:cSld name="Title, 6 Content">
+    <p:spTree>
+      <p:nvGrpSpPr>
+        <p:cNvPr id="1" name=""/>
+        <p:cNvGrpSpPr/>
+        <p:nvPr/>
+      </p:nvGrpSpPr>
+      <p:grpSpPr>
+        <a:xfrm>
+          <a:off x="0" y="0"/>
+          <a:ext cx="0" cy="0"/>
+          <a:chOff x="0" y="0"/>
+          <a:chExt cx="0" cy="0"/>
+        </a:xfrm>
+      </p:grpSpPr>
+      <p:sp>
+        <p:nvSpPr>
+          <p:cNvPr id="107" name="PlaceHolder 1"/>
+          <p:cNvSpPr>
+            <a:spLocks noGrp="1"/>
+          </p:cNvSpPr>
+          <p:nvPr>
+            <p:ph type="title"/>
+          </p:nvPr>
+        </p:nvSpPr>
+        <p:spPr>
+          <a:xfrm>
+            <a:off x="504000" y="226080"/>
+            <a:ext cx="9071280" cy="946080"/>
+          </a:xfrm>
+          <a:prstGeom prst="rect">
+            <a:avLst/>
+          </a:prstGeom>
+        </p:spPr>
+        <p:txBody>
+          <a:bodyPr lIns="0" rIns="0" tIns="0" bIns="0" anchor="ctr">
+            <a:noAutofit/>
+          </a:bodyPr>
+          <a:p>
+            <a:pPr algn="ctr"/>
+            <a:endParaRPr b="0" lang="en-US" sz="1800" spc="-1" strike="noStrike">
+              <a:solidFill>
+                <a:srgbClr val="a6a8c4"/>
+              </a:solidFill>
+              <a:latin typeface="Arial"/>
+            </a:endParaRPr>
+          </a:p>
+        </p:txBody>
+      </p:sp>
+      <p:sp>
+        <p:nvSpPr>
+          <p:cNvPr id="108" name="PlaceHolder 2"/>
+          <p:cNvSpPr>
+            <a:spLocks noGrp="1"/>
+          </p:cNvSpPr>
+          <p:nvPr>
+            <p:ph type="body"/>
+          </p:nvPr>
+        </p:nvSpPr>
+        <p:spPr>
+          <a:xfrm>
+            <a:off x="504000" y="1326600"/>
+            <a:ext cx="2921040" cy="1568520"/>
+          </a:xfrm>
+          <a:prstGeom prst="rect">
+            <a:avLst/>
+          </a:prstGeom>
+        </p:spPr>
+        <p:txBody>
+          <a:bodyPr lIns="0" rIns="0" tIns="0" bIns="0">
+            <a:normAutofit/>
+          </a:bodyPr>
+          <a:p>
+            <a:endParaRPr b="0" lang="en-US" sz="3200" spc="-1" strike="noStrike">
+              <a:latin typeface="Arial"/>
+            </a:endParaRPr>
+          </a:p>
+        </p:txBody>
+      </p:sp>
+      <p:sp>
+        <p:nvSpPr>
+          <p:cNvPr id="109" name="PlaceHolder 3"/>
+          <p:cNvSpPr>
+            <a:spLocks noGrp="1"/>
+          </p:cNvSpPr>
+          <p:nvPr>
+            <p:ph type="body"/>
+          </p:nvPr>
+        </p:nvSpPr>
+        <p:spPr>
+          <a:xfrm>
+            <a:off x="3571560" y="1326600"/>
+            <a:ext cx="2921040" cy="1568520"/>
+          </a:xfrm>
+          <a:prstGeom prst="rect">
+            <a:avLst/>
+          </a:prstGeom>
+        </p:spPr>
+        <p:txBody>
+          <a:bodyPr lIns="0" rIns="0" tIns="0" bIns="0">
+            <a:normAutofit/>
+          </a:bodyPr>
+          <a:p>
+            <a:endParaRPr b="0" lang="en-US" sz="3200" spc="-1" strike="noStrike">
+              <a:latin typeface="Arial"/>
+            </a:endParaRPr>
+          </a:p>
+        </p:txBody>
+      </p:sp>
+      <p:sp>
+        <p:nvSpPr>
+          <p:cNvPr id="110" name="PlaceHolder 4"/>
+          <p:cNvSpPr>
+            <a:spLocks noGrp="1"/>
+          </p:cNvSpPr>
+          <p:nvPr>
+            <p:ph type="body"/>
+          </p:nvPr>
+        </p:nvSpPr>
+        <p:spPr>
+          <a:xfrm>
+            <a:off x="6639120" y="1326600"/>
+            <a:ext cx="2921040" cy="1568520"/>
+          </a:xfrm>
+          <a:prstGeom prst="rect">
+            <a:avLst/>
+          </a:prstGeom>
+        </p:spPr>
+        <p:txBody>
+          <a:bodyPr lIns="0" rIns="0" tIns="0" bIns="0">
+            <a:normAutofit/>
+          </a:bodyPr>
+          <a:p>
+            <a:endParaRPr b="0" lang="en-US" sz="3200" spc="-1" strike="noStrike">
+              <a:latin typeface="Arial"/>
+            </a:endParaRPr>
+          </a:p>
+        </p:txBody>
+      </p:sp>
+      <p:sp>
+        <p:nvSpPr>
+          <p:cNvPr id="111" name="PlaceHolder 5"/>
+          <p:cNvSpPr>
+            <a:spLocks noGrp="1"/>
+          </p:cNvSpPr>
+          <p:nvPr>
+            <p:ph type="body"/>
+          </p:nvPr>
+        </p:nvSpPr>
+        <p:spPr>
+          <a:xfrm>
+            <a:off x="504000" y="3044520"/>
+            <a:ext cx="2921040" cy="1568520"/>
+          </a:xfrm>
+          <a:prstGeom prst="rect">
+            <a:avLst/>
+          </a:prstGeom>
+        </p:spPr>
+        <p:txBody>
+          <a:bodyPr lIns="0" rIns="0" tIns="0" bIns="0">
+            <a:normAutofit/>
+          </a:bodyPr>
+          <a:p>
+            <a:endParaRPr b="0" lang="en-US" sz="3200" spc="-1" strike="noStrike">
+              <a:latin typeface="Arial"/>
+            </a:endParaRPr>
+          </a:p>
+        </p:txBody>
+      </p:sp>
+      <p:sp>
+        <p:nvSpPr>
+          <p:cNvPr id="112" name="PlaceHolder 6"/>
+          <p:cNvSpPr>
+            <a:spLocks noGrp="1"/>
+          </p:cNvSpPr>
+          <p:nvPr>
+            <p:ph type="body"/>
+          </p:nvPr>
+        </p:nvSpPr>
+        <p:spPr>
+          <a:xfrm>
+            <a:off x="3571560" y="3044520"/>
+            <a:ext cx="2921040" cy="1568520"/>
+          </a:xfrm>
+          <a:prstGeom prst="rect">
+            <a:avLst/>
+          </a:prstGeom>
+        </p:spPr>
+        <p:txBody>
+          <a:bodyPr lIns="0" rIns="0" tIns="0" bIns="0">
+            <a:normAutofit/>
+          </a:bodyPr>
+          <a:p>
+            <a:endParaRPr b="0" lang="en-US" sz="3200" spc="-1" strike="noStrike">
+              <a:latin typeface="Arial"/>
+            </a:endParaRPr>
+          </a:p>
+        </p:txBody>
+      </p:sp>
+      <p:sp>
+        <p:nvSpPr>
+          <p:cNvPr id="113" name="PlaceHolder 7"/>
+          <p:cNvSpPr>
+            <a:spLocks noGrp="1"/>
+          </p:cNvSpPr>
+          <p:nvPr>
+            <p:ph type="body"/>
+          </p:nvPr>
+        </p:nvSpPr>
+        <p:spPr>
+          <a:xfrm>
+            <a:off x="6639120" y="3044520"/>
+            <a:ext cx="2921040" cy="1568520"/>
+          </a:xfrm>
+          <a:prstGeom prst="rect">
+            <a:avLst/>
+          </a:prstGeom>
+        </p:spPr>
+        <p:txBody>
+          <a:bodyPr lIns="0" rIns="0" tIns="0" bIns="0">
+            <a:normAutofit/>
+          </a:bodyPr>
+          <a:p>
+            <a:endParaRPr b="0" lang="en-US" sz="3200" spc="-1" strike="noStrike">
               <a:latin typeface="Arial"/>
             </a:endParaRPr>
           </a:p>
@@ -814,7 +3554,7 @@
       </p:grpSpPr>
       <p:sp>
         <p:nvSpPr>
-          <p:cNvPr id="9" name="PlaceHolder 1"/>
+          <p:cNvPr id="6" name="PlaceHolder 1"/>
           <p:cNvSpPr>
             <a:spLocks noGrp="1"/>
           </p:cNvSpPr>
@@ -825,7 +3565,7 @@
         <p:spPr>
           <a:xfrm>
             <a:off x="504000" y="226080"/>
-            <a:ext cx="9071640" cy="946440"/>
+            <a:ext cx="9071280" cy="946080"/>
           </a:xfrm>
           <a:prstGeom prst="rect">
             <a:avLst/>
@@ -836,18 +3576,19 @@
             <a:noAutofit/>
           </a:bodyPr>
           <a:p>
-            <a:endParaRPr b="0" lang="en-US" sz="4400" spc="-1" strike="noStrike">
+            <a:pPr algn="ctr"/>
+            <a:endParaRPr b="0" lang="en-US" sz="1800" spc="-1" strike="noStrike">
               <a:solidFill>
                 <a:srgbClr val="a6a8c4"/>
               </a:solidFill>
-              <a:latin typeface="Courier New"/>
-            </a:endParaRPr>
-          </a:p>
-        </p:txBody>
-      </p:sp>
-      <p:sp>
-        <p:nvSpPr>
-          <p:cNvPr id="10" name="PlaceHolder 2"/>
+              <a:latin typeface="Arial"/>
+            </a:endParaRPr>
+          </a:p>
+        </p:txBody>
+      </p:sp>
+      <p:sp>
+        <p:nvSpPr>
+          <p:cNvPr id="7" name="PlaceHolder 2"/>
           <p:cNvSpPr>
             <a:spLocks noGrp="1"/>
           </p:cNvSpPr>
@@ -858,7 +3599,7 @@
         <p:spPr>
           <a:xfrm>
             <a:off x="504000" y="1326600"/>
-            <a:ext cx="4426920" cy="3288240"/>
+            <a:ext cx="4426920" cy="3288600"/>
           </a:xfrm>
           <a:prstGeom prst="rect">
             <a:avLst/>
@@ -870,17 +3611,14 @@
           </a:bodyPr>
           <a:p>
             <a:endParaRPr b="0" lang="en-US" sz="3200" spc="-1" strike="noStrike">
-              <a:solidFill>
-                <a:srgbClr val="a6a8c4"/>
-              </a:solidFill>
-              <a:latin typeface="Arial"/>
-            </a:endParaRPr>
-          </a:p>
-        </p:txBody>
-      </p:sp>
-      <p:sp>
-        <p:nvSpPr>
-          <p:cNvPr id="11" name="PlaceHolder 3"/>
+              <a:latin typeface="Arial"/>
+            </a:endParaRPr>
+          </a:p>
+        </p:txBody>
+      </p:sp>
+      <p:sp>
+        <p:nvSpPr>
+          <p:cNvPr id="8" name="PlaceHolder 3"/>
           <p:cNvSpPr>
             <a:spLocks noGrp="1"/>
           </p:cNvSpPr>
@@ -891,7 +3629,7 @@
         <p:spPr>
           <a:xfrm>
             <a:off x="5152680" y="1326600"/>
-            <a:ext cx="4426920" cy="3288240"/>
+            <a:ext cx="4426920" cy="3288600"/>
           </a:xfrm>
           <a:prstGeom prst="rect">
             <a:avLst/>
@@ -903,9 +3641,6 @@
           </a:bodyPr>
           <a:p>
             <a:endParaRPr b="0" lang="en-US" sz="3200" spc="-1" strike="noStrike">
-              <a:solidFill>
-                <a:srgbClr val="a6a8c4"/>
-              </a:solidFill>
               <a:latin typeface="Arial"/>
             </a:endParaRPr>
           </a:p>
@@ -935,7 +3670,7 @@
       </p:grpSpPr>
       <p:sp>
         <p:nvSpPr>
-          <p:cNvPr id="12" name="PlaceHolder 1"/>
+          <p:cNvPr id="9" name="PlaceHolder 1"/>
           <p:cNvSpPr>
             <a:spLocks noGrp="1"/>
           </p:cNvSpPr>
@@ -946,7 +3681,7 @@
         <p:spPr>
           <a:xfrm>
             <a:off x="504000" y="226080"/>
-            <a:ext cx="9071640" cy="946440"/>
+            <a:ext cx="9071280" cy="946080"/>
           </a:xfrm>
           <a:prstGeom prst="rect">
             <a:avLst/>
@@ -957,11 +3692,12 @@
             <a:noAutofit/>
           </a:bodyPr>
           <a:p>
-            <a:endParaRPr b="0" lang="en-US" sz="4400" spc="-1" strike="noStrike">
+            <a:pPr algn="ctr"/>
+            <a:endParaRPr b="0" lang="en-US" sz="1800" spc="-1" strike="noStrike">
               <a:solidFill>
                 <a:srgbClr val="a6a8c4"/>
               </a:solidFill>
-              <a:latin typeface="Courier New"/>
+              <a:latin typeface="Arial"/>
             </a:endParaRPr>
           </a:p>
         </p:txBody>
@@ -990,7 +3726,7 @@
       </p:grpSpPr>
       <p:sp>
         <p:nvSpPr>
-          <p:cNvPr id="13" name="PlaceHolder 1"/>
+          <p:cNvPr id="10" name="PlaceHolder 1"/>
           <p:cNvSpPr>
             <a:spLocks noGrp="1"/>
           </p:cNvSpPr>
@@ -1001,7 +3737,7 @@
         <p:spPr>
           <a:xfrm>
             <a:off x="504000" y="226080"/>
-            <a:ext cx="9071640" cy="4388400"/>
+            <a:ext cx="9071280" cy="4386600"/>
           </a:xfrm>
           <a:prstGeom prst="rect">
             <a:avLst/>
@@ -1013,10 +3749,7 @@
           </a:bodyPr>
           <a:p>
             <a:pPr algn="ctr"/>
-            <a:endParaRPr b="0" lang="en-US" sz="1200" spc="-1" strike="noStrike">
-              <a:solidFill>
-                <a:srgbClr val="a6a8c4"/>
-              </a:solidFill>
+            <a:endParaRPr b="0" lang="en-US" sz="3200" spc="-1" strike="noStrike">
               <a:latin typeface="Arial"/>
             </a:endParaRPr>
           </a:p>
@@ -1046,7 +3779,7 @@
       </p:grpSpPr>
       <p:sp>
         <p:nvSpPr>
-          <p:cNvPr id="14" name="PlaceHolder 1"/>
+          <p:cNvPr id="11" name="PlaceHolder 1"/>
           <p:cNvSpPr>
             <a:spLocks noGrp="1"/>
           </p:cNvSpPr>
@@ -1057,7 +3790,7 @@
         <p:spPr>
           <a:xfrm>
             <a:off x="504000" y="226080"/>
-            <a:ext cx="9071640" cy="946440"/>
+            <a:ext cx="9071280" cy="946080"/>
           </a:xfrm>
           <a:prstGeom prst="rect">
             <a:avLst/>
@@ -1068,18 +3801,19 @@
             <a:noAutofit/>
           </a:bodyPr>
           <a:p>
-            <a:endParaRPr b="0" lang="en-US" sz="4400" spc="-1" strike="noStrike">
+            <a:pPr algn="ctr"/>
+            <a:endParaRPr b="0" lang="en-US" sz="1800" spc="-1" strike="noStrike">
               <a:solidFill>
                 <a:srgbClr val="a6a8c4"/>
               </a:solidFill>
-              <a:latin typeface="Courier New"/>
-            </a:endParaRPr>
-          </a:p>
-        </p:txBody>
-      </p:sp>
-      <p:sp>
-        <p:nvSpPr>
-          <p:cNvPr id="15" name="PlaceHolder 2"/>
+              <a:latin typeface="Arial"/>
+            </a:endParaRPr>
+          </a:p>
+        </p:txBody>
+      </p:sp>
+      <p:sp>
+        <p:nvSpPr>
+          <p:cNvPr id="12" name="PlaceHolder 2"/>
           <p:cNvSpPr>
             <a:spLocks noGrp="1"/>
           </p:cNvSpPr>
@@ -1090,7 +3824,7 @@
         <p:spPr>
           <a:xfrm>
             <a:off x="504000" y="1326600"/>
-            <a:ext cx="4426920" cy="1568160"/>
+            <a:ext cx="4426920" cy="1568520"/>
           </a:xfrm>
           <a:prstGeom prst="rect">
             <a:avLst/>
@@ -1102,17 +3836,14 @@
           </a:bodyPr>
           <a:p>
             <a:endParaRPr b="0" lang="en-US" sz="3200" spc="-1" strike="noStrike">
-              <a:solidFill>
-                <a:srgbClr val="a6a8c4"/>
-              </a:solidFill>
-              <a:latin typeface="Arial"/>
-            </a:endParaRPr>
-          </a:p>
-        </p:txBody>
-      </p:sp>
-      <p:sp>
-        <p:nvSpPr>
-          <p:cNvPr id="16" name="PlaceHolder 3"/>
+              <a:latin typeface="Arial"/>
+            </a:endParaRPr>
+          </a:p>
+        </p:txBody>
+      </p:sp>
+      <p:sp>
+        <p:nvSpPr>
+          <p:cNvPr id="13" name="PlaceHolder 3"/>
           <p:cNvSpPr>
             <a:spLocks noGrp="1"/>
           </p:cNvSpPr>
@@ -1123,7 +3854,7 @@
         <p:spPr>
           <a:xfrm>
             <a:off x="5152680" y="1326600"/>
-            <a:ext cx="4426920" cy="3288240"/>
+            <a:ext cx="4426920" cy="3288600"/>
           </a:xfrm>
           <a:prstGeom prst="rect">
             <a:avLst/>
@@ -1135,17 +3866,14 @@
           </a:bodyPr>
           <a:p>
             <a:endParaRPr b="0" lang="en-US" sz="3200" spc="-1" strike="noStrike">
-              <a:solidFill>
-                <a:srgbClr val="a6a8c4"/>
-              </a:solidFill>
-              <a:latin typeface="Arial"/>
-            </a:endParaRPr>
-          </a:p>
-        </p:txBody>
-      </p:sp>
-      <p:sp>
-        <p:nvSpPr>
-          <p:cNvPr id="17" name="PlaceHolder 4"/>
+              <a:latin typeface="Arial"/>
+            </a:endParaRPr>
+          </a:p>
+        </p:txBody>
+      </p:sp>
+      <p:sp>
+        <p:nvSpPr>
+          <p:cNvPr id="14" name="PlaceHolder 4"/>
           <p:cNvSpPr>
             <a:spLocks noGrp="1"/>
           </p:cNvSpPr>
@@ -1155,8 +3883,8 @@
         </p:nvSpPr>
         <p:spPr>
           <a:xfrm>
-            <a:off x="504000" y="3044160"/>
-            <a:ext cx="4426920" cy="1568160"/>
+            <a:off x="504000" y="3044520"/>
+            <a:ext cx="4426920" cy="1568520"/>
           </a:xfrm>
           <a:prstGeom prst="rect">
             <a:avLst/>
@@ -1168,9 +3896,6 @@
           </a:bodyPr>
           <a:p>
             <a:endParaRPr b="0" lang="en-US" sz="3200" spc="-1" strike="noStrike">
-              <a:solidFill>
-                <a:srgbClr val="a6a8c4"/>
-              </a:solidFill>
               <a:latin typeface="Arial"/>
             </a:endParaRPr>
           </a:p>
@@ -1200,7 +3925,7 @@
       </p:grpSpPr>
       <p:sp>
         <p:nvSpPr>
-          <p:cNvPr id="18" name="PlaceHolder 1"/>
+          <p:cNvPr id="15" name="PlaceHolder 1"/>
           <p:cNvSpPr>
             <a:spLocks noGrp="1"/>
           </p:cNvSpPr>
@@ -1211,7 +3936,7 @@
         <p:spPr>
           <a:xfrm>
             <a:off x="504000" y="226080"/>
-            <a:ext cx="9071640" cy="946440"/>
+            <a:ext cx="9071280" cy="946080"/>
           </a:xfrm>
           <a:prstGeom prst="rect">
             <a:avLst/>
@@ -1222,18 +3947,19 @@
             <a:noAutofit/>
           </a:bodyPr>
           <a:p>
-            <a:endParaRPr b="0" lang="en-US" sz="4400" spc="-1" strike="noStrike">
+            <a:pPr algn="ctr"/>
+            <a:endParaRPr b="0" lang="en-US" sz="1800" spc="-1" strike="noStrike">
               <a:solidFill>
                 <a:srgbClr val="a6a8c4"/>
               </a:solidFill>
-              <a:latin typeface="Courier New"/>
-            </a:endParaRPr>
-          </a:p>
-        </p:txBody>
-      </p:sp>
-      <p:sp>
-        <p:nvSpPr>
-          <p:cNvPr id="19" name="PlaceHolder 2"/>
+              <a:latin typeface="Arial"/>
+            </a:endParaRPr>
+          </a:p>
+        </p:txBody>
+      </p:sp>
+      <p:sp>
+        <p:nvSpPr>
+          <p:cNvPr id="16" name="PlaceHolder 2"/>
           <p:cNvSpPr>
             <a:spLocks noGrp="1"/>
           </p:cNvSpPr>
@@ -1244,7 +3970,7 @@
         <p:spPr>
           <a:xfrm>
             <a:off x="504000" y="1326600"/>
-            <a:ext cx="4426920" cy="3288240"/>
+            <a:ext cx="4426920" cy="3288600"/>
           </a:xfrm>
           <a:prstGeom prst="rect">
             <a:avLst/>
@@ -1256,17 +3982,14 @@
           </a:bodyPr>
           <a:p>
             <a:endParaRPr b="0" lang="en-US" sz="3200" spc="-1" strike="noStrike">
-              <a:solidFill>
-                <a:srgbClr val="a6a8c4"/>
-              </a:solidFill>
-              <a:latin typeface="Arial"/>
-            </a:endParaRPr>
-          </a:p>
-        </p:txBody>
-      </p:sp>
-      <p:sp>
-        <p:nvSpPr>
-          <p:cNvPr id="20" name="PlaceHolder 3"/>
+              <a:latin typeface="Arial"/>
+            </a:endParaRPr>
+          </a:p>
+        </p:txBody>
+      </p:sp>
+      <p:sp>
+        <p:nvSpPr>
+          <p:cNvPr id="17" name="PlaceHolder 3"/>
           <p:cNvSpPr>
             <a:spLocks noGrp="1"/>
           </p:cNvSpPr>
@@ -1277,7 +4000,7 @@
         <p:spPr>
           <a:xfrm>
             <a:off x="5152680" y="1326600"/>
-            <a:ext cx="4426920" cy="1568160"/>
+            <a:ext cx="4426920" cy="1568520"/>
           </a:xfrm>
           <a:prstGeom prst="rect">
             <a:avLst/>
@@ -1289,17 +4012,14 @@
           </a:bodyPr>
           <a:p>
             <a:endParaRPr b="0" lang="en-US" sz="3200" spc="-1" strike="noStrike">
-              <a:solidFill>
-                <a:srgbClr val="a6a8c4"/>
-              </a:solidFill>
-              <a:latin typeface="Arial"/>
-            </a:endParaRPr>
-          </a:p>
-        </p:txBody>
-      </p:sp>
-      <p:sp>
-        <p:nvSpPr>
-          <p:cNvPr id="21" name="PlaceHolder 4"/>
+              <a:latin typeface="Arial"/>
+            </a:endParaRPr>
+          </a:p>
+        </p:txBody>
+      </p:sp>
+      <p:sp>
+        <p:nvSpPr>
+          <p:cNvPr id="18" name="PlaceHolder 4"/>
           <p:cNvSpPr>
             <a:spLocks noGrp="1"/>
           </p:cNvSpPr>
@@ -1309,8 +4029,8 @@
         </p:nvSpPr>
         <p:spPr>
           <a:xfrm>
-            <a:off x="5152680" y="3044160"/>
-            <a:ext cx="4426920" cy="1568160"/>
+            <a:off x="5152680" y="3044520"/>
+            <a:ext cx="4426920" cy="1568520"/>
           </a:xfrm>
           <a:prstGeom prst="rect">
             <a:avLst/>
@@ -1322,9 +4042,6 @@
           </a:bodyPr>
           <a:p>
             <a:endParaRPr b="0" lang="en-US" sz="3200" spc="-1" strike="noStrike">
-              <a:solidFill>
-                <a:srgbClr val="a6a8c4"/>
-              </a:solidFill>
               <a:latin typeface="Arial"/>
             </a:endParaRPr>
           </a:p>
@@ -1354,7 +4071,7 @@
       </p:grpSpPr>
       <p:sp>
         <p:nvSpPr>
-          <p:cNvPr id="22" name="PlaceHolder 1"/>
+          <p:cNvPr id="19" name="PlaceHolder 1"/>
           <p:cNvSpPr>
             <a:spLocks noGrp="1"/>
           </p:cNvSpPr>
@@ -1365,7 +4082,7 @@
         <p:spPr>
           <a:xfrm>
             <a:off x="504000" y="226080"/>
-            <a:ext cx="9071640" cy="946440"/>
+            <a:ext cx="9071280" cy="946080"/>
           </a:xfrm>
           <a:prstGeom prst="rect">
             <a:avLst/>
@@ -1376,18 +4093,19 @@
             <a:noAutofit/>
           </a:bodyPr>
           <a:p>
-            <a:endParaRPr b="0" lang="en-US" sz="4400" spc="-1" strike="noStrike">
+            <a:pPr algn="ctr"/>
+            <a:endParaRPr b="0" lang="en-US" sz="1800" spc="-1" strike="noStrike">
               <a:solidFill>
                 <a:srgbClr val="a6a8c4"/>
               </a:solidFill>
-              <a:latin typeface="Courier New"/>
-            </a:endParaRPr>
-          </a:p>
-        </p:txBody>
-      </p:sp>
-      <p:sp>
-        <p:nvSpPr>
-          <p:cNvPr id="23" name="PlaceHolder 2"/>
+              <a:latin typeface="Arial"/>
+            </a:endParaRPr>
+          </a:p>
+        </p:txBody>
+      </p:sp>
+      <p:sp>
+        <p:nvSpPr>
+          <p:cNvPr id="20" name="PlaceHolder 2"/>
           <p:cNvSpPr>
             <a:spLocks noGrp="1"/>
           </p:cNvSpPr>
@@ -1398,7 +4116,7 @@
         <p:spPr>
           <a:xfrm>
             <a:off x="504000" y="1326600"/>
-            <a:ext cx="4426920" cy="1568160"/>
+            <a:ext cx="4426920" cy="1568520"/>
           </a:xfrm>
           <a:prstGeom prst="rect">
             <a:avLst/>
@@ -1410,17 +4128,14 @@
           </a:bodyPr>
           <a:p>
             <a:endParaRPr b="0" lang="en-US" sz="3200" spc="-1" strike="noStrike">
-              <a:solidFill>
-                <a:srgbClr val="a6a8c4"/>
-              </a:solidFill>
-              <a:latin typeface="Arial"/>
-            </a:endParaRPr>
-          </a:p>
-        </p:txBody>
-      </p:sp>
-      <p:sp>
-        <p:nvSpPr>
-          <p:cNvPr id="24" name="PlaceHolder 3"/>
+              <a:latin typeface="Arial"/>
+            </a:endParaRPr>
+          </a:p>
+        </p:txBody>
+      </p:sp>
+      <p:sp>
+        <p:nvSpPr>
+          <p:cNvPr id="21" name="PlaceHolder 3"/>
           <p:cNvSpPr>
             <a:spLocks noGrp="1"/>
           </p:cNvSpPr>
@@ -1431,7 +4146,7 @@
         <p:spPr>
           <a:xfrm>
             <a:off x="5152680" y="1326600"/>
-            <a:ext cx="4426920" cy="1568160"/>
+            <a:ext cx="4426920" cy="1568520"/>
           </a:xfrm>
           <a:prstGeom prst="rect">
             <a:avLst/>
@@ -1443,17 +4158,14 @@
           </a:bodyPr>
           <a:p>
             <a:endParaRPr b="0" lang="en-US" sz="3200" spc="-1" strike="noStrike">
-              <a:solidFill>
-                <a:srgbClr val="a6a8c4"/>
-              </a:solidFill>
-              <a:latin typeface="Arial"/>
-            </a:endParaRPr>
-          </a:p>
-        </p:txBody>
-      </p:sp>
-      <p:sp>
-        <p:nvSpPr>
-          <p:cNvPr id="25" name="PlaceHolder 4"/>
+              <a:latin typeface="Arial"/>
+            </a:endParaRPr>
+          </a:p>
+        </p:txBody>
+      </p:sp>
+      <p:sp>
+        <p:nvSpPr>
+          <p:cNvPr id="22" name="PlaceHolder 4"/>
           <p:cNvSpPr>
             <a:spLocks noGrp="1"/>
           </p:cNvSpPr>
@@ -1463,8 +4175,8 @@
         </p:nvSpPr>
         <p:spPr>
           <a:xfrm>
-            <a:off x="504000" y="3044160"/>
-            <a:ext cx="9071640" cy="1568160"/>
+            <a:off x="504000" y="3044520"/>
+            <a:ext cx="9072000" cy="1568520"/>
           </a:xfrm>
           <a:prstGeom prst="rect">
             <a:avLst/>
@@ -1476,9 +4188,6 @@
           </a:bodyPr>
           <a:p>
             <a:endParaRPr b="0" lang="en-US" sz="3200" spc="-1" strike="noStrike">
-              <a:solidFill>
-                <a:srgbClr val="a6a8c4"/>
-              </a:solidFill>
               <a:latin typeface="Arial"/>
             </a:endParaRPr>
           </a:p>
@@ -1526,7 +4235,7 @@
         <p:spPr>
           <a:xfrm>
             <a:off x="504000" y="226080"/>
-            <a:ext cx="9071640" cy="946440"/>
+            <a:ext cx="9071280" cy="946080"/>
           </a:xfrm>
           <a:prstGeom prst="rect">
             <a:avLst/>
@@ -1538,19 +4247,13 @@
           </a:bodyPr>
           <a:p>
             <a:r>
-              <a:rPr b="0" lang="en-US" sz="4400" spc="-1" strike="noStrike">
-                <a:solidFill>
-                  <a:srgbClr val="a6a8c4"/>
-                </a:solidFill>
-                <a:latin typeface="Courier New"/>
+              <a:rPr b="0" lang="en-US" sz="1800" spc="-1" strike="noStrike">
+                <a:latin typeface="Arial"/>
               </a:rPr>
               <a:t>Click to edit the title text format</a:t>
             </a:r>
-            <a:endParaRPr b="0" lang="en-US" sz="4400" spc="-1" strike="noStrike">
-              <a:solidFill>
-                <a:srgbClr val="a6a8c4"/>
-              </a:solidFill>
-              <a:latin typeface="Courier New"/>
+            <a:endParaRPr b="0" lang="en-US" sz="1800" spc="-1" strike="noStrike">
+              <a:latin typeface="Arial"/>
             </a:endParaRPr>
           </a:p>
         </p:txBody>
@@ -1568,7 +4271,7 @@
         <p:spPr>
           <a:xfrm>
             <a:off x="504000" y="1326600"/>
-            <a:ext cx="9071640" cy="3288240"/>
+            <a:ext cx="9072000" cy="3288600"/>
           </a:xfrm>
           <a:prstGeom prst="rect">
             <a:avLst/>
@@ -1592,17 +4295,11 @@
             </a:pPr>
             <a:r>
               <a:rPr b="0" lang="en-US" sz="3200" spc="-1" strike="noStrike">
-                <a:solidFill>
-                  <a:srgbClr val="a6a8c4"/>
-                </a:solidFill>
                 <a:latin typeface="Arial"/>
               </a:rPr>
               <a:t>Click to edit the outline text format</a:t>
             </a:r>
             <a:endParaRPr b="0" lang="en-US" sz="3200" spc="-1" strike="noStrike">
-              <a:solidFill>
-                <a:srgbClr val="a6a8c4"/>
-              </a:solidFill>
               <a:latin typeface="Arial"/>
             </a:endParaRPr>
           </a:p>
@@ -1620,17 +4317,11 @@
             </a:pPr>
             <a:r>
               <a:rPr b="0" lang="en-US" sz="2800" spc="-1" strike="noStrike">
-                <a:solidFill>
-                  <a:srgbClr val="a6a8c4"/>
-                </a:solidFill>
                 <a:latin typeface="Arial"/>
               </a:rPr>
               <a:t>Second Outline Level</a:t>
             </a:r>
             <a:endParaRPr b="0" lang="en-US" sz="2800" spc="-1" strike="noStrike">
-              <a:solidFill>
-                <a:srgbClr val="a6a8c4"/>
-              </a:solidFill>
               <a:latin typeface="Arial"/>
             </a:endParaRPr>
           </a:p>
@@ -1648,17 +4339,11 @@
             </a:pPr>
             <a:r>
               <a:rPr b="0" lang="en-US" sz="2400" spc="-1" strike="noStrike">
-                <a:solidFill>
-                  <a:srgbClr val="a6a8c4"/>
-                </a:solidFill>
                 <a:latin typeface="Arial"/>
               </a:rPr>
               <a:t>Third Outline Level</a:t>
             </a:r>
             <a:endParaRPr b="0" lang="en-US" sz="2400" spc="-1" strike="noStrike">
-              <a:solidFill>
-                <a:srgbClr val="a6a8c4"/>
-              </a:solidFill>
               <a:latin typeface="Arial"/>
             </a:endParaRPr>
           </a:p>
@@ -1676,17 +4361,11 @@
             </a:pPr>
             <a:r>
               <a:rPr b="0" lang="en-US" sz="2000" spc="-1" strike="noStrike">
-                <a:solidFill>
-                  <a:srgbClr val="a6a8c4"/>
-                </a:solidFill>
                 <a:latin typeface="Arial"/>
               </a:rPr>
               <a:t>Fourth Outline Level</a:t>
             </a:r>
             <a:endParaRPr b="0" lang="en-US" sz="2000" spc="-1" strike="noStrike">
-              <a:solidFill>
-                <a:srgbClr val="a6a8c4"/>
-              </a:solidFill>
               <a:latin typeface="Arial"/>
             </a:endParaRPr>
           </a:p>
@@ -1704,17 +4383,11 @@
             </a:pPr>
             <a:r>
               <a:rPr b="0" lang="en-US" sz="2000" spc="-1" strike="noStrike">
-                <a:solidFill>
-                  <a:srgbClr val="a6a8c4"/>
-                </a:solidFill>
                 <a:latin typeface="Arial"/>
               </a:rPr>
               <a:t>Fifth Outline Level</a:t>
             </a:r>
             <a:endParaRPr b="0" lang="en-US" sz="2000" spc="-1" strike="noStrike">
-              <a:solidFill>
-                <a:srgbClr val="a6a8c4"/>
-              </a:solidFill>
               <a:latin typeface="Arial"/>
             </a:endParaRPr>
           </a:p>
@@ -1732,17 +4405,11 @@
             </a:pPr>
             <a:r>
               <a:rPr b="0" lang="en-US" sz="2000" spc="-1" strike="noStrike">
-                <a:solidFill>
-                  <a:srgbClr val="a6a8c4"/>
-                </a:solidFill>
                 <a:latin typeface="Arial"/>
               </a:rPr>
               <a:t>Sixth Outline Level</a:t>
             </a:r>
             <a:endParaRPr b="0" lang="en-US" sz="2000" spc="-1" strike="noStrike">
-              <a:solidFill>
-                <a:srgbClr val="a6a8c4"/>
-              </a:solidFill>
               <a:latin typeface="Arial"/>
             </a:endParaRPr>
           </a:p>
@@ -1760,128 +4427,12 @@
             </a:pPr>
             <a:r>
               <a:rPr b="0" lang="en-US" sz="2000" spc="-1" strike="noStrike">
-                <a:solidFill>
-                  <a:srgbClr val="a6a8c4"/>
-                </a:solidFill>
                 <a:latin typeface="Arial"/>
               </a:rPr>
               <a:t>Seventh Outline Level</a:t>
             </a:r>
             <a:endParaRPr b="0" lang="en-US" sz="2000" spc="-1" strike="noStrike">
-              <a:solidFill>
-                <a:srgbClr val="a6a8c4"/>
-              </a:solidFill>
-              <a:latin typeface="Arial"/>
-            </a:endParaRPr>
-          </a:p>
-        </p:txBody>
-      </p:sp>
-      <p:sp>
-        <p:nvSpPr>
-          <p:cNvPr id="2" name="PlaceHolder 3"/>
-          <p:cNvSpPr>
-            <a:spLocks noGrp="1"/>
-          </p:cNvSpPr>
-          <p:nvPr>
-            <p:ph type="dt"/>
-          </p:nvPr>
-        </p:nvSpPr>
-        <p:spPr>
-          <a:xfrm>
-            <a:off x="504000" y="5165280"/>
-            <a:ext cx="2348280" cy="390600"/>
-          </a:xfrm>
-          <a:prstGeom prst="rect">
-            <a:avLst/>
-          </a:prstGeom>
-        </p:spPr>
-        <p:txBody>
-          <a:bodyPr lIns="0" rIns="0" tIns="0" bIns="0">
-            <a:noAutofit/>
-          </a:bodyPr>
-          <a:p>
-            <a:r>
-              <a:rPr b="0" lang="en-US" sz="1400" spc="-1" strike="noStrike">
-                <a:latin typeface="Times New Roman"/>
-              </a:rPr>
-              <a:t>&lt;date/time&gt;</a:t>
-            </a:r>
-            <a:endParaRPr b="0" lang="en-US" sz="1400" spc="-1" strike="noStrike">
-              <a:latin typeface="Times New Roman"/>
-            </a:endParaRPr>
-          </a:p>
-        </p:txBody>
-      </p:sp>
-      <p:sp>
-        <p:nvSpPr>
-          <p:cNvPr id="3" name="PlaceHolder 4"/>
-          <p:cNvSpPr>
-            <a:spLocks noGrp="1"/>
-          </p:cNvSpPr>
-          <p:nvPr>
-            <p:ph type="ftr"/>
-          </p:nvPr>
-        </p:nvSpPr>
-        <p:spPr>
-          <a:xfrm>
-            <a:off x="3447360" y="5165280"/>
-            <a:ext cx="3195000" cy="390600"/>
-          </a:xfrm>
-          <a:prstGeom prst="rect">
-            <a:avLst/>
-          </a:prstGeom>
-        </p:spPr>
-        <p:txBody>
-          <a:bodyPr lIns="0" rIns="0" tIns="0" bIns="0">
-            <a:noAutofit/>
-          </a:bodyPr>
-          <a:p>
-            <a:pPr algn="ctr"/>
-            <a:r>
-              <a:rPr b="0" lang="en-US" sz="1400" spc="-1" strike="noStrike">
-                <a:latin typeface="Times New Roman"/>
-              </a:rPr>
-              <a:t>&lt;footer&gt;</a:t>
-            </a:r>
-            <a:endParaRPr b="0" lang="en-US" sz="1400" spc="-1" strike="noStrike">
-              <a:latin typeface="Times New Roman"/>
-            </a:endParaRPr>
-          </a:p>
-        </p:txBody>
-      </p:sp>
-      <p:sp>
-        <p:nvSpPr>
-          <p:cNvPr id="4" name="PlaceHolder 5"/>
-          <p:cNvSpPr>
-            <a:spLocks noGrp="1"/>
-          </p:cNvSpPr>
-          <p:nvPr>
-            <p:ph type="sldNum"/>
-          </p:nvPr>
-        </p:nvSpPr>
-        <p:spPr>
-          <a:xfrm>
-            <a:off x="7227360" y="5165280"/>
-            <a:ext cx="2348280" cy="390600"/>
-          </a:xfrm>
-          <a:prstGeom prst="rect">
-            <a:avLst/>
-          </a:prstGeom>
-        </p:spPr>
-        <p:txBody>
-          <a:bodyPr lIns="0" rIns="0" tIns="0" bIns="0">
-            <a:noAutofit/>
-          </a:bodyPr>
-          <a:p>
-            <a:pPr algn="r"/>
-            <a:fld id="{AA7B62B3-B121-47E6-A9E2-8503375632E2}" type="slidenum">
-              <a:rPr b="0" lang="en-US" sz="1400" spc="-1" strike="noStrike">
-                <a:latin typeface="Times New Roman"/>
-              </a:rPr>
-              <a:t>&lt;number&gt;</a:t>
-            </a:fld>
-            <a:endParaRPr b="0" lang="en-US" sz="1400" spc="-1" strike="noStrike">
-              <a:latin typeface="Times New Roman"/>
+              <a:latin typeface="Arial"/>
             </a:endParaRPr>
           </a:p>
         </p:txBody>
@@ -1902,6 +4453,536 @@
     <p:sldLayoutId id="2147483658" r:id="rId11"/>
     <p:sldLayoutId id="2147483659" r:id="rId12"/>
     <p:sldLayoutId id="2147483660" r:id="rId13"/>
+  </p:sldLayoutIdLst>
+</p:sldMaster>
+</file>
+
+<file path=ppt/slideMasters/slideMaster2.xml><?xml version="1.0" encoding="utf-8"?>
+<p:sldMaster xmlns:a="http://schemas.openxmlformats.org/drawingml/2006/main" xmlns:p="http://schemas.openxmlformats.org/presentationml/2006/main" xmlns:r="http://schemas.openxmlformats.org/officeDocument/2006/relationships" xmlns:p14="http://schemas.microsoft.com/office/powerpoint/2010/main" xmlns:p15="http://schemas.microsoft.com/office/powerpoint/2012/main" xmlns:mc="http://schemas.openxmlformats.org/markup-compatibility/2006">
+  <p:cSld>
+    <p:bg>
+      <p:bgPr>
+        <a:solidFill>
+          <a:srgbClr val="292d3e"/>
+        </a:solidFill>
+      </p:bgPr>
+    </p:bg>
+    <p:spTree>
+      <p:nvGrpSpPr>
+        <p:cNvPr id="1" name=""/>
+        <p:cNvGrpSpPr/>
+        <p:nvPr/>
+      </p:nvGrpSpPr>
+      <p:grpSpPr>
+        <a:xfrm>
+          <a:off x="0" y="0"/>
+          <a:ext cx="0" cy="0"/>
+          <a:chOff x="0" y="0"/>
+          <a:chExt cx="0" cy="0"/>
+        </a:xfrm>
+      </p:grpSpPr>
+      <p:sp>
+        <p:nvSpPr>
+          <p:cNvPr id="38" name="PlaceHolder 1"/>
+          <p:cNvSpPr>
+            <a:spLocks noGrp="1"/>
+          </p:cNvSpPr>
+          <p:nvPr>
+            <p:ph type="title"/>
+          </p:nvPr>
+        </p:nvSpPr>
+        <p:spPr>
+          <a:xfrm>
+            <a:off x="504000" y="226080"/>
+            <a:ext cx="9071280" cy="946080"/>
+          </a:xfrm>
+          <a:prstGeom prst="rect">
+            <a:avLst/>
+          </a:prstGeom>
+        </p:spPr>
+        <p:txBody>
+          <a:bodyPr lIns="0" rIns="0" tIns="0" bIns="0" anchor="ctr">
+            <a:noAutofit/>
+          </a:bodyPr>
+          <a:p>
+            <a:r>
+              <a:rPr b="0" lang="en-US" sz="3600" spc="-1" strike="noStrike">
+                <a:solidFill>
+                  <a:srgbClr val="a6a8c4"/>
+                </a:solidFill>
+                <a:latin typeface="Courier New"/>
+              </a:rPr>
+              <a:t>Click to edit the title text format</a:t>
+            </a:r>
+            <a:endParaRPr b="0" lang="en-US" sz="3600" spc="-1" strike="noStrike">
+              <a:solidFill>
+                <a:srgbClr val="a6a8c4"/>
+              </a:solidFill>
+              <a:latin typeface="Courier New"/>
+            </a:endParaRPr>
+          </a:p>
+        </p:txBody>
+      </p:sp>
+      <p:sp>
+        <p:nvSpPr>
+          <p:cNvPr id="39" name="PlaceHolder 2"/>
+          <p:cNvSpPr>
+            <a:spLocks noGrp="1"/>
+          </p:cNvSpPr>
+          <p:nvPr>
+            <p:ph type="body"/>
+          </p:nvPr>
+        </p:nvSpPr>
+        <p:spPr>
+          <a:xfrm>
+            <a:off x="504000" y="1326600"/>
+            <a:ext cx="9071280" cy="3287880"/>
+          </a:xfrm>
+          <a:prstGeom prst="rect">
+            <a:avLst/>
+          </a:prstGeom>
+        </p:spPr>
+        <p:txBody>
+          <a:bodyPr lIns="0" rIns="0" tIns="0" bIns="0">
+            <a:normAutofit/>
+          </a:bodyPr>
+          <a:p>
+            <a:pPr marL="432000" indent="-324000">
+              <a:spcBef>
+                <a:spcPts val="1417"/>
+              </a:spcBef>
+              <a:buClr>
+                <a:srgbClr val="ffffff"/>
+              </a:buClr>
+              <a:buSzPct val="45000"/>
+              <a:buFont typeface="Wingdings" charset="2"/>
+              <a:buChar char=""/>
+            </a:pPr>
+            <a:r>
+              <a:rPr b="0" lang="en-US" sz="1800" spc="-1" strike="noStrike">
+                <a:latin typeface="Arial"/>
+              </a:rPr>
+              <a:t>Click to edit the outline text format</a:t>
+            </a:r>
+            <a:endParaRPr b="0" lang="en-US" sz="1800" spc="-1" strike="noStrike">
+              <a:latin typeface="Arial"/>
+            </a:endParaRPr>
+          </a:p>
+          <a:p>
+            <a:pPr lvl="1" marL="864000" indent="-324000">
+              <a:spcBef>
+                <a:spcPts val="1134"/>
+              </a:spcBef>
+              <a:buClr>
+                <a:srgbClr val="ffffff"/>
+              </a:buClr>
+              <a:buSzPct val="75000"/>
+              <a:buFont typeface="Symbol" charset="2"/>
+              <a:buChar char=""/>
+            </a:pPr>
+            <a:r>
+              <a:rPr b="0" lang="en-US" sz="1800" spc="-1" strike="noStrike">
+                <a:latin typeface="Arial"/>
+              </a:rPr>
+              <a:t>Second Outline Level</a:t>
+            </a:r>
+            <a:endParaRPr b="0" lang="en-US" sz="1800" spc="-1" strike="noStrike">
+              <a:latin typeface="Arial"/>
+            </a:endParaRPr>
+          </a:p>
+          <a:p>
+            <a:pPr lvl="2" marL="1296000" indent="-288000">
+              <a:spcBef>
+                <a:spcPts val="850"/>
+              </a:spcBef>
+              <a:buClr>
+                <a:srgbClr val="ffffff"/>
+              </a:buClr>
+              <a:buSzPct val="45000"/>
+              <a:buFont typeface="Wingdings" charset="2"/>
+              <a:buChar char=""/>
+            </a:pPr>
+            <a:r>
+              <a:rPr b="0" lang="en-US" sz="1800" spc="-1" strike="noStrike">
+                <a:latin typeface="Arial"/>
+              </a:rPr>
+              <a:t>Third Outline Level</a:t>
+            </a:r>
+            <a:endParaRPr b="0" lang="en-US" sz="1800" spc="-1" strike="noStrike">
+              <a:latin typeface="Arial"/>
+            </a:endParaRPr>
+          </a:p>
+          <a:p>
+            <a:pPr lvl="3" marL="1728000" indent="-216000">
+              <a:spcBef>
+                <a:spcPts val="567"/>
+              </a:spcBef>
+              <a:buClr>
+                <a:srgbClr val="ffffff"/>
+              </a:buClr>
+              <a:buSzPct val="75000"/>
+              <a:buFont typeface="Symbol" charset="2"/>
+              <a:buChar char=""/>
+            </a:pPr>
+            <a:r>
+              <a:rPr b="0" lang="en-US" sz="1800" spc="-1" strike="noStrike">
+                <a:latin typeface="Arial"/>
+              </a:rPr>
+              <a:t>Fourth Outline Level</a:t>
+            </a:r>
+            <a:endParaRPr b="0" lang="en-US" sz="1800" spc="-1" strike="noStrike">
+              <a:latin typeface="Arial"/>
+            </a:endParaRPr>
+          </a:p>
+          <a:p>
+            <a:pPr lvl="4" marL="2160000" indent="-216000">
+              <a:spcBef>
+                <a:spcPts val="283"/>
+              </a:spcBef>
+              <a:buClr>
+                <a:srgbClr val="ffffff"/>
+              </a:buClr>
+              <a:buSzPct val="45000"/>
+              <a:buFont typeface="Wingdings" charset="2"/>
+              <a:buChar char=""/>
+            </a:pPr>
+            <a:r>
+              <a:rPr b="0" lang="en-US" sz="1800" spc="-1" strike="noStrike">
+                <a:latin typeface="Arial"/>
+              </a:rPr>
+              <a:t>Fifth Outline Level</a:t>
+            </a:r>
+            <a:endParaRPr b="0" lang="en-US" sz="1800" spc="-1" strike="noStrike">
+              <a:latin typeface="Arial"/>
+            </a:endParaRPr>
+          </a:p>
+          <a:p>
+            <a:pPr lvl="5" marL="2592000" indent="-216000">
+              <a:spcBef>
+                <a:spcPts val="283"/>
+              </a:spcBef>
+              <a:buClr>
+                <a:srgbClr val="ffffff"/>
+              </a:buClr>
+              <a:buSzPct val="45000"/>
+              <a:buFont typeface="Wingdings" charset="2"/>
+              <a:buChar char=""/>
+            </a:pPr>
+            <a:r>
+              <a:rPr b="0" lang="en-US" sz="1800" spc="-1" strike="noStrike">
+                <a:latin typeface="Arial"/>
+              </a:rPr>
+              <a:t>Sixth Outline Level</a:t>
+            </a:r>
+            <a:endParaRPr b="0" lang="en-US" sz="1800" spc="-1" strike="noStrike">
+              <a:latin typeface="Arial"/>
+            </a:endParaRPr>
+          </a:p>
+          <a:p>
+            <a:pPr lvl="6" marL="3024000" indent="-216000">
+              <a:spcBef>
+                <a:spcPts val="283"/>
+              </a:spcBef>
+              <a:buClr>
+                <a:srgbClr val="ffffff"/>
+              </a:buClr>
+              <a:buSzPct val="45000"/>
+              <a:buFont typeface="Wingdings" charset="2"/>
+              <a:buChar char=""/>
+            </a:pPr>
+            <a:r>
+              <a:rPr b="0" lang="en-US" sz="1800" spc="-1" strike="noStrike">
+                <a:latin typeface="Arial"/>
+              </a:rPr>
+              <a:t>Seventh Outline Level</a:t>
+            </a:r>
+            <a:endParaRPr b="0" lang="en-US" sz="1800" spc="-1" strike="noStrike">
+              <a:latin typeface="Arial"/>
+            </a:endParaRPr>
+          </a:p>
+        </p:txBody>
+      </p:sp>
+    </p:spTree>
+  </p:cSld>
+  <p:clrMap bg1="lt1" bg2="lt2" tx1="dk1" tx2="dk2" accent1="accent1" accent2="accent2" accent3="accent3" accent4="accent4" accent5="accent5" accent6="accent6" hlink="hlink" folHlink="folHlink"/>
+  <p:sldLayoutIdLst>
+    <p:sldLayoutId id="2147483662" r:id="rId2"/>
+    <p:sldLayoutId id="2147483663" r:id="rId3"/>
+    <p:sldLayoutId id="2147483664" r:id="rId4"/>
+    <p:sldLayoutId id="2147483665" r:id="rId5"/>
+    <p:sldLayoutId id="2147483666" r:id="rId6"/>
+    <p:sldLayoutId id="2147483667" r:id="rId7"/>
+    <p:sldLayoutId id="2147483668" r:id="rId8"/>
+    <p:sldLayoutId id="2147483669" r:id="rId9"/>
+    <p:sldLayoutId id="2147483670" r:id="rId10"/>
+    <p:sldLayoutId id="2147483671" r:id="rId11"/>
+    <p:sldLayoutId id="2147483672" r:id="rId12"/>
+    <p:sldLayoutId id="2147483673" r:id="rId13"/>
+  </p:sldLayoutIdLst>
+</p:sldMaster>
+</file>
+
+<file path=ppt/slideMasters/slideMaster3.xml><?xml version="1.0" encoding="utf-8"?>
+<p:sldMaster xmlns:a="http://schemas.openxmlformats.org/drawingml/2006/main" xmlns:p="http://schemas.openxmlformats.org/presentationml/2006/main" xmlns:r="http://schemas.openxmlformats.org/officeDocument/2006/relationships" xmlns:p14="http://schemas.microsoft.com/office/powerpoint/2010/main" xmlns:p15="http://schemas.microsoft.com/office/powerpoint/2012/main" xmlns:mc="http://schemas.openxmlformats.org/markup-compatibility/2006">
+  <p:cSld>
+    <p:bg>
+      <p:bgPr>
+        <a:solidFill>
+          <a:srgbClr val="292d3e"/>
+        </a:solidFill>
+      </p:bgPr>
+    </p:bg>
+    <p:spTree>
+      <p:nvGrpSpPr>
+        <p:cNvPr id="1" name=""/>
+        <p:cNvGrpSpPr/>
+        <p:nvPr/>
+      </p:nvGrpSpPr>
+      <p:grpSpPr>
+        <a:xfrm>
+          <a:off x="0" y="0"/>
+          <a:ext cx="0" cy="0"/>
+          <a:chOff x="0" y="0"/>
+          <a:chExt cx="0" cy="0"/>
+        </a:xfrm>
+      </p:grpSpPr>
+      <p:sp>
+        <p:nvSpPr>
+          <p:cNvPr id="76" name="PlaceHolder 1"/>
+          <p:cNvSpPr>
+            <a:spLocks noGrp="1"/>
+          </p:cNvSpPr>
+          <p:nvPr>
+            <p:ph type="title"/>
+          </p:nvPr>
+        </p:nvSpPr>
+        <p:spPr>
+          <a:xfrm>
+            <a:off x="504000" y="226080"/>
+            <a:ext cx="9071280" cy="946080"/>
+          </a:xfrm>
+          <a:prstGeom prst="rect">
+            <a:avLst/>
+          </a:prstGeom>
+        </p:spPr>
+        <p:txBody>
+          <a:bodyPr lIns="0" rIns="0" tIns="0" bIns="0" anchor="ctr">
+            <a:noAutofit/>
+          </a:bodyPr>
+          <a:p>
+            <a:r>
+              <a:rPr b="0" lang="en-US" sz="1800" spc="-1" strike="noStrike">
+                <a:solidFill>
+                  <a:srgbClr val="a6a8c4"/>
+                </a:solidFill>
+                <a:latin typeface="Arial"/>
+              </a:rPr>
+              <a:t>Click to edit the title text format</a:t>
+            </a:r>
+            <a:endParaRPr b="0" lang="en-US" sz="1800" spc="-1" strike="noStrike">
+              <a:solidFill>
+                <a:srgbClr val="a6a8c4"/>
+              </a:solidFill>
+              <a:latin typeface="Arial"/>
+            </a:endParaRPr>
+          </a:p>
+        </p:txBody>
+      </p:sp>
+      <p:sp>
+        <p:nvSpPr>
+          <p:cNvPr id="77" name="PlaceHolder 2"/>
+          <p:cNvSpPr>
+            <a:spLocks noGrp="1"/>
+          </p:cNvSpPr>
+          <p:nvPr>
+            <p:ph type="body"/>
+          </p:nvPr>
+        </p:nvSpPr>
+        <p:spPr>
+          <a:xfrm>
+            <a:off x="504000" y="1326600"/>
+            <a:ext cx="9072000" cy="3288600"/>
+          </a:xfrm>
+          <a:prstGeom prst="rect">
+            <a:avLst/>
+          </a:prstGeom>
+        </p:spPr>
+        <p:txBody>
+          <a:bodyPr lIns="0" rIns="0" tIns="0" bIns="0">
+            <a:normAutofit/>
+          </a:bodyPr>
+          <a:p>
+            <a:pPr marL="432000" indent="-324000">
+              <a:spcBef>
+                <a:spcPts val="1417"/>
+              </a:spcBef>
+              <a:buClr>
+                <a:srgbClr val="ffffff"/>
+              </a:buClr>
+              <a:buSzPct val="45000"/>
+              <a:buFont typeface="Wingdings" charset="2"/>
+              <a:buChar char=""/>
+            </a:pPr>
+            <a:r>
+              <a:rPr b="0" lang="en-US" sz="3200" spc="-1" strike="noStrike">
+                <a:latin typeface="Arial"/>
+              </a:rPr>
+              <a:t>Click to edit the outline text format</a:t>
+            </a:r>
+            <a:endParaRPr b="0" lang="en-US" sz="3200" spc="-1" strike="noStrike">
+              <a:latin typeface="Arial"/>
+            </a:endParaRPr>
+          </a:p>
+          <a:p>
+            <a:pPr lvl="1" marL="864000" indent="-324000">
+              <a:spcBef>
+                <a:spcPts val="1134"/>
+              </a:spcBef>
+              <a:buClr>
+                <a:srgbClr val="ffffff"/>
+              </a:buClr>
+              <a:buSzPct val="75000"/>
+              <a:buFont typeface="Symbol" charset="2"/>
+              <a:buChar char=""/>
+            </a:pPr>
+            <a:r>
+              <a:rPr b="0" lang="en-US" sz="2800" spc="-1" strike="noStrike">
+                <a:latin typeface="Arial"/>
+              </a:rPr>
+              <a:t>Second Outline Level</a:t>
+            </a:r>
+            <a:endParaRPr b="0" lang="en-US" sz="2800" spc="-1" strike="noStrike">
+              <a:latin typeface="Arial"/>
+            </a:endParaRPr>
+          </a:p>
+          <a:p>
+            <a:pPr lvl="2" marL="1296000" indent="-288000">
+              <a:spcBef>
+                <a:spcPts val="850"/>
+              </a:spcBef>
+              <a:buClr>
+                <a:srgbClr val="ffffff"/>
+              </a:buClr>
+              <a:buSzPct val="45000"/>
+              <a:buFont typeface="Wingdings" charset="2"/>
+              <a:buChar char=""/>
+            </a:pPr>
+            <a:r>
+              <a:rPr b="0" lang="en-US" sz="2400" spc="-1" strike="noStrike">
+                <a:latin typeface="Arial"/>
+              </a:rPr>
+              <a:t>Third Outline Level</a:t>
+            </a:r>
+            <a:endParaRPr b="0" lang="en-US" sz="2400" spc="-1" strike="noStrike">
+              <a:latin typeface="Arial"/>
+            </a:endParaRPr>
+          </a:p>
+          <a:p>
+            <a:pPr lvl="3" marL="1728000" indent="-216000">
+              <a:spcBef>
+                <a:spcPts val="567"/>
+              </a:spcBef>
+              <a:buClr>
+                <a:srgbClr val="ffffff"/>
+              </a:buClr>
+              <a:buSzPct val="75000"/>
+              <a:buFont typeface="Symbol" charset="2"/>
+              <a:buChar char=""/>
+            </a:pPr>
+            <a:r>
+              <a:rPr b="0" lang="en-US" sz="2000" spc="-1" strike="noStrike">
+                <a:latin typeface="Arial"/>
+              </a:rPr>
+              <a:t>Fourth Outline Level</a:t>
+            </a:r>
+            <a:endParaRPr b="0" lang="en-US" sz="2000" spc="-1" strike="noStrike">
+              <a:latin typeface="Arial"/>
+            </a:endParaRPr>
+          </a:p>
+          <a:p>
+            <a:pPr lvl="4" marL="2160000" indent="-216000">
+              <a:spcBef>
+                <a:spcPts val="283"/>
+              </a:spcBef>
+              <a:buClr>
+                <a:srgbClr val="ffffff"/>
+              </a:buClr>
+              <a:buSzPct val="45000"/>
+              <a:buFont typeface="Wingdings" charset="2"/>
+              <a:buChar char=""/>
+            </a:pPr>
+            <a:r>
+              <a:rPr b="0" lang="en-US" sz="2000" spc="-1" strike="noStrike">
+                <a:latin typeface="Arial"/>
+              </a:rPr>
+              <a:t>Fifth Outline Level</a:t>
+            </a:r>
+            <a:endParaRPr b="0" lang="en-US" sz="2000" spc="-1" strike="noStrike">
+              <a:latin typeface="Arial"/>
+            </a:endParaRPr>
+          </a:p>
+          <a:p>
+            <a:pPr lvl="5" marL="2592000" indent="-216000">
+              <a:spcBef>
+                <a:spcPts val="283"/>
+              </a:spcBef>
+              <a:buClr>
+                <a:srgbClr val="ffffff"/>
+              </a:buClr>
+              <a:buSzPct val="45000"/>
+              <a:buFont typeface="Wingdings" charset="2"/>
+              <a:buChar char=""/>
+            </a:pPr>
+            <a:r>
+              <a:rPr b="0" lang="en-US" sz="2000" spc="-1" strike="noStrike">
+                <a:latin typeface="Arial"/>
+              </a:rPr>
+              <a:t>Sixth Outline Level</a:t>
+            </a:r>
+            <a:endParaRPr b="0" lang="en-US" sz="2000" spc="-1" strike="noStrike">
+              <a:latin typeface="Arial"/>
+            </a:endParaRPr>
+          </a:p>
+          <a:p>
+            <a:pPr lvl="6" marL="3024000" indent="-216000">
+              <a:spcBef>
+                <a:spcPts val="283"/>
+              </a:spcBef>
+              <a:buClr>
+                <a:srgbClr val="ffffff"/>
+              </a:buClr>
+              <a:buSzPct val="45000"/>
+              <a:buFont typeface="Wingdings" charset="2"/>
+              <a:buChar char=""/>
+            </a:pPr>
+            <a:r>
+              <a:rPr b="0" lang="en-US" sz="2000" spc="-1" strike="noStrike">
+                <a:latin typeface="Arial"/>
+              </a:rPr>
+              <a:t>Seventh Outline Level</a:t>
+            </a:r>
+            <a:endParaRPr b="0" lang="en-US" sz="2000" spc="-1" strike="noStrike">
+              <a:latin typeface="Arial"/>
+            </a:endParaRPr>
+          </a:p>
+        </p:txBody>
+      </p:sp>
+    </p:spTree>
+  </p:cSld>
+  <p:clrMap bg1="lt1" bg2="lt2" tx1="dk1" tx2="dk2" accent1="accent1" accent2="accent2" accent3="accent3" accent4="accent4" accent5="accent5" accent6="accent6" hlink="hlink" folHlink="folHlink"/>
+  <p:sldLayoutIdLst>
+    <p:sldLayoutId id="2147483675" r:id="rId2"/>
+    <p:sldLayoutId id="2147483676" r:id="rId3"/>
+    <p:sldLayoutId id="2147483677" r:id="rId4"/>
+    <p:sldLayoutId id="2147483678" r:id="rId5"/>
+    <p:sldLayoutId id="2147483679" r:id="rId6"/>
+    <p:sldLayoutId id="2147483680" r:id="rId7"/>
+    <p:sldLayoutId id="2147483681" r:id="rId8"/>
+    <p:sldLayoutId id="2147483682" r:id="rId9"/>
+    <p:sldLayoutId id="2147483683" r:id="rId10"/>
+    <p:sldLayoutId id="2147483684" r:id="rId11"/>
+    <p:sldLayoutId id="2147483685" r:id="rId12"/>
+    <p:sldLayoutId id="2147483686" r:id="rId13"/>
   </p:sldLayoutIdLst>
 </p:sldMaster>
 </file>
@@ -1925,14 +5006,14 @@
       </p:grpSpPr>
       <p:sp>
         <p:nvSpPr>
-          <p:cNvPr id="41" name=""/>
-          <p:cNvSpPr txBox="1"/>
+          <p:cNvPr id="114" name="CustomShape 1"/>
+          <p:cNvSpPr/>
           <p:nvPr/>
         </p:nvSpPr>
         <p:spPr>
           <a:xfrm>
             <a:off x="504360" y="1883880"/>
-            <a:ext cx="9071640" cy="1902240"/>
+            <a:ext cx="9071280" cy="1901880"/>
           </a:xfrm>
           <a:prstGeom prst="rect">
             <a:avLst/>
@@ -1942,11 +5023,22 @@
             <a:noFill/>
           </a:ln>
         </p:spPr>
+        <p:style>
+          <a:lnRef idx="0"/>
+          <a:fillRef idx="0"/>
+          <a:effectRef idx="0"/>
+          <a:fontRef idx="minor"/>
+        </p:style>
         <p:txBody>
           <a:bodyPr lIns="0" rIns="0" tIns="0" bIns="0" anchor="ctr">
             <a:noAutofit/>
           </a:bodyPr>
           <a:p>
+            <a:pPr>
+              <a:lnSpc>
+                <a:spcPct val="100000"/>
+              </a:lnSpc>
+            </a:pPr>
             <a:r>
               <a:rPr b="0" lang="en-US" sz="4400" spc="-1" strike="noStrike">
                 <a:solidFill>
@@ -1995,24 +5087,21 @@
               <a:t>&lt;/MeritBadge&gt;</a:t>
             </a:r>
             <a:endParaRPr b="0" lang="en-US" sz="4400" spc="-1" strike="noStrike">
-              <a:solidFill>
-                <a:srgbClr val="a6a8c4"/>
-              </a:solidFill>
-              <a:latin typeface="Courier New"/>
-            </a:endParaRPr>
-          </a:p>
-        </p:txBody>
-      </p:sp>
-      <p:sp>
-        <p:nvSpPr>
-          <p:cNvPr id="42" name=""/>
-          <p:cNvSpPr txBox="1"/>
+              <a:latin typeface="Arial"/>
+            </a:endParaRPr>
+          </a:p>
+        </p:txBody>
+      </p:sp>
+      <p:sp>
+        <p:nvSpPr>
+          <p:cNvPr id="115" name="CustomShape 2"/>
+          <p:cNvSpPr/>
           <p:nvPr/>
         </p:nvSpPr>
         <p:spPr>
           <a:xfrm>
             <a:off x="504000" y="4343400"/>
-            <a:ext cx="9071640" cy="991440"/>
+            <a:ext cx="9071280" cy="991080"/>
           </a:xfrm>
           <a:prstGeom prst="rect">
             <a:avLst/>
@@ -2022,12 +5111,22 @@
             <a:noFill/>
           </a:ln>
         </p:spPr>
+        <p:style>
+          <a:lnRef idx="0"/>
+          <a:fillRef idx="0"/>
+          <a:effectRef idx="0"/>
+          <a:fontRef idx="minor"/>
+        </p:style>
         <p:txBody>
           <a:bodyPr lIns="0" rIns="0" tIns="0" bIns="0" anchor="ctr">
             <a:noAutofit/>
           </a:bodyPr>
           <a:p>
-            <a:pPr algn="ctr"/>
+            <a:pPr algn="ctr">
+              <a:lnSpc>
+                <a:spcPct val="100000"/>
+              </a:lnSpc>
+            </a:pPr>
             <a:r>
               <a:rPr b="0" lang="en-US" sz="1200" spc="-1" strike="noStrike">
                 <a:solidFill>
@@ -2038,14 +5137,15 @@
               <a:t>Presentation by Zach Colbert</a:t>
             </a:r>
             <a:endParaRPr b="0" lang="en-US" sz="1200" spc="-1" strike="noStrike">
-              <a:solidFill>
-                <a:srgbClr val="a6a8c4"/>
-              </a:solidFill>
-              <a:latin typeface="Arial"/>
-            </a:endParaRPr>
-          </a:p>
-          <a:p>
-            <a:pPr algn="ctr"/>
+              <a:latin typeface="Arial"/>
+            </a:endParaRPr>
+          </a:p>
+          <a:p>
+            <a:pPr algn="ctr">
+              <a:lnSpc>
+                <a:spcPct val="100000"/>
+              </a:lnSpc>
+            </a:pPr>
             <a:r>
               <a:rPr b="0" lang="en-US" sz="1200" spc="-1" strike="noStrike">
                 <a:solidFill>
@@ -2056,9 +5156,6 @@
               <a:t>Adapted from materials by Robert Baker</a:t>
             </a:r>
             <a:endParaRPr b="0" lang="en-US" sz="1200" spc="-1" strike="noStrike">
-              <a:solidFill>
-                <a:srgbClr val="a6a8c4"/>
-              </a:solidFill>
               <a:latin typeface="Arial"/>
             </a:endParaRPr>
           </a:p>
@@ -2096,14 +5193,14 @@
       </p:grpSpPr>
       <p:sp>
         <p:nvSpPr>
-          <p:cNvPr id="57" name=""/>
-          <p:cNvSpPr txBox="1"/>
+          <p:cNvPr id="142" name="CustomShape 1"/>
+          <p:cNvSpPr/>
           <p:nvPr/>
         </p:nvSpPr>
         <p:spPr>
           <a:xfrm>
-            <a:off x="504000" y="226080"/>
-            <a:ext cx="9071640" cy="946440"/>
+            <a:off x="504360" y="2361960"/>
+            <a:ext cx="9071280" cy="946080"/>
           </a:xfrm>
           <a:prstGeom prst="rect">
             <a:avLst/>
@@ -2113,11 +5210,22 @@
             <a:noFill/>
           </a:ln>
         </p:spPr>
+        <p:style>
+          <a:lnRef idx="0"/>
+          <a:fillRef idx="0"/>
+          <a:effectRef idx="0"/>
+          <a:fontRef idx="minor"/>
+        </p:style>
         <p:txBody>
           <a:bodyPr lIns="0" rIns="0" tIns="0" bIns="0" anchor="ctr">
             <a:noAutofit/>
           </a:bodyPr>
           <a:p>
+            <a:pPr algn="ctr">
+              <a:lnSpc>
+                <a:spcPct val="100000"/>
+              </a:lnSpc>
+            </a:pPr>
             <a:r>
               <a:rPr b="0" lang="en-US" sz="4400" spc="-1" strike="noStrike">
                 <a:solidFill>
@@ -2125,65 +5233,9 @@
                 </a:solidFill>
                 <a:latin typeface="Courier New"/>
               </a:rPr>
-              <a:t>Before Computers</a:t>
+              <a:t>History of Computers</a:t>
             </a:r>
             <a:endParaRPr b="0" lang="en-US" sz="4400" spc="-1" strike="noStrike">
-              <a:solidFill>
-                <a:srgbClr val="a6a8c4"/>
-              </a:solidFill>
-              <a:latin typeface="Courier New"/>
-            </a:endParaRPr>
-          </a:p>
-        </p:txBody>
-      </p:sp>
-      <p:sp>
-        <p:nvSpPr>
-          <p:cNvPr id="58" name=""/>
-          <p:cNvSpPr txBox="1"/>
-          <p:nvPr/>
-        </p:nvSpPr>
-        <p:spPr>
-          <a:xfrm>
-            <a:off x="504000" y="1326600"/>
-            <a:ext cx="9071640" cy="3288240"/>
-          </a:xfrm>
-          <a:prstGeom prst="rect">
-            <a:avLst/>
-          </a:prstGeom>
-          <a:noFill/>
-          <a:ln w="0">
-            <a:noFill/>
-          </a:ln>
-        </p:spPr>
-        <p:txBody>
-          <a:bodyPr lIns="0" rIns="0" tIns="0" bIns="0">
-            <a:normAutofit/>
-          </a:bodyPr>
-          <a:p>
-            <a:pPr marL="432000" indent="-324000">
-              <a:spcBef>
-                <a:spcPts val="1417"/>
-              </a:spcBef>
-              <a:buClr>
-                <a:srgbClr val="ffffff"/>
-              </a:buClr>
-              <a:buSzPct val="45000"/>
-              <a:buFont typeface="Wingdings" charset="2"/>
-              <a:buChar char=""/>
-            </a:pPr>
-            <a:r>
-              <a:rPr b="0" lang="en-US" sz="3200" spc="-1" strike="noStrike">
-                <a:solidFill>
-                  <a:srgbClr val="a6a8c4"/>
-                </a:solidFill>
-                <a:latin typeface="Arial"/>
-              </a:rPr>
-              <a:t>Hollerith Machine</a:t>
-            </a:r>
-            <a:endParaRPr b="0" lang="en-US" sz="3200" spc="-1" strike="noStrike">
-              <a:solidFill>
-                <a:srgbClr val="a6a8c4"/>
-              </a:solidFill>
               <a:latin typeface="Arial"/>
             </a:endParaRPr>
           </a:p>
@@ -2221,14 +5273,14 @@
       </p:grpSpPr>
       <p:sp>
         <p:nvSpPr>
-          <p:cNvPr id="59" name=""/>
-          <p:cNvSpPr txBox="1"/>
+          <p:cNvPr id="143" name="CustomShape 1"/>
+          <p:cNvSpPr/>
           <p:nvPr/>
         </p:nvSpPr>
         <p:spPr>
           <a:xfrm>
             <a:off x="504000" y="226080"/>
-            <a:ext cx="9071640" cy="946440"/>
+            <a:ext cx="9071280" cy="946080"/>
           </a:xfrm>
           <a:prstGeom prst="rect">
             <a:avLst/>
@@ -2238,11 +5290,22 @@
             <a:noFill/>
           </a:ln>
         </p:spPr>
+        <p:style>
+          <a:lnRef idx="0"/>
+          <a:fillRef idx="0"/>
+          <a:effectRef idx="0"/>
+          <a:fontRef idx="minor"/>
+        </p:style>
         <p:txBody>
           <a:bodyPr lIns="0" rIns="0" tIns="0" bIns="0" anchor="ctr">
             <a:noAutofit/>
           </a:bodyPr>
           <a:p>
+            <a:pPr>
+              <a:lnSpc>
+                <a:spcPct val="100000"/>
+              </a:lnSpc>
+            </a:pPr>
             <a:r>
               <a:rPr b="0" lang="en-US" sz="4400" spc="-1" strike="noStrike">
                 <a:solidFill>
@@ -2250,27 +5313,24 @@
                 </a:solidFill>
                 <a:latin typeface="Courier New"/>
               </a:rPr>
-              <a:t>The First Computers</a:t>
+              <a:t>Before Computers</a:t>
             </a:r>
             <a:endParaRPr b="0" lang="en-US" sz="4400" spc="-1" strike="noStrike">
-              <a:solidFill>
-                <a:srgbClr val="a6a8c4"/>
-              </a:solidFill>
-              <a:latin typeface="Courier New"/>
-            </a:endParaRPr>
-          </a:p>
-        </p:txBody>
-      </p:sp>
-      <p:sp>
-        <p:nvSpPr>
-          <p:cNvPr id="60" name=""/>
-          <p:cNvSpPr txBox="1"/>
+              <a:latin typeface="Arial"/>
+            </a:endParaRPr>
+          </a:p>
+        </p:txBody>
+      </p:sp>
+      <p:sp>
+        <p:nvSpPr>
+          <p:cNvPr id="144" name="CustomShape 2"/>
+          <p:cNvSpPr/>
           <p:nvPr/>
         </p:nvSpPr>
         <p:spPr>
           <a:xfrm>
             <a:off x="504000" y="1326600"/>
-            <a:ext cx="9071640" cy="3288240"/>
+            <a:ext cx="9071280" cy="3287880"/>
           </a:xfrm>
           <a:prstGeom prst="rect">
             <a:avLst/>
@@ -2280,12 +5340,21 @@
             <a:noFill/>
           </a:ln>
         </p:spPr>
+        <p:style>
+          <a:lnRef idx="0"/>
+          <a:fillRef idx="0"/>
+          <a:effectRef idx="0"/>
+          <a:fontRef idx="minor"/>
+        </p:style>
         <p:txBody>
           <a:bodyPr lIns="0" rIns="0" tIns="0" bIns="0">
             <a:normAutofit/>
           </a:bodyPr>
           <a:p>
-            <a:pPr marL="432000" indent="-324000">
+            <a:pPr marL="432000" indent="-323640">
+              <a:lnSpc>
+                <a:spcPct val="100000"/>
+              </a:lnSpc>
               <a:spcBef>
                 <a:spcPts val="1417"/>
               </a:spcBef>
@@ -2303,12 +5372,9 @@
                 </a:solidFill>
                 <a:latin typeface="Arial"/>
               </a:rPr>
-              <a:t>Women Computers</a:t>
+              <a:t>Jacquard Loom</a:t>
             </a:r>
             <a:endParaRPr b="0" lang="en-US" sz="3200" spc="-1" strike="noStrike">
-              <a:solidFill>
-                <a:srgbClr val="a6a8c4"/>
-              </a:solidFill>
               <a:latin typeface="Arial"/>
             </a:endParaRPr>
           </a:p>
@@ -2346,14 +5412,14 @@
       </p:grpSpPr>
       <p:sp>
         <p:nvSpPr>
-          <p:cNvPr id="61" name=""/>
-          <p:cNvSpPr txBox="1"/>
+          <p:cNvPr id="145" name="CustomShape 1"/>
+          <p:cNvSpPr/>
           <p:nvPr/>
         </p:nvSpPr>
         <p:spPr>
           <a:xfrm>
             <a:off x="504000" y="226080"/>
-            <a:ext cx="9071640" cy="946440"/>
+            <a:ext cx="9071280" cy="946080"/>
           </a:xfrm>
           <a:prstGeom prst="rect">
             <a:avLst/>
@@ -2363,11 +5429,22 @@
             <a:noFill/>
           </a:ln>
         </p:spPr>
+        <p:style>
+          <a:lnRef idx="0"/>
+          <a:fillRef idx="0"/>
+          <a:effectRef idx="0"/>
+          <a:fontRef idx="minor"/>
+        </p:style>
         <p:txBody>
           <a:bodyPr lIns="0" rIns="0" tIns="0" bIns="0" anchor="ctr">
             <a:noAutofit/>
           </a:bodyPr>
           <a:p>
+            <a:pPr>
+              <a:lnSpc>
+                <a:spcPct val="100000"/>
+              </a:lnSpc>
+            </a:pPr>
             <a:r>
               <a:rPr b="0" lang="en-US" sz="4400" spc="-1" strike="noStrike">
                 <a:solidFill>
@@ -2375,27 +5452,24 @@
                 </a:solidFill>
                 <a:latin typeface="Courier New"/>
               </a:rPr>
-              <a:t>Early Computers</a:t>
+              <a:t>Before Computers</a:t>
             </a:r>
             <a:endParaRPr b="0" lang="en-US" sz="4400" spc="-1" strike="noStrike">
-              <a:solidFill>
-                <a:srgbClr val="a6a8c4"/>
-              </a:solidFill>
-              <a:latin typeface="Courier New"/>
-            </a:endParaRPr>
-          </a:p>
-        </p:txBody>
-      </p:sp>
-      <p:sp>
-        <p:nvSpPr>
-          <p:cNvPr id="62" name=""/>
-          <p:cNvSpPr txBox="1"/>
+              <a:latin typeface="Arial"/>
+            </a:endParaRPr>
+          </a:p>
+        </p:txBody>
+      </p:sp>
+      <p:sp>
+        <p:nvSpPr>
+          <p:cNvPr id="146" name="CustomShape 2"/>
+          <p:cNvSpPr/>
           <p:nvPr/>
         </p:nvSpPr>
         <p:spPr>
           <a:xfrm>
             <a:off x="504000" y="1326600"/>
-            <a:ext cx="9071640" cy="3288240"/>
+            <a:ext cx="9071280" cy="3287880"/>
           </a:xfrm>
           <a:prstGeom prst="rect">
             <a:avLst/>
@@ -2405,12 +5479,21 @@
             <a:noFill/>
           </a:ln>
         </p:spPr>
+        <p:style>
+          <a:lnRef idx="0"/>
+          <a:fillRef idx="0"/>
+          <a:effectRef idx="0"/>
+          <a:fontRef idx="minor"/>
+        </p:style>
         <p:txBody>
           <a:bodyPr lIns="0" rIns="0" tIns="0" bIns="0">
             <a:normAutofit/>
           </a:bodyPr>
           <a:p>
-            <a:pPr marL="432000" indent="-324000">
+            <a:pPr marL="432000" indent="-323640">
+              <a:lnSpc>
+                <a:spcPct val="100000"/>
+              </a:lnSpc>
               <a:spcBef>
                 <a:spcPts val="1417"/>
               </a:spcBef>
@@ -2428,12 +5511,9 @@
                 </a:solidFill>
                 <a:latin typeface="Arial"/>
               </a:rPr>
-              <a:t>ENIAC</a:t>
+              <a:t>Babbage Machine</a:t>
             </a:r>
             <a:endParaRPr b="0" lang="en-US" sz="3200" spc="-1" strike="noStrike">
-              <a:solidFill>
-                <a:srgbClr val="a6a8c4"/>
-              </a:solidFill>
               <a:latin typeface="Arial"/>
             </a:endParaRPr>
           </a:p>
@@ -2471,14 +5551,14 @@
       </p:grpSpPr>
       <p:sp>
         <p:nvSpPr>
-          <p:cNvPr id="63" name=""/>
-          <p:cNvSpPr txBox="1"/>
+          <p:cNvPr id="147" name="CustomShape 1"/>
+          <p:cNvSpPr/>
           <p:nvPr/>
         </p:nvSpPr>
         <p:spPr>
           <a:xfrm>
             <a:off x="504000" y="226080"/>
-            <a:ext cx="9071640" cy="946440"/>
+            <a:ext cx="9071280" cy="946080"/>
           </a:xfrm>
           <a:prstGeom prst="rect">
             <a:avLst/>
@@ -2488,11 +5568,22 @@
             <a:noFill/>
           </a:ln>
         </p:spPr>
+        <p:style>
+          <a:lnRef idx="0"/>
+          <a:fillRef idx="0"/>
+          <a:effectRef idx="0"/>
+          <a:fontRef idx="minor"/>
+        </p:style>
         <p:txBody>
           <a:bodyPr lIns="0" rIns="0" tIns="0" bIns="0" anchor="ctr">
             <a:noAutofit/>
           </a:bodyPr>
           <a:p>
+            <a:pPr>
+              <a:lnSpc>
+                <a:spcPct val="100000"/>
+              </a:lnSpc>
+            </a:pPr>
             <a:r>
               <a:rPr b="0" lang="en-US" sz="4400" spc="-1" strike="noStrike">
                 <a:solidFill>
@@ -2500,27 +5591,24 @@
                 </a:solidFill>
                 <a:latin typeface="Courier New"/>
               </a:rPr>
-              <a:t>Pre-Modern Computers</a:t>
+              <a:t>Before Computers</a:t>
             </a:r>
             <a:endParaRPr b="0" lang="en-US" sz="4400" spc="-1" strike="noStrike">
-              <a:solidFill>
-                <a:srgbClr val="a6a8c4"/>
-              </a:solidFill>
-              <a:latin typeface="Courier New"/>
-            </a:endParaRPr>
-          </a:p>
-        </p:txBody>
-      </p:sp>
-      <p:sp>
-        <p:nvSpPr>
-          <p:cNvPr id="64" name=""/>
-          <p:cNvSpPr txBox="1"/>
+              <a:latin typeface="Arial"/>
+            </a:endParaRPr>
+          </a:p>
+        </p:txBody>
+      </p:sp>
+      <p:sp>
+        <p:nvSpPr>
+          <p:cNvPr id="148" name="CustomShape 2"/>
+          <p:cNvSpPr/>
           <p:nvPr/>
         </p:nvSpPr>
         <p:spPr>
           <a:xfrm>
             <a:off x="504000" y="1326600"/>
-            <a:ext cx="9071640" cy="3288240"/>
+            <a:ext cx="9071280" cy="3287880"/>
           </a:xfrm>
           <a:prstGeom prst="rect">
             <a:avLst/>
@@ -2530,12 +5618,21 @@
             <a:noFill/>
           </a:ln>
         </p:spPr>
+        <p:style>
+          <a:lnRef idx="0"/>
+          <a:fillRef idx="0"/>
+          <a:effectRef idx="0"/>
+          <a:fontRef idx="minor"/>
+        </p:style>
         <p:txBody>
           <a:bodyPr lIns="0" rIns="0" tIns="0" bIns="0">
             <a:normAutofit/>
           </a:bodyPr>
           <a:p>
-            <a:pPr marL="432000" indent="-324000">
+            <a:pPr marL="432000" indent="-323640">
+              <a:lnSpc>
+                <a:spcPct val="100000"/>
+              </a:lnSpc>
               <a:spcBef>
                 <a:spcPts val="1417"/>
               </a:spcBef>
@@ -2553,12 +5650,9 @@
                 </a:solidFill>
                 <a:latin typeface="Arial"/>
               </a:rPr>
-              <a:t>Integrated Circuits</a:t>
+              <a:t>Hollerith Machine</a:t>
             </a:r>
             <a:endParaRPr b="0" lang="en-US" sz="3200" spc="-1" strike="noStrike">
-              <a:solidFill>
-                <a:srgbClr val="a6a8c4"/>
-              </a:solidFill>
               <a:latin typeface="Arial"/>
             </a:endParaRPr>
           </a:p>
@@ -2596,14 +5690,14 @@
       </p:grpSpPr>
       <p:sp>
         <p:nvSpPr>
-          <p:cNvPr id="65" name=""/>
-          <p:cNvSpPr txBox="1"/>
+          <p:cNvPr id="149" name="CustomShape 1"/>
+          <p:cNvSpPr/>
           <p:nvPr/>
         </p:nvSpPr>
         <p:spPr>
           <a:xfrm>
             <a:off x="504000" y="226080"/>
-            <a:ext cx="9071640" cy="946440"/>
+            <a:ext cx="9071280" cy="946080"/>
           </a:xfrm>
           <a:prstGeom prst="rect">
             <a:avLst/>
@@ -2613,11 +5707,22 @@
             <a:noFill/>
           </a:ln>
         </p:spPr>
+        <p:style>
+          <a:lnRef idx="0"/>
+          <a:fillRef idx="0"/>
+          <a:effectRef idx="0"/>
+          <a:fontRef idx="minor"/>
+        </p:style>
         <p:txBody>
           <a:bodyPr lIns="0" rIns="0" tIns="0" bIns="0" anchor="ctr">
             <a:noAutofit/>
           </a:bodyPr>
           <a:p>
+            <a:pPr>
+              <a:lnSpc>
+                <a:spcPct val="100000"/>
+              </a:lnSpc>
+            </a:pPr>
             <a:r>
               <a:rPr b="0" lang="en-US" sz="4400" spc="-1" strike="noStrike">
                 <a:solidFill>
@@ -2625,27 +5730,24 @@
                 </a:solidFill>
                 <a:latin typeface="Courier New"/>
               </a:rPr>
-              <a:t>Modern Computers</a:t>
+              <a:t>The First Computers</a:t>
             </a:r>
             <a:endParaRPr b="0" lang="en-US" sz="4400" spc="-1" strike="noStrike">
-              <a:solidFill>
-                <a:srgbClr val="a6a8c4"/>
-              </a:solidFill>
-              <a:latin typeface="Courier New"/>
-            </a:endParaRPr>
-          </a:p>
-        </p:txBody>
-      </p:sp>
-      <p:sp>
-        <p:nvSpPr>
-          <p:cNvPr id="66" name=""/>
-          <p:cNvSpPr txBox="1"/>
+              <a:latin typeface="Arial"/>
+            </a:endParaRPr>
+          </a:p>
+        </p:txBody>
+      </p:sp>
+      <p:sp>
+        <p:nvSpPr>
+          <p:cNvPr id="150" name="CustomShape 2"/>
+          <p:cNvSpPr/>
           <p:nvPr/>
         </p:nvSpPr>
         <p:spPr>
           <a:xfrm>
             <a:off x="504000" y="1326600"/>
-            <a:ext cx="9071640" cy="3288240"/>
+            <a:ext cx="9071280" cy="3287880"/>
           </a:xfrm>
           <a:prstGeom prst="rect">
             <a:avLst/>
@@ -2655,12 +5757,21 @@
             <a:noFill/>
           </a:ln>
         </p:spPr>
+        <p:style>
+          <a:lnRef idx="0"/>
+          <a:fillRef idx="0"/>
+          <a:effectRef idx="0"/>
+          <a:fontRef idx="minor"/>
+        </p:style>
         <p:txBody>
           <a:bodyPr lIns="0" rIns="0" tIns="0" bIns="0">
             <a:normAutofit/>
           </a:bodyPr>
           <a:p>
-            <a:pPr marL="432000" indent="-324000">
+            <a:pPr marL="432000" indent="-323640">
+              <a:lnSpc>
+                <a:spcPct val="100000"/>
+              </a:lnSpc>
               <a:spcBef>
                 <a:spcPts val="1417"/>
               </a:spcBef>
@@ -2678,12 +5789,9 @@
                 </a:solidFill>
                 <a:latin typeface="Arial"/>
               </a:rPr>
-              <a:t>Microprocessors</a:t>
+              <a:t>Women Computers</a:t>
             </a:r>
             <a:endParaRPr b="0" lang="en-US" sz="3200" spc="-1" strike="noStrike">
-              <a:solidFill>
-                <a:srgbClr val="a6a8c4"/>
-              </a:solidFill>
               <a:latin typeface="Arial"/>
             </a:endParaRPr>
           </a:p>
@@ -2721,14 +5829,14 @@
       </p:grpSpPr>
       <p:sp>
         <p:nvSpPr>
-          <p:cNvPr id="67" name=""/>
-          <p:cNvSpPr txBox="1"/>
+          <p:cNvPr id="151" name="CustomShape 1"/>
+          <p:cNvSpPr/>
           <p:nvPr/>
         </p:nvSpPr>
         <p:spPr>
           <a:xfrm>
-            <a:off x="504360" y="2361960"/>
-            <a:ext cx="9071640" cy="946440"/>
+            <a:off x="504000" y="226080"/>
+            <a:ext cx="9071280" cy="946080"/>
           </a:xfrm>
           <a:prstGeom prst="rect">
             <a:avLst/>
@@ -2738,12 +5846,22 @@
             <a:noFill/>
           </a:ln>
         </p:spPr>
+        <p:style>
+          <a:lnRef idx="0"/>
+          <a:fillRef idx="0"/>
+          <a:effectRef idx="0"/>
+          <a:fontRef idx="minor"/>
+        </p:style>
         <p:txBody>
           <a:bodyPr lIns="0" rIns="0" tIns="0" bIns="0" anchor="ctr">
             <a:noAutofit/>
           </a:bodyPr>
           <a:p>
-            <a:pPr algn="ctr"/>
+            <a:pPr>
+              <a:lnSpc>
+                <a:spcPct val="100000"/>
+              </a:lnSpc>
+            </a:pPr>
             <a:r>
               <a:rPr b="0" lang="en-US" sz="4400" spc="-1" strike="noStrike">
                 <a:solidFill>
@@ -2751,13 +5869,69 @@
                 </a:solidFill>
                 <a:latin typeface="Courier New"/>
               </a:rPr>
-              <a:t>History of Programming</a:t>
+              <a:t>Early Computers</a:t>
             </a:r>
             <a:endParaRPr b="0" lang="en-US" sz="4400" spc="-1" strike="noStrike">
-              <a:solidFill>
-                <a:srgbClr val="a6a8c4"/>
-              </a:solidFill>
-              <a:latin typeface="Courier New"/>
+              <a:latin typeface="Arial"/>
+            </a:endParaRPr>
+          </a:p>
+        </p:txBody>
+      </p:sp>
+      <p:sp>
+        <p:nvSpPr>
+          <p:cNvPr id="152" name="CustomShape 2"/>
+          <p:cNvSpPr/>
+          <p:nvPr/>
+        </p:nvSpPr>
+        <p:spPr>
+          <a:xfrm>
+            <a:off x="504000" y="1326600"/>
+            <a:ext cx="9071280" cy="3287880"/>
+          </a:xfrm>
+          <a:prstGeom prst="rect">
+            <a:avLst/>
+          </a:prstGeom>
+          <a:noFill/>
+          <a:ln w="0">
+            <a:noFill/>
+          </a:ln>
+        </p:spPr>
+        <p:style>
+          <a:lnRef idx="0"/>
+          <a:fillRef idx="0"/>
+          <a:effectRef idx="0"/>
+          <a:fontRef idx="minor"/>
+        </p:style>
+        <p:txBody>
+          <a:bodyPr lIns="0" rIns="0" tIns="0" bIns="0">
+            <a:normAutofit/>
+          </a:bodyPr>
+          <a:p>
+            <a:pPr marL="432000" indent="-323640">
+              <a:lnSpc>
+                <a:spcPct val="100000"/>
+              </a:lnSpc>
+              <a:spcBef>
+                <a:spcPts val="1417"/>
+              </a:spcBef>
+              <a:buClr>
+                <a:srgbClr val="ffffff"/>
+              </a:buClr>
+              <a:buSzPct val="45000"/>
+              <a:buFont typeface="Wingdings" charset="2"/>
+              <a:buChar char=""/>
+            </a:pPr>
+            <a:r>
+              <a:rPr b="0" lang="en-US" sz="3200" spc="-1" strike="noStrike">
+                <a:solidFill>
+                  <a:srgbClr val="a6a8c4"/>
+                </a:solidFill>
+                <a:latin typeface="Arial"/>
+              </a:rPr>
+              <a:t>ENIAC</a:t>
+            </a:r>
+            <a:endParaRPr b="0" lang="en-US" sz="3200" spc="-1" strike="noStrike">
+              <a:latin typeface="Arial"/>
             </a:endParaRPr>
           </a:p>
         </p:txBody>
@@ -2794,14 +5968,14 @@
       </p:grpSpPr>
       <p:sp>
         <p:nvSpPr>
-          <p:cNvPr id="68" name=""/>
-          <p:cNvSpPr txBox="1"/>
+          <p:cNvPr id="153" name="CustomShape 1"/>
+          <p:cNvSpPr/>
           <p:nvPr/>
         </p:nvSpPr>
         <p:spPr>
           <a:xfrm>
             <a:off x="504000" y="226080"/>
-            <a:ext cx="9071640" cy="946440"/>
+            <a:ext cx="9071280" cy="946080"/>
           </a:xfrm>
           <a:prstGeom prst="rect">
             <a:avLst/>
@@ -2811,11 +5985,22 @@
             <a:noFill/>
           </a:ln>
         </p:spPr>
+        <p:style>
+          <a:lnRef idx="0"/>
+          <a:fillRef idx="0"/>
+          <a:effectRef idx="0"/>
+          <a:fontRef idx="minor"/>
+        </p:style>
         <p:txBody>
           <a:bodyPr lIns="0" rIns="0" tIns="0" bIns="0" anchor="ctr">
             <a:noAutofit/>
           </a:bodyPr>
           <a:p>
+            <a:pPr>
+              <a:lnSpc>
+                <a:spcPct val="100000"/>
+              </a:lnSpc>
+            </a:pPr>
             <a:r>
               <a:rPr b="0" lang="en-US" sz="4400" spc="-1" strike="noStrike">
                 <a:solidFill>
@@ -2823,27 +6008,24 @@
                 </a:solidFill>
                 <a:latin typeface="Courier New"/>
               </a:rPr>
-              <a:t>Machine Language</a:t>
+              <a:t>Pre-Modern Computers</a:t>
             </a:r>
             <a:endParaRPr b="0" lang="en-US" sz="4400" spc="-1" strike="noStrike">
-              <a:solidFill>
-                <a:srgbClr val="a6a8c4"/>
-              </a:solidFill>
-              <a:latin typeface="Courier New"/>
-            </a:endParaRPr>
-          </a:p>
-        </p:txBody>
-      </p:sp>
-      <p:sp>
-        <p:nvSpPr>
-          <p:cNvPr id="69" name=""/>
-          <p:cNvSpPr txBox="1"/>
+              <a:latin typeface="Arial"/>
+            </a:endParaRPr>
+          </a:p>
+        </p:txBody>
+      </p:sp>
+      <p:sp>
+        <p:nvSpPr>
+          <p:cNvPr id="154" name="CustomShape 2"/>
+          <p:cNvSpPr/>
           <p:nvPr/>
         </p:nvSpPr>
         <p:spPr>
           <a:xfrm>
             <a:off x="504000" y="1326600"/>
-            <a:ext cx="9071640" cy="3288240"/>
+            <a:ext cx="9071280" cy="3287880"/>
           </a:xfrm>
           <a:prstGeom prst="rect">
             <a:avLst/>
@@ -2853,15 +6035,41 @@
             <a:noFill/>
           </a:ln>
         </p:spPr>
+        <p:style>
+          <a:lnRef idx="0"/>
+          <a:fillRef idx="0"/>
+          <a:effectRef idx="0"/>
+          <a:fontRef idx="minor"/>
+        </p:style>
         <p:txBody>
           <a:bodyPr lIns="0" rIns="0" tIns="0" bIns="0">
             <a:normAutofit/>
           </a:bodyPr>
           <a:p>
+            <a:pPr marL="432000" indent="-323640">
+              <a:lnSpc>
+                <a:spcPct val="100000"/>
+              </a:lnSpc>
+              <a:spcBef>
+                <a:spcPts val="1417"/>
+              </a:spcBef>
+              <a:buClr>
+                <a:srgbClr val="ffffff"/>
+              </a:buClr>
+              <a:buSzPct val="45000"/>
+              <a:buFont typeface="Wingdings" charset="2"/>
+              <a:buChar char=""/>
+            </a:pPr>
+            <a:r>
+              <a:rPr b="0" lang="en-US" sz="3200" spc="-1" strike="noStrike">
+                <a:solidFill>
+                  <a:srgbClr val="a6a8c4"/>
+                </a:solidFill>
+                <a:latin typeface="Arial"/>
+              </a:rPr>
+              <a:t>Integrated Circuits</a:t>
+            </a:r>
             <a:endParaRPr b="0" lang="en-US" sz="3200" spc="-1" strike="noStrike">
-              <a:solidFill>
-                <a:srgbClr val="a6a8c4"/>
-              </a:solidFill>
               <a:latin typeface="Arial"/>
             </a:endParaRPr>
           </a:p>
@@ -2899,14 +6107,14 @@
       </p:grpSpPr>
       <p:sp>
         <p:nvSpPr>
-          <p:cNvPr id="70" name=""/>
-          <p:cNvSpPr txBox="1"/>
+          <p:cNvPr id="155" name="CustomShape 1"/>
+          <p:cNvSpPr/>
           <p:nvPr/>
         </p:nvSpPr>
         <p:spPr>
           <a:xfrm>
             <a:off x="504000" y="226080"/>
-            <a:ext cx="9071640" cy="946440"/>
+            <a:ext cx="9071280" cy="946080"/>
           </a:xfrm>
           <a:prstGeom prst="rect">
             <a:avLst/>
@@ -2916,11 +6124,22 @@
             <a:noFill/>
           </a:ln>
         </p:spPr>
+        <p:style>
+          <a:lnRef idx="0"/>
+          <a:fillRef idx="0"/>
+          <a:effectRef idx="0"/>
+          <a:fontRef idx="minor"/>
+        </p:style>
         <p:txBody>
           <a:bodyPr lIns="0" rIns="0" tIns="0" bIns="0" anchor="ctr">
             <a:noAutofit/>
           </a:bodyPr>
           <a:p>
+            <a:pPr>
+              <a:lnSpc>
+                <a:spcPct val="100000"/>
+              </a:lnSpc>
+            </a:pPr>
             <a:r>
               <a:rPr b="0" lang="en-US" sz="4400" spc="-1" strike="noStrike">
                 <a:solidFill>
@@ -2928,27 +6147,24 @@
                 </a:solidFill>
                 <a:latin typeface="Courier New"/>
               </a:rPr>
-              <a:t>Assembly Lanugages</a:t>
+              <a:t>Modern Computers</a:t>
             </a:r>
             <a:endParaRPr b="0" lang="en-US" sz="4400" spc="-1" strike="noStrike">
-              <a:solidFill>
-                <a:srgbClr val="a6a8c4"/>
-              </a:solidFill>
-              <a:latin typeface="Courier New"/>
-            </a:endParaRPr>
-          </a:p>
-        </p:txBody>
-      </p:sp>
-      <p:sp>
-        <p:nvSpPr>
-          <p:cNvPr id="71" name=""/>
-          <p:cNvSpPr txBox="1"/>
+              <a:latin typeface="Arial"/>
+            </a:endParaRPr>
+          </a:p>
+        </p:txBody>
+      </p:sp>
+      <p:sp>
+        <p:nvSpPr>
+          <p:cNvPr id="156" name="CustomShape 2"/>
+          <p:cNvSpPr/>
           <p:nvPr/>
         </p:nvSpPr>
         <p:spPr>
           <a:xfrm>
             <a:off x="504000" y="1326600"/>
-            <a:ext cx="9071640" cy="3288240"/>
+            <a:ext cx="9071280" cy="3287880"/>
           </a:xfrm>
           <a:prstGeom prst="rect">
             <a:avLst/>
@@ -2958,15 +6174,41 @@
             <a:noFill/>
           </a:ln>
         </p:spPr>
+        <p:style>
+          <a:lnRef idx="0"/>
+          <a:fillRef idx="0"/>
+          <a:effectRef idx="0"/>
+          <a:fontRef idx="minor"/>
+        </p:style>
         <p:txBody>
           <a:bodyPr lIns="0" rIns="0" tIns="0" bIns="0">
             <a:normAutofit/>
           </a:bodyPr>
           <a:p>
+            <a:pPr marL="432000" indent="-323640">
+              <a:lnSpc>
+                <a:spcPct val="100000"/>
+              </a:lnSpc>
+              <a:spcBef>
+                <a:spcPts val="1417"/>
+              </a:spcBef>
+              <a:buClr>
+                <a:srgbClr val="ffffff"/>
+              </a:buClr>
+              <a:buSzPct val="45000"/>
+              <a:buFont typeface="Wingdings" charset="2"/>
+              <a:buChar char=""/>
+            </a:pPr>
+            <a:r>
+              <a:rPr b="0" lang="en-US" sz="3200" spc="-1" strike="noStrike">
+                <a:solidFill>
+                  <a:srgbClr val="a6a8c4"/>
+                </a:solidFill>
+                <a:latin typeface="Arial"/>
+              </a:rPr>
+              <a:t>Microprocessors</a:t>
+            </a:r>
             <a:endParaRPr b="0" lang="en-US" sz="3200" spc="-1" strike="noStrike">
-              <a:solidFill>
-                <a:srgbClr val="a6a8c4"/>
-              </a:solidFill>
               <a:latin typeface="Arial"/>
             </a:endParaRPr>
           </a:p>
@@ -3004,14 +6246,14 @@
       </p:grpSpPr>
       <p:sp>
         <p:nvSpPr>
-          <p:cNvPr id="72" name=""/>
-          <p:cNvSpPr txBox="1"/>
+          <p:cNvPr id="157" name="CustomShape 1"/>
+          <p:cNvSpPr/>
           <p:nvPr/>
         </p:nvSpPr>
         <p:spPr>
           <a:xfrm>
-            <a:off x="504000" y="226080"/>
-            <a:ext cx="9071640" cy="946440"/>
+            <a:off x="504360" y="2361960"/>
+            <a:ext cx="9071280" cy="946080"/>
           </a:xfrm>
           <a:prstGeom prst="rect">
             <a:avLst/>
@@ -3021,11 +6263,22 @@
             <a:noFill/>
           </a:ln>
         </p:spPr>
+        <p:style>
+          <a:lnRef idx="0"/>
+          <a:fillRef idx="0"/>
+          <a:effectRef idx="0"/>
+          <a:fontRef idx="minor"/>
+        </p:style>
         <p:txBody>
           <a:bodyPr lIns="0" rIns="0" tIns="0" bIns="0" anchor="ctr">
             <a:noAutofit/>
           </a:bodyPr>
           <a:p>
+            <a:pPr algn="ctr">
+              <a:lnSpc>
+                <a:spcPct val="100000"/>
+              </a:lnSpc>
+            </a:pPr>
             <a:r>
               <a:rPr b="0" lang="en-US" sz="4400" spc="-1" strike="noStrike">
                 <a:solidFill>
@@ -3033,45 +6286,9 @@
                 </a:solidFill>
                 <a:latin typeface="Courier New"/>
               </a:rPr>
-              <a:t>High-Level Languages</a:t>
+              <a:t>History of Programming</a:t>
             </a:r>
             <a:endParaRPr b="0" lang="en-US" sz="4400" spc="-1" strike="noStrike">
-              <a:solidFill>
-                <a:srgbClr val="a6a8c4"/>
-              </a:solidFill>
-              <a:latin typeface="Courier New"/>
-            </a:endParaRPr>
-          </a:p>
-        </p:txBody>
-      </p:sp>
-      <p:sp>
-        <p:nvSpPr>
-          <p:cNvPr id="73" name=""/>
-          <p:cNvSpPr txBox="1"/>
-          <p:nvPr/>
-        </p:nvSpPr>
-        <p:spPr>
-          <a:xfrm>
-            <a:off x="504000" y="1326600"/>
-            <a:ext cx="9071640" cy="3288240"/>
-          </a:xfrm>
-          <a:prstGeom prst="rect">
-            <a:avLst/>
-          </a:prstGeom>
-          <a:noFill/>
-          <a:ln w="0">
-            <a:noFill/>
-          </a:ln>
-        </p:spPr>
-        <p:txBody>
-          <a:bodyPr lIns="0" rIns="0" tIns="0" bIns="0">
-            <a:normAutofit/>
-          </a:bodyPr>
-          <a:p>
-            <a:endParaRPr b="0" lang="en-US" sz="3200" spc="-1" strike="noStrike">
-              <a:solidFill>
-                <a:srgbClr val="a6a8c4"/>
-              </a:solidFill>
               <a:latin typeface="Arial"/>
             </a:endParaRPr>
           </a:p>
@@ -3109,14 +6326,14 @@
       </p:grpSpPr>
       <p:sp>
         <p:nvSpPr>
-          <p:cNvPr id="74" name=""/>
-          <p:cNvSpPr txBox="1"/>
+          <p:cNvPr id="158" name="CustomShape 1"/>
+          <p:cNvSpPr/>
           <p:nvPr/>
         </p:nvSpPr>
         <p:spPr>
           <a:xfrm>
             <a:off x="504000" y="226080"/>
-            <a:ext cx="9071640" cy="946440"/>
+            <a:ext cx="9071280" cy="946080"/>
           </a:xfrm>
           <a:prstGeom prst="rect">
             <a:avLst/>
@@ -3126,11 +6343,22 @@
             <a:noFill/>
           </a:ln>
         </p:spPr>
+        <p:style>
+          <a:lnRef idx="0"/>
+          <a:fillRef idx="0"/>
+          <a:effectRef idx="0"/>
+          <a:fontRef idx="minor"/>
+        </p:style>
         <p:txBody>
           <a:bodyPr lIns="0" rIns="0" tIns="0" bIns="0" anchor="ctr">
             <a:noAutofit/>
           </a:bodyPr>
           <a:p>
+            <a:pPr>
+              <a:lnSpc>
+                <a:spcPct val="100000"/>
+              </a:lnSpc>
+            </a:pPr>
             <a:r>
               <a:rPr b="0" lang="en-US" sz="4400" spc="-1" strike="noStrike">
                 <a:solidFill>
@@ -3138,27 +6366,24 @@
                 </a:solidFill>
                 <a:latin typeface="Courier New"/>
               </a:rPr>
-              <a:t>Modern Languages</a:t>
+              <a:t>Machine Language</a:t>
             </a:r>
             <a:endParaRPr b="0" lang="en-US" sz="4400" spc="-1" strike="noStrike">
-              <a:solidFill>
-                <a:srgbClr val="a6a8c4"/>
-              </a:solidFill>
-              <a:latin typeface="Courier New"/>
-            </a:endParaRPr>
-          </a:p>
-        </p:txBody>
-      </p:sp>
-      <p:sp>
-        <p:nvSpPr>
-          <p:cNvPr id="75" name=""/>
-          <p:cNvSpPr txBox="1"/>
+              <a:latin typeface="Arial"/>
+            </a:endParaRPr>
+          </a:p>
+        </p:txBody>
+      </p:sp>
+      <p:sp>
+        <p:nvSpPr>
+          <p:cNvPr id="159" name="CustomShape 2"/>
+          <p:cNvSpPr/>
           <p:nvPr/>
         </p:nvSpPr>
         <p:spPr>
           <a:xfrm>
             <a:off x="504000" y="1326600"/>
-            <a:ext cx="9071640" cy="3288240"/>
+            <a:ext cx="9071280" cy="3287880"/>
           </a:xfrm>
           <a:prstGeom prst="rect">
             <a:avLst/>
@@ -3168,19 +6393,12 @@
             <a:noFill/>
           </a:ln>
         </p:spPr>
-        <p:txBody>
-          <a:bodyPr lIns="0" rIns="0" tIns="0" bIns="0">
-            <a:normAutofit/>
-          </a:bodyPr>
-          <a:p>
-            <a:endParaRPr b="0" lang="en-US" sz="3200" spc="-1" strike="noStrike">
-              <a:solidFill>
-                <a:srgbClr val="a6a8c4"/>
-              </a:solidFill>
-              <a:latin typeface="Arial"/>
-            </a:endParaRPr>
-          </a:p>
-        </p:txBody>
+        <p:style>
+          <a:lnRef idx="0"/>
+          <a:fillRef idx="0"/>
+          <a:effectRef idx="0"/>
+          <a:fontRef idx="minor"/>
+        </p:style>
       </p:sp>
     </p:spTree>
   </p:cSld>
@@ -3214,14 +6432,14 @@
       </p:grpSpPr>
       <p:sp>
         <p:nvSpPr>
-          <p:cNvPr id="43" name=""/>
-          <p:cNvSpPr txBox="1"/>
+          <p:cNvPr id="116" name="CustomShape 1"/>
+          <p:cNvSpPr/>
           <p:nvPr/>
         </p:nvSpPr>
         <p:spPr>
           <a:xfrm>
             <a:off x="504000" y="226080"/>
-            <a:ext cx="9071640" cy="946440"/>
+            <a:ext cx="9071280" cy="946080"/>
           </a:xfrm>
           <a:prstGeom prst="rect">
             <a:avLst/>
@@ -3231,11 +6449,22 @@
             <a:noFill/>
           </a:ln>
         </p:spPr>
+        <p:style>
+          <a:lnRef idx="0"/>
+          <a:fillRef idx="0"/>
+          <a:effectRef idx="0"/>
+          <a:fontRef idx="minor"/>
+        </p:style>
         <p:txBody>
           <a:bodyPr lIns="0" rIns="0" tIns="0" bIns="0" anchor="ctr">
             <a:noAutofit/>
           </a:bodyPr>
           <a:p>
+            <a:pPr>
+              <a:lnSpc>
+                <a:spcPct val="100000"/>
+              </a:lnSpc>
+            </a:pPr>
             <a:r>
               <a:rPr b="0" lang="en-US" sz="4400" spc="-1" strike="noStrike">
                 <a:solidFill>
@@ -3243,27 +6472,24 @@
                 </a:solidFill>
                 <a:latin typeface="Courier New"/>
               </a:rPr>
-              <a:t>What is Programming?</a:t>
+              <a:t>About Me</a:t>
             </a:r>
             <a:endParaRPr b="0" lang="en-US" sz="4400" spc="-1" strike="noStrike">
-              <a:solidFill>
-                <a:srgbClr val="a6a8c4"/>
-              </a:solidFill>
-              <a:latin typeface="Courier New"/>
-            </a:endParaRPr>
-          </a:p>
-        </p:txBody>
-      </p:sp>
-      <p:sp>
-        <p:nvSpPr>
-          <p:cNvPr id="44" name=""/>
-          <p:cNvSpPr txBox="1"/>
+              <a:latin typeface="Arial"/>
+            </a:endParaRPr>
+          </a:p>
+        </p:txBody>
+      </p:sp>
+      <p:sp>
+        <p:nvSpPr>
+          <p:cNvPr id="117" name="CustomShape 2"/>
+          <p:cNvSpPr/>
           <p:nvPr/>
         </p:nvSpPr>
         <p:spPr>
           <a:xfrm>
             <a:off x="504000" y="1326600"/>
-            <a:ext cx="9071640" cy="3288240"/>
+            <a:ext cx="9071280" cy="3287880"/>
           </a:xfrm>
           <a:prstGeom prst="rect">
             <a:avLst/>
@@ -3273,20 +6499,82 @@
             <a:noFill/>
           </a:ln>
         </p:spPr>
-        <p:txBody>
-          <a:bodyPr lIns="0" rIns="0" tIns="0" bIns="0">
-            <a:normAutofit/>
-          </a:bodyPr>
-          <a:p>
-            <a:endParaRPr b="0" lang="en-US" sz="3200" spc="-1" strike="noStrike">
-              <a:solidFill>
-                <a:srgbClr val="a6a8c4"/>
-              </a:solidFill>
-              <a:latin typeface="Arial"/>
-            </a:endParaRPr>
-          </a:p>
-        </p:txBody>
-      </p:sp>
+        <p:style>
+          <a:lnRef idx="0"/>
+          <a:fillRef idx="0"/>
+          <a:effectRef idx="0"/>
+          <a:fontRef idx="minor"/>
+        </p:style>
+      </p:sp>
+      <p:pic>
+        <p:nvPicPr>
+          <p:cNvPr id="118" name="" descr=""/>
+          <p:cNvPicPr/>
+          <p:nvPr/>
+        </p:nvPicPr>
+        <p:blipFill>
+          <a:blip r:embed="rId1"/>
+          <a:stretch/>
+        </p:blipFill>
+        <p:spPr>
+          <a:xfrm>
+            <a:off x="1235520" y="1835280"/>
+            <a:ext cx="1207080" cy="2743200"/>
+          </a:xfrm>
+          <a:prstGeom prst="rect">
+            <a:avLst/>
+          </a:prstGeom>
+          <a:ln w="0">
+            <a:noFill/>
+          </a:ln>
+        </p:spPr>
+      </p:pic>
+      <p:pic>
+        <p:nvPicPr>
+          <p:cNvPr id="119" name="" descr=""/>
+          <p:cNvPicPr/>
+          <p:nvPr/>
+        </p:nvPicPr>
+        <p:blipFill>
+          <a:blip r:embed="rId2"/>
+          <a:stretch/>
+        </p:blipFill>
+        <p:spPr>
+          <a:xfrm>
+            <a:off x="3297600" y="1828800"/>
+            <a:ext cx="2743200" cy="2743200"/>
+          </a:xfrm>
+          <a:prstGeom prst="rect">
+            <a:avLst/>
+          </a:prstGeom>
+          <a:ln w="0">
+            <a:noFill/>
+          </a:ln>
+        </p:spPr>
+      </p:pic>
+      <p:pic>
+        <p:nvPicPr>
+          <p:cNvPr id="120" name="" descr=""/>
+          <p:cNvPicPr/>
+          <p:nvPr/>
+        </p:nvPicPr>
+        <p:blipFill>
+          <a:blip r:embed="rId3"/>
+          <a:stretch/>
+        </p:blipFill>
+        <p:spPr>
+          <a:xfrm>
+            <a:off x="6858000" y="1871280"/>
+            <a:ext cx="2743200" cy="2743200"/>
+          </a:xfrm>
+          <a:prstGeom prst="rect">
+            <a:avLst/>
+          </a:prstGeom>
+          <a:ln w="0">
+            <a:noFill/>
+          </a:ln>
+        </p:spPr>
+      </p:pic>
     </p:spTree>
   </p:cSld>
   <mc:AlternateContent>
@@ -3319,14 +6607,14 @@
       </p:grpSpPr>
       <p:sp>
         <p:nvSpPr>
-          <p:cNvPr id="76" name=""/>
-          <p:cNvSpPr txBox="1"/>
+          <p:cNvPr id="160" name="CustomShape 1"/>
+          <p:cNvSpPr/>
           <p:nvPr/>
         </p:nvSpPr>
         <p:spPr>
           <a:xfrm>
             <a:off x="504000" y="226080"/>
-            <a:ext cx="9071640" cy="946440"/>
+            <a:ext cx="9071280" cy="946080"/>
           </a:xfrm>
           <a:prstGeom prst="rect">
             <a:avLst/>
@@ -3336,11 +6624,22 @@
             <a:noFill/>
           </a:ln>
         </p:spPr>
+        <p:style>
+          <a:lnRef idx="0"/>
+          <a:fillRef idx="0"/>
+          <a:effectRef idx="0"/>
+          <a:fontRef idx="minor"/>
+        </p:style>
         <p:txBody>
           <a:bodyPr lIns="0" rIns="0" tIns="0" bIns="0" anchor="ctr">
             <a:noAutofit/>
           </a:bodyPr>
           <a:p>
+            <a:pPr>
+              <a:lnSpc>
+                <a:spcPct val="100000"/>
+              </a:lnSpc>
+            </a:pPr>
             <a:r>
               <a:rPr b="0" lang="en-US" sz="4400" spc="-1" strike="noStrike">
                 <a:solidFill>
@@ -3348,27 +6647,24 @@
                 </a:solidFill>
                 <a:latin typeface="Courier New"/>
               </a:rPr>
-              <a:t>Language Types</a:t>
+              <a:t>Assembly Lanugages</a:t>
             </a:r>
             <a:endParaRPr b="0" lang="en-US" sz="4400" spc="-1" strike="noStrike">
-              <a:solidFill>
-                <a:srgbClr val="a6a8c4"/>
-              </a:solidFill>
-              <a:latin typeface="Courier New"/>
-            </a:endParaRPr>
-          </a:p>
-        </p:txBody>
-      </p:sp>
-      <p:sp>
-        <p:nvSpPr>
-          <p:cNvPr id="77" name=""/>
-          <p:cNvSpPr txBox="1"/>
+              <a:latin typeface="Arial"/>
+            </a:endParaRPr>
+          </a:p>
+        </p:txBody>
+      </p:sp>
+      <p:sp>
+        <p:nvSpPr>
+          <p:cNvPr id="161" name="CustomShape 2"/>
+          <p:cNvSpPr/>
           <p:nvPr/>
         </p:nvSpPr>
         <p:spPr>
           <a:xfrm>
             <a:off x="504000" y="1326600"/>
-            <a:ext cx="9071640" cy="3288240"/>
+            <a:ext cx="9071280" cy="3287880"/>
           </a:xfrm>
           <a:prstGeom prst="rect">
             <a:avLst/>
@@ -3378,19 +6674,12 @@
             <a:noFill/>
           </a:ln>
         </p:spPr>
-        <p:txBody>
-          <a:bodyPr lIns="0" rIns="0" tIns="0" bIns="0">
-            <a:normAutofit/>
-          </a:bodyPr>
-          <a:p>
-            <a:endParaRPr b="0" lang="en-US" sz="3200" spc="-1" strike="noStrike">
-              <a:solidFill>
-                <a:srgbClr val="a6a8c4"/>
-              </a:solidFill>
-              <a:latin typeface="Arial"/>
-            </a:endParaRPr>
-          </a:p>
-        </p:txBody>
+        <p:style>
+          <a:lnRef idx="0"/>
+          <a:fillRef idx="0"/>
+          <a:effectRef idx="0"/>
+          <a:fontRef idx="minor"/>
+        </p:style>
       </p:sp>
     </p:spTree>
   </p:cSld>
@@ -3424,14 +6713,14 @@
       </p:grpSpPr>
       <p:sp>
         <p:nvSpPr>
-          <p:cNvPr id="78" name=""/>
-          <p:cNvSpPr txBox="1"/>
+          <p:cNvPr id="162" name="CustomShape 1"/>
+          <p:cNvSpPr/>
           <p:nvPr/>
         </p:nvSpPr>
         <p:spPr>
           <a:xfrm>
             <a:off x="504000" y="226080"/>
-            <a:ext cx="9071640" cy="946440"/>
+            <a:ext cx="9071280" cy="946080"/>
           </a:xfrm>
           <a:prstGeom prst="rect">
             <a:avLst/>
@@ -3441,11 +6730,22 @@
             <a:noFill/>
           </a:ln>
         </p:spPr>
+        <p:style>
+          <a:lnRef idx="0"/>
+          <a:fillRef idx="0"/>
+          <a:effectRef idx="0"/>
+          <a:fontRef idx="minor"/>
+        </p:style>
         <p:txBody>
           <a:bodyPr lIns="0" rIns="0" tIns="0" bIns="0" anchor="ctr">
             <a:noAutofit/>
           </a:bodyPr>
           <a:p>
+            <a:pPr>
+              <a:lnSpc>
+                <a:spcPct val="100000"/>
+              </a:lnSpc>
+            </a:pPr>
             <a:r>
               <a:rPr b="0" lang="en-US" sz="4400" spc="-1" strike="noStrike">
                 <a:solidFill>
@@ -3453,27 +6753,24 @@
                 </a:solidFill>
                 <a:latin typeface="Courier New"/>
               </a:rPr>
-              <a:t>Use Cases</a:t>
+              <a:t>High-Level Languages</a:t>
             </a:r>
             <a:endParaRPr b="0" lang="en-US" sz="4400" spc="-1" strike="noStrike">
-              <a:solidFill>
-                <a:srgbClr val="a6a8c4"/>
-              </a:solidFill>
-              <a:latin typeface="Courier New"/>
-            </a:endParaRPr>
-          </a:p>
-        </p:txBody>
-      </p:sp>
-      <p:sp>
-        <p:nvSpPr>
-          <p:cNvPr id="79" name=""/>
-          <p:cNvSpPr txBox="1"/>
+              <a:latin typeface="Arial"/>
+            </a:endParaRPr>
+          </a:p>
+        </p:txBody>
+      </p:sp>
+      <p:sp>
+        <p:nvSpPr>
+          <p:cNvPr id="163" name="CustomShape 2"/>
+          <p:cNvSpPr/>
           <p:nvPr/>
         </p:nvSpPr>
         <p:spPr>
           <a:xfrm>
             <a:off x="504000" y="1326600"/>
-            <a:ext cx="9071640" cy="3288240"/>
+            <a:ext cx="9071280" cy="3287880"/>
           </a:xfrm>
           <a:prstGeom prst="rect">
             <a:avLst/>
@@ -3483,19 +6780,12 @@
             <a:noFill/>
           </a:ln>
         </p:spPr>
-        <p:txBody>
-          <a:bodyPr lIns="0" rIns="0" tIns="0" bIns="0">
-            <a:normAutofit/>
-          </a:bodyPr>
-          <a:p>
-            <a:endParaRPr b="0" lang="en-US" sz="3200" spc="-1" strike="noStrike">
-              <a:solidFill>
-                <a:srgbClr val="a6a8c4"/>
-              </a:solidFill>
-              <a:latin typeface="Arial"/>
-            </a:endParaRPr>
-          </a:p>
-        </p:txBody>
+        <p:style>
+          <a:lnRef idx="0"/>
+          <a:fillRef idx="0"/>
+          <a:effectRef idx="0"/>
+          <a:fontRef idx="minor"/>
+        </p:style>
       </p:sp>
     </p:spTree>
   </p:cSld>
@@ -3529,14 +6819,14 @@
       </p:grpSpPr>
       <p:sp>
         <p:nvSpPr>
-          <p:cNvPr id="80" name=""/>
-          <p:cNvSpPr txBox="1"/>
+          <p:cNvPr id="164" name="CustomShape 1"/>
+          <p:cNvSpPr/>
           <p:nvPr/>
         </p:nvSpPr>
         <p:spPr>
           <a:xfrm>
             <a:off x="504000" y="226080"/>
-            <a:ext cx="9071640" cy="946440"/>
+            <a:ext cx="9071280" cy="946080"/>
           </a:xfrm>
           <a:prstGeom prst="rect">
             <a:avLst/>
@@ -3546,11 +6836,22 @@
             <a:noFill/>
           </a:ln>
         </p:spPr>
+        <p:style>
+          <a:lnRef idx="0"/>
+          <a:fillRef idx="0"/>
+          <a:effectRef idx="0"/>
+          <a:fontRef idx="minor"/>
+        </p:style>
         <p:txBody>
           <a:bodyPr lIns="0" rIns="0" tIns="0" bIns="0" anchor="ctr">
             <a:noAutofit/>
           </a:bodyPr>
           <a:p>
+            <a:pPr>
+              <a:lnSpc>
+                <a:spcPct val="100000"/>
+              </a:lnSpc>
+            </a:pPr>
             <a:r>
               <a:rPr b="0" lang="en-US" sz="4400" spc="-1" strike="noStrike">
                 <a:solidFill>
@@ -3558,27 +6859,24 @@
                 </a:solidFill>
                 <a:latin typeface="Courier New"/>
               </a:rPr>
-              <a:t>Compiled vs. Interpreted</a:t>
+              <a:t>Modern Languages</a:t>
             </a:r>
             <a:endParaRPr b="0" lang="en-US" sz="4400" spc="-1" strike="noStrike">
-              <a:solidFill>
-                <a:srgbClr val="a6a8c4"/>
-              </a:solidFill>
-              <a:latin typeface="Courier New"/>
-            </a:endParaRPr>
-          </a:p>
-        </p:txBody>
-      </p:sp>
-      <p:sp>
-        <p:nvSpPr>
-          <p:cNvPr id="81" name=""/>
-          <p:cNvSpPr txBox="1"/>
+              <a:latin typeface="Arial"/>
+            </a:endParaRPr>
+          </a:p>
+        </p:txBody>
+      </p:sp>
+      <p:sp>
+        <p:nvSpPr>
+          <p:cNvPr id="165" name="CustomShape 2"/>
+          <p:cNvSpPr/>
           <p:nvPr/>
         </p:nvSpPr>
         <p:spPr>
           <a:xfrm>
             <a:off x="504000" y="1326600"/>
-            <a:ext cx="9071640" cy="3288240"/>
+            <a:ext cx="9071280" cy="3287880"/>
           </a:xfrm>
           <a:prstGeom prst="rect">
             <a:avLst/>
@@ -3588,19 +6886,12 @@
             <a:noFill/>
           </a:ln>
         </p:spPr>
-        <p:txBody>
-          <a:bodyPr lIns="0" rIns="0" tIns="0" bIns="0">
-            <a:normAutofit/>
-          </a:bodyPr>
-          <a:p>
-            <a:endParaRPr b="0" lang="en-US" sz="3200" spc="-1" strike="noStrike">
-              <a:solidFill>
-                <a:srgbClr val="a6a8c4"/>
-              </a:solidFill>
-              <a:latin typeface="Arial"/>
-            </a:endParaRPr>
-          </a:p>
-        </p:txBody>
+        <p:style>
+          <a:lnRef idx="0"/>
+          <a:fillRef idx="0"/>
+          <a:effectRef idx="0"/>
+          <a:fontRef idx="minor"/>
+        </p:style>
       </p:sp>
     </p:spTree>
   </p:cSld>
@@ -3634,14 +6925,14 @@
       </p:grpSpPr>
       <p:sp>
         <p:nvSpPr>
-          <p:cNvPr id="82" name=""/>
-          <p:cNvSpPr txBox="1"/>
+          <p:cNvPr id="166" name="CustomShape 1"/>
+          <p:cNvSpPr/>
           <p:nvPr/>
         </p:nvSpPr>
         <p:spPr>
           <a:xfrm>
             <a:off x="504000" y="226080"/>
-            <a:ext cx="9071640" cy="946440"/>
+            <a:ext cx="9071280" cy="946080"/>
           </a:xfrm>
           <a:prstGeom prst="rect">
             <a:avLst/>
@@ -3651,11 +6942,22 @@
             <a:noFill/>
           </a:ln>
         </p:spPr>
+        <p:style>
+          <a:lnRef idx="0"/>
+          <a:fillRef idx="0"/>
+          <a:effectRef idx="0"/>
+          <a:fontRef idx="minor"/>
+        </p:style>
         <p:txBody>
           <a:bodyPr lIns="0" rIns="0" tIns="0" bIns="0" anchor="ctr">
             <a:noAutofit/>
           </a:bodyPr>
           <a:p>
+            <a:pPr>
+              <a:lnSpc>
+                <a:spcPct val="100000"/>
+              </a:lnSpc>
+            </a:pPr>
             <a:r>
               <a:rPr b="0" lang="en-US" sz="4400" spc="-1" strike="noStrike">
                 <a:solidFill>
@@ -3663,27 +6965,24 @@
                 </a:solidFill>
                 <a:latin typeface="Courier New"/>
               </a:rPr>
-              <a:t>Categorizing Languages</a:t>
+              <a:t>Language Types</a:t>
             </a:r>
             <a:endParaRPr b="0" lang="en-US" sz="4400" spc="-1" strike="noStrike">
-              <a:solidFill>
-                <a:srgbClr val="a6a8c4"/>
-              </a:solidFill>
-              <a:latin typeface="Courier New"/>
-            </a:endParaRPr>
-          </a:p>
-        </p:txBody>
-      </p:sp>
-      <p:sp>
-        <p:nvSpPr>
-          <p:cNvPr id="83" name=""/>
-          <p:cNvSpPr txBox="1"/>
+              <a:latin typeface="Arial"/>
+            </a:endParaRPr>
+          </a:p>
+        </p:txBody>
+      </p:sp>
+      <p:sp>
+        <p:nvSpPr>
+          <p:cNvPr id="167" name="CustomShape 2"/>
+          <p:cNvSpPr/>
           <p:nvPr/>
         </p:nvSpPr>
         <p:spPr>
           <a:xfrm>
             <a:off x="504000" y="1326600"/>
-            <a:ext cx="9071640" cy="3288240"/>
+            <a:ext cx="9071280" cy="3287880"/>
           </a:xfrm>
           <a:prstGeom prst="rect">
             <a:avLst/>
@@ -3693,39 +6992,12 @@
             <a:noFill/>
           </a:ln>
         </p:spPr>
-        <p:txBody>
-          <a:bodyPr lIns="0" rIns="0" tIns="0" bIns="0">
-            <a:normAutofit/>
-          </a:bodyPr>
-          <a:p>
-            <a:pPr marL="432000" indent="-324000">
-              <a:spcBef>
-                <a:spcPts val="1417"/>
-              </a:spcBef>
-              <a:buClr>
-                <a:srgbClr val="ffffff"/>
-              </a:buClr>
-              <a:buSzPct val="45000"/>
-              <a:buFont typeface="Wingdings" charset="2"/>
-              <a:buChar char=""/>
-            </a:pPr>
-            <a:r>
-              <a:rPr b="0" lang="en-US" sz="3200" spc="-1" strike="noStrike">
-                <a:solidFill>
-                  <a:srgbClr val="a6a8c4"/>
-                </a:solidFill>
-                <a:latin typeface="Arial"/>
-              </a:rPr>
-              <a:t>Summarize the last few slides</a:t>
-            </a:r>
-            <a:endParaRPr b="0" lang="en-US" sz="3200" spc="-1" strike="noStrike">
-              <a:solidFill>
-                <a:srgbClr val="a6a8c4"/>
-              </a:solidFill>
-              <a:latin typeface="Arial"/>
-            </a:endParaRPr>
-          </a:p>
-        </p:txBody>
+        <p:style>
+          <a:lnRef idx="0"/>
+          <a:fillRef idx="0"/>
+          <a:effectRef idx="0"/>
+          <a:fontRef idx="minor"/>
+        </p:style>
       </p:sp>
     </p:spTree>
   </p:cSld>
@@ -3759,14 +7031,14 @@
       </p:grpSpPr>
       <p:sp>
         <p:nvSpPr>
-          <p:cNvPr id="84" name=""/>
-          <p:cNvSpPr txBox="1"/>
+          <p:cNvPr id="168" name="CustomShape 1"/>
+          <p:cNvSpPr/>
           <p:nvPr/>
         </p:nvSpPr>
         <p:spPr>
           <a:xfrm>
-            <a:off x="504360" y="2361960"/>
-            <a:ext cx="9071640" cy="946440"/>
+            <a:off x="504000" y="226080"/>
+            <a:ext cx="9071280" cy="946080"/>
           </a:xfrm>
           <a:prstGeom prst="rect">
             <a:avLst/>
@@ -3776,12 +7048,373 @@
             <a:noFill/>
           </a:ln>
         </p:spPr>
+        <p:style>
+          <a:lnRef idx="0"/>
+          <a:fillRef idx="0"/>
+          <a:effectRef idx="0"/>
+          <a:fontRef idx="minor"/>
+        </p:style>
         <p:txBody>
           <a:bodyPr lIns="0" rIns="0" tIns="0" bIns="0" anchor="ctr">
             <a:noAutofit/>
           </a:bodyPr>
           <a:p>
-            <a:pPr algn="ctr"/>
+            <a:pPr>
+              <a:lnSpc>
+                <a:spcPct val="100000"/>
+              </a:lnSpc>
+            </a:pPr>
+            <a:r>
+              <a:rPr b="0" lang="en-US" sz="4400" spc="-1" strike="noStrike">
+                <a:solidFill>
+                  <a:srgbClr val="a6a8c4"/>
+                </a:solidFill>
+                <a:latin typeface="Courier New"/>
+              </a:rPr>
+              <a:t>Use Cases</a:t>
+            </a:r>
+            <a:endParaRPr b="0" lang="en-US" sz="4400" spc="-1" strike="noStrike">
+              <a:latin typeface="Arial"/>
+            </a:endParaRPr>
+          </a:p>
+        </p:txBody>
+      </p:sp>
+      <p:sp>
+        <p:nvSpPr>
+          <p:cNvPr id="169" name="CustomShape 2"/>
+          <p:cNvSpPr/>
+          <p:nvPr/>
+        </p:nvSpPr>
+        <p:spPr>
+          <a:xfrm>
+            <a:off x="504000" y="1326600"/>
+            <a:ext cx="9071280" cy="3287880"/>
+          </a:xfrm>
+          <a:prstGeom prst="rect">
+            <a:avLst/>
+          </a:prstGeom>
+          <a:noFill/>
+          <a:ln w="0">
+            <a:noFill/>
+          </a:ln>
+        </p:spPr>
+        <p:style>
+          <a:lnRef idx="0"/>
+          <a:fillRef idx="0"/>
+          <a:effectRef idx="0"/>
+          <a:fontRef idx="minor"/>
+        </p:style>
+      </p:sp>
+    </p:spTree>
+  </p:cSld>
+  <mc:AlternateContent>
+    <mc:Choice Requires="p14">
+      <p:transition spd="slow" p14:dur="2000"/>
+    </mc:Choice>
+    <mc:Fallback>
+      <p:transition spd="slow"/>
+    </mc:Fallback>
+  </mc:AlternateContent>
+</p:sld>
+</file>
+
+<file path=ppt/slides/slide25.xml><?xml version="1.0" encoding="utf-8"?>
+<p:sld xmlns:a="http://schemas.openxmlformats.org/drawingml/2006/main" xmlns:p="http://schemas.openxmlformats.org/presentationml/2006/main" xmlns:r="http://schemas.openxmlformats.org/officeDocument/2006/relationships" xmlns:p14="http://schemas.microsoft.com/office/powerpoint/2010/main" xmlns:p15="http://schemas.microsoft.com/office/powerpoint/2012/main" xmlns:mc="http://schemas.openxmlformats.org/markup-compatibility/2006">
+  <p:cSld>
+    <p:spTree>
+      <p:nvGrpSpPr>
+        <p:cNvPr id="1" name=""/>
+        <p:cNvGrpSpPr/>
+        <p:nvPr/>
+      </p:nvGrpSpPr>
+      <p:grpSpPr>
+        <a:xfrm>
+          <a:off x="0" y="0"/>
+          <a:ext cx="0" cy="0"/>
+          <a:chOff x="0" y="0"/>
+          <a:chExt cx="0" cy="0"/>
+        </a:xfrm>
+      </p:grpSpPr>
+      <p:sp>
+        <p:nvSpPr>
+          <p:cNvPr id="170" name="CustomShape 1"/>
+          <p:cNvSpPr/>
+          <p:nvPr/>
+        </p:nvSpPr>
+        <p:spPr>
+          <a:xfrm>
+            <a:off x="504000" y="226080"/>
+            <a:ext cx="9071280" cy="946080"/>
+          </a:xfrm>
+          <a:prstGeom prst="rect">
+            <a:avLst/>
+          </a:prstGeom>
+          <a:noFill/>
+          <a:ln w="0">
+            <a:noFill/>
+          </a:ln>
+        </p:spPr>
+        <p:style>
+          <a:lnRef idx="0"/>
+          <a:fillRef idx="0"/>
+          <a:effectRef idx="0"/>
+          <a:fontRef idx="minor"/>
+        </p:style>
+        <p:txBody>
+          <a:bodyPr lIns="0" rIns="0" tIns="0" bIns="0" anchor="ctr">
+            <a:noAutofit/>
+          </a:bodyPr>
+          <a:p>
+            <a:pPr>
+              <a:lnSpc>
+                <a:spcPct val="100000"/>
+              </a:lnSpc>
+            </a:pPr>
+            <a:r>
+              <a:rPr b="0" lang="en-US" sz="4400" spc="-1" strike="noStrike">
+                <a:solidFill>
+                  <a:srgbClr val="a6a8c4"/>
+                </a:solidFill>
+                <a:latin typeface="Courier New"/>
+              </a:rPr>
+              <a:t>Compiled vs. Interpreted</a:t>
+            </a:r>
+            <a:endParaRPr b="0" lang="en-US" sz="4400" spc="-1" strike="noStrike">
+              <a:latin typeface="Arial"/>
+            </a:endParaRPr>
+          </a:p>
+        </p:txBody>
+      </p:sp>
+      <p:sp>
+        <p:nvSpPr>
+          <p:cNvPr id="171" name="CustomShape 2"/>
+          <p:cNvSpPr/>
+          <p:nvPr/>
+        </p:nvSpPr>
+        <p:spPr>
+          <a:xfrm>
+            <a:off x="504000" y="1326600"/>
+            <a:ext cx="9071280" cy="3287880"/>
+          </a:xfrm>
+          <a:prstGeom prst="rect">
+            <a:avLst/>
+          </a:prstGeom>
+          <a:noFill/>
+          <a:ln w="0">
+            <a:noFill/>
+          </a:ln>
+        </p:spPr>
+        <p:style>
+          <a:lnRef idx="0"/>
+          <a:fillRef idx="0"/>
+          <a:effectRef idx="0"/>
+          <a:fontRef idx="minor"/>
+        </p:style>
+      </p:sp>
+    </p:spTree>
+  </p:cSld>
+  <mc:AlternateContent>
+    <mc:Choice Requires="p14">
+      <p:transition spd="slow" p14:dur="2000"/>
+    </mc:Choice>
+    <mc:Fallback>
+      <p:transition spd="slow"/>
+    </mc:Fallback>
+  </mc:AlternateContent>
+</p:sld>
+</file>
+
+<file path=ppt/slides/slide26.xml><?xml version="1.0" encoding="utf-8"?>
+<p:sld xmlns:a="http://schemas.openxmlformats.org/drawingml/2006/main" xmlns:p="http://schemas.openxmlformats.org/presentationml/2006/main" xmlns:r="http://schemas.openxmlformats.org/officeDocument/2006/relationships" xmlns:p14="http://schemas.microsoft.com/office/powerpoint/2010/main" xmlns:p15="http://schemas.microsoft.com/office/powerpoint/2012/main" xmlns:mc="http://schemas.openxmlformats.org/markup-compatibility/2006">
+  <p:cSld>
+    <p:spTree>
+      <p:nvGrpSpPr>
+        <p:cNvPr id="1" name=""/>
+        <p:cNvGrpSpPr/>
+        <p:nvPr/>
+      </p:nvGrpSpPr>
+      <p:grpSpPr>
+        <a:xfrm>
+          <a:off x="0" y="0"/>
+          <a:ext cx="0" cy="0"/>
+          <a:chOff x="0" y="0"/>
+          <a:chExt cx="0" cy="0"/>
+        </a:xfrm>
+      </p:grpSpPr>
+      <p:sp>
+        <p:nvSpPr>
+          <p:cNvPr id="172" name="CustomShape 1"/>
+          <p:cNvSpPr/>
+          <p:nvPr/>
+        </p:nvSpPr>
+        <p:spPr>
+          <a:xfrm>
+            <a:off x="504000" y="226080"/>
+            <a:ext cx="9071280" cy="946080"/>
+          </a:xfrm>
+          <a:prstGeom prst="rect">
+            <a:avLst/>
+          </a:prstGeom>
+          <a:noFill/>
+          <a:ln w="0">
+            <a:noFill/>
+          </a:ln>
+        </p:spPr>
+        <p:style>
+          <a:lnRef idx="0"/>
+          <a:fillRef idx="0"/>
+          <a:effectRef idx="0"/>
+          <a:fontRef idx="minor"/>
+        </p:style>
+        <p:txBody>
+          <a:bodyPr lIns="0" rIns="0" tIns="0" bIns="0" anchor="ctr">
+            <a:noAutofit/>
+          </a:bodyPr>
+          <a:p>
+            <a:pPr>
+              <a:lnSpc>
+                <a:spcPct val="100000"/>
+              </a:lnSpc>
+            </a:pPr>
+            <a:r>
+              <a:rPr b="0" lang="en-US" sz="4400" spc="-1" strike="noStrike">
+                <a:solidFill>
+                  <a:srgbClr val="a6a8c4"/>
+                </a:solidFill>
+                <a:latin typeface="Courier New"/>
+              </a:rPr>
+              <a:t>Categorizing Languages</a:t>
+            </a:r>
+            <a:endParaRPr b="0" lang="en-US" sz="4400" spc="-1" strike="noStrike">
+              <a:latin typeface="Arial"/>
+            </a:endParaRPr>
+          </a:p>
+        </p:txBody>
+      </p:sp>
+      <p:sp>
+        <p:nvSpPr>
+          <p:cNvPr id="173" name="CustomShape 2"/>
+          <p:cNvSpPr/>
+          <p:nvPr/>
+        </p:nvSpPr>
+        <p:spPr>
+          <a:xfrm>
+            <a:off x="504000" y="1326600"/>
+            <a:ext cx="9071280" cy="3287880"/>
+          </a:xfrm>
+          <a:prstGeom prst="rect">
+            <a:avLst/>
+          </a:prstGeom>
+          <a:noFill/>
+          <a:ln w="0">
+            <a:noFill/>
+          </a:ln>
+        </p:spPr>
+        <p:style>
+          <a:lnRef idx="0"/>
+          <a:fillRef idx="0"/>
+          <a:effectRef idx="0"/>
+          <a:fontRef idx="minor"/>
+        </p:style>
+        <p:txBody>
+          <a:bodyPr lIns="0" rIns="0" tIns="0" bIns="0">
+            <a:normAutofit/>
+          </a:bodyPr>
+          <a:p>
+            <a:pPr marL="432000" indent="-323640">
+              <a:lnSpc>
+                <a:spcPct val="100000"/>
+              </a:lnSpc>
+              <a:spcBef>
+                <a:spcPts val="1417"/>
+              </a:spcBef>
+              <a:buClr>
+                <a:srgbClr val="ffffff"/>
+              </a:buClr>
+              <a:buSzPct val="45000"/>
+              <a:buFont typeface="Wingdings" charset="2"/>
+              <a:buChar char=""/>
+            </a:pPr>
+            <a:r>
+              <a:rPr b="0" lang="en-US" sz="3200" spc="-1" strike="noStrike">
+                <a:solidFill>
+                  <a:srgbClr val="a6a8c4"/>
+                </a:solidFill>
+                <a:latin typeface="Arial"/>
+              </a:rPr>
+              <a:t>Summarize the last few slides</a:t>
+            </a:r>
+            <a:endParaRPr b="0" lang="en-US" sz="3200" spc="-1" strike="noStrike">
+              <a:latin typeface="Arial"/>
+            </a:endParaRPr>
+          </a:p>
+        </p:txBody>
+      </p:sp>
+    </p:spTree>
+  </p:cSld>
+  <mc:AlternateContent>
+    <mc:Choice Requires="p14">
+      <p:transition spd="slow" p14:dur="2000"/>
+    </mc:Choice>
+    <mc:Fallback>
+      <p:transition spd="slow"/>
+    </mc:Fallback>
+  </mc:AlternateContent>
+</p:sld>
+</file>
+
+<file path=ppt/slides/slide27.xml><?xml version="1.0" encoding="utf-8"?>
+<p:sld xmlns:a="http://schemas.openxmlformats.org/drawingml/2006/main" xmlns:p="http://schemas.openxmlformats.org/presentationml/2006/main" xmlns:r="http://schemas.openxmlformats.org/officeDocument/2006/relationships" xmlns:p14="http://schemas.microsoft.com/office/powerpoint/2010/main" xmlns:p15="http://schemas.microsoft.com/office/powerpoint/2012/main" xmlns:mc="http://schemas.openxmlformats.org/markup-compatibility/2006">
+  <p:cSld>
+    <p:spTree>
+      <p:nvGrpSpPr>
+        <p:cNvPr id="1" name=""/>
+        <p:cNvGrpSpPr/>
+        <p:nvPr/>
+      </p:nvGrpSpPr>
+      <p:grpSpPr>
+        <a:xfrm>
+          <a:off x="0" y="0"/>
+          <a:ext cx="0" cy="0"/>
+          <a:chOff x="0" y="0"/>
+          <a:chExt cx="0" cy="0"/>
+        </a:xfrm>
+      </p:grpSpPr>
+      <p:sp>
+        <p:nvSpPr>
+          <p:cNvPr id="174" name="CustomShape 1"/>
+          <p:cNvSpPr/>
+          <p:nvPr/>
+        </p:nvSpPr>
+        <p:spPr>
+          <a:xfrm>
+            <a:off x="504360" y="2361960"/>
+            <a:ext cx="9071280" cy="946080"/>
+          </a:xfrm>
+          <a:prstGeom prst="rect">
+            <a:avLst/>
+          </a:prstGeom>
+          <a:noFill/>
+          <a:ln w="0">
+            <a:noFill/>
+          </a:ln>
+        </p:spPr>
+        <p:style>
+          <a:lnRef idx="0"/>
+          <a:fillRef idx="0"/>
+          <a:effectRef idx="0"/>
+          <a:fontRef idx="minor"/>
+        </p:style>
+        <p:txBody>
+          <a:bodyPr lIns="0" rIns="0" tIns="0" bIns="0" anchor="ctr">
+            <a:noAutofit/>
+          </a:bodyPr>
+          <a:p>
+            <a:pPr algn="ctr">
+              <a:lnSpc>
+                <a:spcPct val="100000"/>
+              </a:lnSpc>
+            </a:pPr>
             <a:r>
               <a:rPr b="0" lang="en-US" sz="4400" spc="-1" strike="noStrike">
                 <a:solidFill>
@@ -3792,10 +7425,7 @@
               <a:t>Title Card Template</a:t>
             </a:r>
             <a:endParaRPr b="0" lang="en-US" sz="4400" spc="-1" strike="noStrike">
-              <a:solidFill>
-                <a:srgbClr val="a6a8c4"/>
-              </a:solidFill>
-              <a:latin typeface="Courier New"/>
+              <a:latin typeface="Arial"/>
             </a:endParaRPr>
           </a:p>
         </p:txBody>
@@ -3832,14 +7462,14 @@
       </p:grpSpPr>
       <p:sp>
         <p:nvSpPr>
-          <p:cNvPr id="45" name=""/>
-          <p:cNvSpPr txBox="1"/>
+          <p:cNvPr id="121" name="CustomShape 1"/>
+          <p:cNvSpPr/>
           <p:nvPr/>
         </p:nvSpPr>
         <p:spPr>
           <a:xfrm>
-            <a:off x="504360" y="2361960"/>
-            <a:ext cx="9071640" cy="946440"/>
+            <a:off x="504000" y="226080"/>
+            <a:ext cx="9071280" cy="946080"/>
           </a:xfrm>
           <a:prstGeom prst="rect">
             <a:avLst/>
@@ -3849,12 +7479,22 @@
             <a:noFill/>
           </a:ln>
         </p:spPr>
+        <p:style>
+          <a:lnRef idx="0"/>
+          <a:fillRef idx="0"/>
+          <a:effectRef idx="0"/>
+          <a:fontRef idx="minor"/>
+        </p:style>
         <p:txBody>
           <a:bodyPr lIns="0" rIns="0" tIns="0" bIns="0" anchor="ctr">
             <a:noAutofit/>
           </a:bodyPr>
           <a:p>
-            <a:pPr algn="ctr"/>
+            <a:pPr>
+              <a:lnSpc>
+                <a:spcPct val="100000"/>
+              </a:lnSpc>
+            </a:pPr>
             <a:r>
               <a:rPr b="0" lang="en-US" sz="4400" spc="-1" strike="noStrike">
                 <a:solidFill>
@@ -3862,13 +7502,124 @@
                 </a:solidFill>
                 <a:latin typeface="Courier New"/>
               </a:rPr>
-              <a:t>Programming Safety</a:t>
+              <a:t>About Me</a:t>
             </a:r>
             <a:endParaRPr b="0" lang="en-US" sz="4400" spc="-1" strike="noStrike">
+              <a:latin typeface="Arial"/>
+            </a:endParaRPr>
+          </a:p>
+        </p:txBody>
+      </p:sp>
+      <p:sp>
+        <p:nvSpPr>
+          <p:cNvPr id="122" name="CustomShape 2"/>
+          <p:cNvSpPr/>
+          <p:nvPr/>
+        </p:nvSpPr>
+        <p:spPr>
+          <a:xfrm>
+            <a:off x="504000" y="1326600"/>
+            <a:ext cx="9071280" cy="3287880"/>
+          </a:xfrm>
+          <a:prstGeom prst="rect">
+            <a:avLst/>
+          </a:prstGeom>
+          <a:noFill/>
+          <a:ln w="0">
+            <a:noFill/>
+          </a:ln>
+        </p:spPr>
+        <p:style>
+          <a:lnRef idx="0"/>
+          <a:fillRef idx="0"/>
+          <a:effectRef idx="0"/>
+          <a:fontRef idx="minor"/>
+        </p:style>
+      </p:sp>
+      <p:pic>
+        <p:nvPicPr>
+          <p:cNvPr id="123" name="" descr=""/>
+          <p:cNvPicPr/>
+          <p:nvPr/>
+        </p:nvPicPr>
+        <p:blipFill>
+          <a:blip r:embed="rId1"/>
+          <a:stretch/>
+        </p:blipFill>
+        <p:spPr>
+          <a:xfrm>
+            <a:off x="471600" y="2253600"/>
+            <a:ext cx="2743200" cy="1508760"/>
+          </a:xfrm>
+          <a:prstGeom prst="rect">
+            <a:avLst/>
+          </a:prstGeom>
+          <a:ln w="0">
+            <a:noFill/>
+          </a:ln>
+        </p:spPr>
+      </p:pic>
+      <p:pic>
+        <p:nvPicPr>
+          <p:cNvPr id="124" name="" descr=""/>
+          <p:cNvPicPr/>
+          <p:nvPr/>
+        </p:nvPicPr>
+        <p:blipFill>
+          <a:blip r:embed="rId2"/>
+          <a:stretch/>
+        </p:blipFill>
+        <p:spPr>
+          <a:xfrm>
+            <a:off x="3711600" y="1636200"/>
+            <a:ext cx="2743200" cy="2743200"/>
+          </a:xfrm>
+          <a:prstGeom prst="rect">
+            <a:avLst/>
+          </a:prstGeom>
+          <a:ln w="0">
+            <a:noFill/>
+          </a:ln>
+        </p:spPr>
+      </p:pic>
+      <p:sp>
+        <p:nvSpPr>
+          <p:cNvPr id="125" name="TextShape 3"/>
+          <p:cNvSpPr txBox="1"/>
+          <p:nvPr/>
+        </p:nvSpPr>
+        <p:spPr>
+          <a:xfrm>
+            <a:off x="6951600" y="1407600"/>
+            <a:ext cx="2743200" cy="3200400"/>
+          </a:xfrm>
+          <a:prstGeom prst="rect">
+            <a:avLst/>
+          </a:prstGeom>
+          <a:noFill/>
+          <a:ln w="0">
+            <a:noFill/>
+          </a:ln>
+        </p:spPr>
+        <p:txBody>
+          <a:bodyPr lIns="90000" rIns="90000" tIns="45000" bIns="45000">
+            <a:noAutofit/>
+          </a:bodyPr>
+          <a:p>
+            <a:r>
+              <a:rPr b="0" lang="en-US" sz="20000" spc="-1" strike="noStrike">
+                <a:solidFill>
+                  <a:srgbClr val="a6a8c4"/>
+                </a:solidFill>
+                <a:latin typeface="Arial"/>
+              </a:rPr>
+              <a:t>{ }</a:t>
+            </a:r>
+            <a:endParaRPr b="0" lang="en-US" sz="20000" spc="-1" strike="noStrike">
               <a:solidFill>
                 <a:srgbClr val="a6a8c4"/>
               </a:solidFill>
-              <a:latin typeface="Courier New"/>
+              <a:latin typeface="Arial"/>
             </a:endParaRPr>
           </a:p>
         </p:txBody>
@@ -3905,14 +7656,14 @@
       </p:grpSpPr>
       <p:sp>
         <p:nvSpPr>
-          <p:cNvPr id="46" name=""/>
+          <p:cNvPr id="126" name="TextShape 1"/>
           <p:cNvSpPr txBox="1"/>
           <p:nvPr/>
         </p:nvSpPr>
         <p:spPr>
           <a:xfrm>
             <a:off x="504000" y="226080"/>
-            <a:ext cx="9071640" cy="946440"/>
+            <a:ext cx="9071280" cy="946080"/>
           </a:xfrm>
           <a:prstGeom prst="rect">
             <a:avLst/>
@@ -3928,15 +7679,15 @@
           </a:bodyPr>
           <a:p>
             <a:r>
-              <a:rPr b="0" lang="en-US" sz="4400" spc="-1" strike="noStrike">
+              <a:rPr b="0" lang="en-US" sz="3600" spc="-1" strike="noStrike">
                 <a:solidFill>
                   <a:srgbClr val="a6a8c4"/>
                 </a:solidFill>
                 <a:latin typeface="Courier New"/>
               </a:rPr>
-              <a:t>Equipment Safety</a:t>
+              <a:t>Requirements</a:t>
             </a:r>
-            <a:endParaRPr b="0" lang="en-US" sz="4400" spc="-1" strike="noStrike">
+            <a:endParaRPr b="0" lang="en-US" sz="3600" spc="-1" strike="noStrike">
               <a:solidFill>
                 <a:srgbClr val="a6a8c4"/>
               </a:solidFill>
@@ -3945,39 +7696,29 @@
           </a:p>
         </p:txBody>
       </p:sp>
-      <p:sp>
-        <p:nvSpPr>
-          <p:cNvPr id="47" name=""/>
-          <p:cNvSpPr txBox="1"/>
+      <p:pic>
+        <p:nvPicPr>
+          <p:cNvPr id="127" name="" descr=""/>
+          <p:cNvPicPr/>
           <p:nvPr/>
-        </p:nvSpPr>
-        <p:spPr>
-          <a:xfrm>
-            <a:off x="504000" y="1326600"/>
-            <a:ext cx="9071640" cy="3288240"/>
-          </a:xfrm>
-          <a:prstGeom prst="rect">
-            <a:avLst/>
-          </a:prstGeom>
-          <a:noFill/>
+        </p:nvPicPr>
+        <p:blipFill>
+          <a:blip r:embed="rId1"/>
+          <a:stretch/>
+        </p:blipFill>
+        <p:spPr>
+          <a:xfrm>
+            <a:off x="3723840" y="1666440"/>
+            <a:ext cx="2629080" cy="2629080"/>
+          </a:xfrm>
+          <a:prstGeom prst="rect">
+            <a:avLst/>
+          </a:prstGeom>
           <a:ln w="0">
             <a:noFill/>
           </a:ln>
         </p:spPr>
-        <p:txBody>
-          <a:bodyPr lIns="0" rIns="0" tIns="0" bIns="0">
-            <a:normAutofit/>
-          </a:bodyPr>
-          <a:p>
-            <a:endParaRPr b="0" lang="en-US" sz="3200" spc="-1" strike="noStrike">
-              <a:solidFill>
-                <a:srgbClr val="a6a8c4"/>
-              </a:solidFill>
-              <a:latin typeface="Arial"/>
-            </a:endParaRPr>
-          </a:p>
-        </p:txBody>
-      </p:sp>
+      </p:pic>
     </p:spTree>
   </p:cSld>
   <mc:AlternateContent>
@@ -4010,14 +7751,14 @@
       </p:grpSpPr>
       <p:sp>
         <p:nvSpPr>
-          <p:cNvPr id="48" name=""/>
+          <p:cNvPr id="128" name="TextShape 1"/>
           <p:cNvSpPr txBox="1"/>
           <p:nvPr/>
         </p:nvSpPr>
         <p:spPr>
           <a:xfrm>
             <a:off x="504000" y="226080"/>
-            <a:ext cx="9071640" cy="946440"/>
+            <a:ext cx="9071280" cy="946080"/>
           </a:xfrm>
           <a:prstGeom prst="rect">
             <a:avLst/>
@@ -4033,15 +7774,15 @@
           </a:bodyPr>
           <a:p>
             <a:r>
-              <a:rPr b="0" lang="en-US" sz="4400" spc="-1" strike="noStrike">
+              <a:rPr b="0" lang="en-US" sz="3600" spc="-1" strike="noStrike">
                 <a:solidFill>
                   <a:srgbClr val="a6a8c4"/>
                 </a:solidFill>
                 <a:latin typeface="Courier New"/>
               </a:rPr>
-              <a:t>Repetitive Stress Injury</a:t>
+              <a:t>What is Programming?</a:t>
             </a:r>
-            <a:endParaRPr b="0" lang="en-US" sz="4400" spc="-1" strike="noStrike">
+            <a:endParaRPr b="0" lang="en-US" sz="3600" spc="-1" strike="noStrike">
               <a:solidFill>
                 <a:srgbClr val="a6a8c4"/>
               </a:solidFill>
@@ -4052,14 +7793,14 @@
       </p:sp>
       <p:sp>
         <p:nvSpPr>
-          <p:cNvPr id="49" name=""/>
+          <p:cNvPr id="129" name="TextShape 2"/>
           <p:cNvSpPr txBox="1"/>
           <p:nvPr/>
         </p:nvSpPr>
         <p:spPr>
           <a:xfrm>
             <a:off x="504000" y="1326600"/>
-            <a:ext cx="9071640" cy="3288240"/>
+            <a:ext cx="9071280" cy="3287880"/>
           </a:xfrm>
           <a:prstGeom prst="rect">
             <a:avLst/>
@@ -4071,13 +7812,169 @@
         </p:spPr>
         <p:txBody>
           <a:bodyPr lIns="0" rIns="0" tIns="0" bIns="0">
-            <a:normAutofit/>
-          </a:bodyPr>
-          <a:p>
-            <a:endParaRPr b="0" lang="en-US" sz="3200" spc="-1" strike="noStrike">
-              <a:solidFill>
-                <a:srgbClr val="a6a8c4"/>
-              </a:solidFill>
+            <a:normAutofit fontScale="97000"/>
+          </a:bodyPr>
+          <a:p>
+            <a:pPr marL="432000" indent="-324000">
+              <a:spcBef>
+                <a:spcPts val="1417"/>
+              </a:spcBef>
+              <a:buClr>
+                <a:srgbClr val="ffffff"/>
+              </a:buClr>
+              <a:buSzPct val="45000"/>
+              <a:buFont typeface="Wingdings" charset="2"/>
+              <a:buChar char=""/>
+            </a:pPr>
+            <a:r>
+              <a:rPr b="0" lang="en-US" sz="1800" spc="-1" strike="noStrike">
+                <a:latin typeface="Arial"/>
+              </a:rPr>
+              <a:t>Writing instructions for a machine.</a:t>
+            </a:r>
+            <a:endParaRPr b="0" lang="en-US" sz="1800" spc="-1" strike="noStrike">
+              <a:latin typeface="Arial"/>
+            </a:endParaRPr>
+          </a:p>
+          <a:p>
+            <a:pPr marL="432000" indent="-324000">
+              <a:spcBef>
+                <a:spcPts val="1417"/>
+              </a:spcBef>
+              <a:buClr>
+                <a:srgbClr val="ffffff"/>
+              </a:buClr>
+              <a:buSzPct val="45000"/>
+              <a:buFont typeface="Wingdings" charset="2"/>
+              <a:buChar char=""/>
+            </a:pPr>
+            <a:r>
+              <a:rPr b="0" lang="en-US" sz="1800" spc="-1" strike="noStrike">
+                <a:latin typeface="Arial"/>
+              </a:rPr>
+              <a:t>Computers do very simple math – we build on that to do complicated tasks.</a:t>
+            </a:r>
+            <a:endParaRPr b="0" lang="en-US" sz="1800" spc="-1" strike="noStrike">
+              <a:latin typeface="Arial"/>
+            </a:endParaRPr>
+          </a:p>
+          <a:p>
+            <a:pPr marL="432000" indent="-324000">
+              <a:spcBef>
+                <a:spcPts val="1417"/>
+              </a:spcBef>
+              <a:buClr>
+                <a:srgbClr val="ffffff"/>
+              </a:buClr>
+              <a:buSzPct val="45000"/>
+              <a:buFont typeface="Wingdings" charset="2"/>
+              <a:buChar char=""/>
+            </a:pPr>
+            <a:endParaRPr b="0" lang="en-US" sz="1800" spc="-1" strike="noStrike">
+              <a:latin typeface="Arial"/>
+            </a:endParaRPr>
+          </a:p>
+          <a:p>
+            <a:pPr marL="432000" indent="-324000">
+              <a:spcBef>
+                <a:spcPts val="1417"/>
+              </a:spcBef>
+              <a:buClr>
+                <a:srgbClr val="ffffff"/>
+              </a:buClr>
+              <a:buSzPct val="45000"/>
+              <a:buFont typeface="Wingdings" charset="2"/>
+              <a:buChar char=""/>
+            </a:pPr>
+            <a:r>
+              <a:rPr b="0" lang="en-US" sz="1800" spc="-1" strike="noStrike">
+                <a:latin typeface="Arial"/>
+              </a:rPr>
+              <a:t>Programming is not just for software developers anymore.</a:t>
+            </a:r>
+            <a:endParaRPr b="0" lang="en-US" sz="1800" spc="-1" strike="noStrike">
+              <a:latin typeface="Arial"/>
+            </a:endParaRPr>
+          </a:p>
+          <a:p>
+            <a:pPr marL="432000" indent="-324000">
+              <a:spcBef>
+                <a:spcPts val="1417"/>
+              </a:spcBef>
+              <a:buClr>
+                <a:srgbClr val="ffffff"/>
+              </a:buClr>
+              <a:buSzPct val="45000"/>
+              <a:buFont typeface="Wingdings" charset="2"/>
+              <a:buChar char=""/>
+            </a:pPr>
+            <a:r>
+              <a:rPr b="0" lang="en-US" sz="1800" spc="-1" strike="noStrike">
+                <a:latin typeface="Arial"/>
+              </a:rPr>
+              <a:t>Programmed devices are everywhere – someone has to program them!</a:t>
+            </a:r>
+            <a:endParaRPr b="0" lang="en-US" sz="1800" spc="-1" strike="noStrike">
+              <a:latin typeface="Arial"/>
+            </a:endParaRPr>
+          </a:p>
+          <a:p>
+            <a:pPr marL="432000" indent="-324000">
+              <a:spcBef>
+                <a:spcPts val="1417"/>
+              </a:spcBef>
+              <a:buClr>
+                <a:srgbClr val="ffffff"/>
+              </a:buClr>
+              <a:buSzPct val="45000"/>
+              <a:buFont typeface="Wingdings" charset="2"/>
+              <a:buChar char=""/>
+            </a:pPr>
+            <a:r>
+              <a:rPr b="0" lang="en-US" sz="1800" spc="-1" strike="noStrike">
+                <a:latin typeface="Arial"/>
+              </a:rPr>
+              <a:t>Different industries use different techniques, languages, systems…</a:t>
+            </a:r>
+            <a:endParaRPr b="0" lang="en-US" sz="1800" spc="-1" strike="noStrike">
+              <a:latin typeface="Arial"/>
+            </a:endParaRPr>
+          </a:p>
+          <a:p>
+            <a:pPr marL="432000" indent="-324000">
+              <a:spcBef>
+                <a:spcPts val="1417"/>
+              </a:spcBef>
+              <a:buClr>
+                <a:srgbClr val="ffffff"/>
+              </a:buClr>
+              <a:buSzPct val="45000"/>
+              <a:buFont typeface="Wingdings" charset="2"/>
+              <a:buChar char=""/>
+            </a:pPr>
+            <a:endParaRPr b="0" lang="en-US" sz="1800" spc="-1" strike="noStrike">
+              <a:latin typeface="Arial"/>
+            </a:endParaRPr>
+          </a:p>
+          <a:p>
+            <a:pPr marL="432000" indent="-324000">
+              <a:spcBef>
+                <a:spcPts val="1417"/>
+              </a:spcBef>
+              <a:buClr>
+                <a:srgbClr val="ffffff"/>
+              </a:buClr>
+              <a:buSzPct val="45000"/>
+              <a:buFont typeface="Wingdings" charset="2"/>
+              <a:buChar char=""/>
+            </a:pPr>
+            <a:r>
+              <a:rPr b="0" lang="en-US" sz="1800" spc="-1" strike="noStrike">
+                <a:latin typeface="Arial"/>
+              </a:rPr>
+              <a:t>This merit badge just scrapes the surface.</a:t>
+            </a:r>
+            <a:endParaRPr b="0" lang="en-US" sz="1800" spc="-1" strike="noStrike">
               <a:latin typeface="Arial"/>
             </a:endParaRPr>
           </a:p>
@@ -4115,14 +8012,14 @@
       </p:grpSpPr>
       <p:sp>
         <p:nvSpPr>
-          <p:cNvPr id="50" name=""/>
-          <p:cNvSpPr txBox="1"/>
+          <p:cNvPr id="130" name="CustomShape 1"/>
+          <p:cNvSpPr/>
           <p:nvPr/>
         </p:nvSpPr>
         <p:spPr>
           <a:xfrm>
-            <a:off x="504000" y="226080"/>
-            <a:ext cx="9071640" cy="946440"/>
+            <a:off x="504360" y="2361960"/>
+            <a:ext cx="9071280" cy="946080"/>
           </a:xfrm>
           <a:prstGeom prst="rect">
             <a:avLst/>
@@ -4132,11 +8029,22 @@
             <a:noFill/>
           </a:ln>
         </p:spPr>
+        <p:style>
+          <a:lnRef idx="0"/>
+          <a:fillRef idx="0"/>
+          <a:effectRef idx="0"/>
+          <a:fontRef idx="minor"/>
+        </p:style>
         <p:txBody>
           <a:bodyPr lIns="0" rIns="0" tIns="0" bIns="0" anchor="ctr">
             <a:noAutofit/>
           </a:bodyPr>
           <a:p>
+            <a:pPr algn="ctr">
+              <a:lnSpc>
+                <a:spcPct val="100000"/>
+              </a:lnSpc>
+            </a:pPr>
             <a:r>
               <a:rPr b="0" lang="en-US" sz="4400" spc="-1" strike="noStrike">
                 <a:solidFill>
@@ -4144,45 +8052,9 @@
                 </a:solidFill>
                 <a:latin typeface="Courier New"/>
               </a:rPr>
-              <a:t>Eye Strain</a:t>
+              <a:t>Programming Safety</a:t>
             </a:r>
             <a:endParaRPr b="0" lang="en-US" sz="4400" spc="-1" strike="noStrike">
-              <a:solidFill>
-                <a:srgbClr val="a6a8c4"/>
-              </a:solidFill>
-              <a:latin typeface="Courier New"/>
-            </a:endParaRPr>
-          </a:p>
-        </p:txBody>
-      </p:sp>
-      <p:sp>
-        <p:nvSpPr>
-          <p:cNvPr id="51" name=""/>
-          <p:cNvSpPr txBox="1"/>
-          <p:nvPr/>
-        </p:nvSpPr>
-        <p:spPr>
-          <a:xfrm>
-            <a:off x="504000" y="1326600"/>
-            <a:ext cx="9071640" cy="3288240"/>
-          </a:xfrm>
-          <a:prstGeom prst="rect">
-            <a:avLst/>
-          </a:prstGeom>
-          <a:noFill/>
-          <a:ln w="0">
-            <a:noFill/>
-          </a:ln>
-        </p:spPr>
-        <p:txBody>
-          <a:bodyPr lIns="0" rIns="0" tIns="0" bIns="0">
-            <a:normAutofit/>
-          </a:bodyPr>
-          <a:p>
-            <a:endParaRPr b="0" lang="en-US" sz="3200" spc="-1" strike="noStrike">
-              <a:solidFill>
-                <a:srgbClr val="a6a8c4"/>
-              </a:solidFill>
               <a:latin typeface="Arial"/>
             </a:endParaRPr>
           </a:p>
@@ -4220,14 +8092,14 @@
       </p:grpSpPr>
       <p:sp>
         <p:nvSpPr>
-          <p:cNvPr id="52" name=""/>
-          <p:cNvSpPr txBox="1"/>
+          <p:cNvPr id="131" name="CustomShape 1"/>
+          <p:cNvSpPr/>
           <p:nvPr/>
         </p:nvSpPr>
         <p:spPr>
           <a:xfrm>
-            <a:off x="504360" y="2361960"/>
-            <a:ext cx="9071640" cy="946440"/>
+            <a:off x="504000" y="1326600"/>
+            <a:ext cx="9071280" cy="3287880"/>
           </a:xfrm>
           <a:prstGeom prst="rect">
             <a:avLst/>
@@ -4237,22 +8109,204 @@
             <a:noFill/>
           </a:ln>
         </p:spPr>
+        <p:style>
+          <a:lnRef idx="0"/>
+          <a:fillRef idx="0"/>
+          <a:effectRef idx="0"/>
+          <a:fontRef idx="minor"/>
+        </p:style>
+      </p:sp>
+      <p:sp>
+        <p:nvSpPr>
+          <p:cNvPr id="132" name="TextShape 2"/>
+          <p:cNvSpPr txBox="1"/>
+          <p:nvPr/>
+        </p:nvSpPr>
+        <p:spPr>
+          <a:xfrm>
+            <a:off x="504000" y="1326600"/>
+            <a:ext cx="5211000" cy="3931200"/>
+          </a:xfrm>
+          <a:prstGeom prst="rect">
+            <a:avLst/>
+          </a:prstGeom>
+          <a:noFill/>
+          <a:ln w="0">
+            <a:noFill/>
+          </a:ln>
+        </p:spPr>
+        <p:txBody>
+          <a:bodyPr lIns="0" rIns="0" tIns="0" bIns="0">
+            <a:normAutofit/>
+          </a:bodyPr>
+          <a:p>
+            <a:pPr marL="432000" indent="-324000">
+              <a:spcBef>
+                <a:spcPts val="1417"/>
+              </a:spcBef>
+              <a:buClr>
+                <a:srgbClr val="ffffff"/>
+              </a:buClr>
+              <a:buSzPct val="45000"/>
+              <a:buFont typeface="Wingdings" charset="2"/>
+              <a:buChar char=""/>
+            </a:pPr>
+            <a:r>
+              <a:rPr b="0" lang="en-US" sz="1800" spc="-1" strike="noStrike">
+                <a:latin typeface="Arial"/>
+              </a:rPr>
+              <a:t>Electric Discharges</a:t>
+            </a:r>
+            <a:endParaRPr b="0" lang="en-US" sz="1800" spc="-1" strike="noStrike">
+              <a:latin typeface="Arial"/>
+            </a:endParaRPr>
+          </a:p>
+          <a:p>
+            <a:pPr lvl="1" marL="864000" indent="-324000">
+              <a:spcBef>
+                <a:spcPts val="1134"/>
+              </a:spcBef>
+              <a:buClr>
+                <a:srgbClr val="ffffff"/>
+              </a:buClr>
+              <a:buSzPct val="75000"/>
+              <a:buFont typeface="Symbol" charset="2"/>
+              <a:buChar char=""/>
+            </a:pPr>
+            <a:r>
+              <a:rPr b="0" lang="en-US" sz="1800" spc="-1" strike="noStrike">
+                <a:latin typeface="Arial"/>
+              </a:rPr>
+              <a:t>Keep liquids away!</a:t>
+            </a:r>
+            <a:endParaRPr b="0" lang="en-US" sz="1800" spc="-1" strike="noStrike">
+              <a:latin typeface="Arial"/>
+            </a:endParaRPr>
+          </a:p>
+          <a:p>
+            <a:pPr lvl="1" marL="864000" indent="-324000">
+              <a:spcBef>
+                <a:spcPts val="1134"/>
+              </a:spcBef>
+              <a:buClr>
+                <a:srgbClr val="ffffff"/>
+              </a:buClr>
+              <a:buSzPct val="75000"/>
+              <a:buFont typeface="Symbol" charset="2"/>
+              <a:buChar char=""/>
+            </a:pPr>
+            <a:r>
+              <a:rPr b="0" lang="en-US" sz="1800" spc="-1" strike="noStrike">
+                <a:latin typeface="Arial"/>
+              </a:rPr>
+              <a:t>Power cords in good condition.</a:t>
+            </a:r>
+            <a:endParaRPr b="0" lang="en-US" sz="1800" spc="-1" strike="noStrike">
+              <a:latin typeface="Arial"/>
+            </a:endParaRPr>
+          </a:p>
+          <a:p>
+            <a:pPr lvl="1" marL="864000" indent="-324000">
+              <a:spcBef>
+                <a:spcPts val="1134"/>
+              </a:spcBef>
+              <a:buClr>
+                <a:srgbClr val="ffffff"/>
+              </a:buClr>
+              <a:buSzPct val="75000"/>
+              <a:buFont typeface="Symbol" charset="2"/>
+              <a:buChar char=""/>
+            </a:pPr>
+            <a:r>
+              <a:rPr b="0" lang="en-US" sz="1800" spc="-1" strike="noStrike">
+                <a:latin typeface="Arial"/>
+              </a:rPr>
+              <a:t>Unplug from power before removing components.</a:t>
+            </a:r>
+            <a:endParaRPr b="0" lang="en-US" sz="1800" spc="-1" strike="noStrike">
+              <a:latin typeface="Arial"/>
+            </a:endParaRPr>
+          </a:p>
+          <a:p>
+            <a:pPr marL="432000" indent="-324000">
+              <a:spcBef>
+                <a:spcPts val="1417"/>
+              </a:spcBef>
+              <a:buClr>
+                <a:srgbClr val="ffffff"/>
+              </a:buClr>
+              <a:buSzPct val="45000"/>
+              <a:buFont typeface="Wingdings" charset="2"/>
+              <a:buChar char=""/>
+            </a:pPr>
+            <a:r>
+              <a:rPr b="0" lang="en-US" sz="1800" spc="-1" strike="noStrike">
+                <a:latin typeface="Arial"/>
+              </a:rPr>
+              <a:t>Cuts and Scrapes</a:t>
+            </a:r>
+            <a:endParaRPr b="0" lang="en-US" sz="1800" spc="-1" strike="noStrike">
+              <a:latin typeface="Arial"/>
+            </a:endParaRPr>
+          </a:p>
+          <a:p>
+            <a:pPr lvl="1" marL="864000" indent="-324000">
+              <a:spcBef>
+                <a:spcPts val="1134"/>
+              </a:spcBef>
+              <a:buClr>
+                <a:srgbClr val="ffffff"/>
+              </a:buClr>
+              <a:buSzPct val="75000"/>
+              <a:buFont typeface="Symbol" charset="2"/>
+              <a:buChar char=""/>
+            </a:pPr>
+            <a:r>
+              <a:rPr b="0" lang="en-US" sz="1800" spc="-1" strike="noStrike">
+                <a:latin typeface="Arial"/>
+              </a:rPr>
+              <a:t>Watch out for sharp metal parts, solder joints, cardboard boxes...</a:t>
+            </a:r>
+            <a:endParaRPr b="0" lang="en-US" sz="1800" spc="-1" strike="noStrike">
+              <a:latin typeface="Arial"/>
+            </a:endParaRPr>
+          </a:p>
+        </p:txBody>
+      </p:sp>
+      <p:sp>
+        <p:nvSpPr>
+          <p:cNvPr id="133" name="TextShape 3"/>
+          <p:cNvSpPr txBox="1"/>
+          <p:nvPr/>
+        </p:nvSpPr>
+        <p:spPr>
+          <a:xfrm>
+            <a:off x="504000" y="226080"/>
+            <a:ext cx="9071280" cy="946080"/>
+          </a:xfrm>
+          <a:prstGeom prst="rect">
+            <a:avLst/>
+          </a:prstGeom>
+          <a:noFill/>
+          <a:ln w="0">
+            <a:noFill/>
+          </a:ln>
+        </p:spPr>
         <p:txBody>
           <a:bodyPr lIns="0" rIns="0" tIns="0" bIns="0" anchor="ctr">
             <a:noAutofit/>
           </a:bodyPr>
           <a:p>
-            <a:pPr algn="ctr"/>
             <a:r>
-              <a:rPr b="0" lang="en-US" sz="4400" spc="-1" strike="noStrike">
+              <a:rPr b="0" lang="en-US" sz="3600" spc="-1" strike="noStrike">
                 <a:solidFill>
                   <a:srgbClr val="a6a8c4"/>
                 </a:solidFill>
                 <a:latin typeface="Courier New"/>
               </a:rPr>
-              <a:t>History of Computers</a:t>
+              <a:t>Equipment Safety</a:t>
             </a:r>
-            <a:endParaRPr b="0" lang="en-US" sz="4400" spc="-1" strike="noStrike">
+            <a:endParaRPr b="0" lang="en-US" sz="3600" spc="-1" strike="noStrike">
               <a:solidFill>
                 <a:srgbClr val="a6a8c4"/>
               </a:solidFill>
@@ -4261,6 +8315,29 @@
           </a:p>
         </p:txBody>
       </p:sp>
+      <p:pic>
+        <p:nvPicPr>
+          <p:cNvPr id="134" name="" descr=""/>
+          <p:cNvPicPr/>
+          <p:nvPr/>
+        </p:nvPicPr>
+        <p:blipFill>
+          <a:blip r:embed="rId1"/>
+          <a:stretch/>
+        </p:blipFill>
+        <p:spPr>
+          <a:xfrm>
+            <a:off x="5943600" y="1828800"/>
+            <a:ext cx="3620880" cy="2417040"/>
+          </a:xfrm>
+          <a:prstGeom prst="rect">
+            <a:avLst/>
+          </a:prstGeom>
+          <a:ln w="0">
+            <a:noFill/>
+          </a:ln>
+        </p:spPr>
+      </p:pic>
     </p:spTree>
   </p:cSld>
   <mc:AlternateContent>
@@ -4293,14 +8370,14 @@
       </p:grpSpPr>
       <p:sp>
         <p:nvSpPr>
-          <p:cNvPr id="53" name=""/>
-          <p:cNvSpPr txBox="1"/>
+          <p:cNvPr id="135" name="CustomShape 1"/>
+          <p:cNvSpPr/>
           <p:nvPr/>
         </p:nvSpPr>
         <p:spPr>
           <a:xfrm>
-            <a:off x="504000" y="226080"/>
-            <a:ext cx="9071640" cy="946440"/>
+            <a:off x="504000" y="1326600"/>
+            <a:ext cx="9071280" cy="3287880"/>
           </a:xfrm>
           <a:prstGeom prst="rect">
             <a:avLst/>
@@ -4310,21 +8387,47 @@
             <a:noFill/>
           </a:ln>
         </p:spPr>
+        <p:style>
+          <a:lnRef idx="0"/>
+          <a:fillRef idx="0"/>
+          <a:effectRef idx="0"/>
+          <a:fontRef idx="minor"/>
+        </p:style>
+      </p:sp>
+      <p:sp>
+        <p:nvSpPr>
+          <p:cNvPr id="136" name="TextShape 2"/>
+          <p:cNvSpPr txBox="1"/>
+          <p:nvPr/>
+        </p:nvSpPr>
+        <p:spPr>
+          <a:xfrm>
+            <a:off x="504000" y="226080"/>
+            <a:ext cx="9071280" cy="946080"/>
+          </a:xfrm>
+          <a:prstGeom prst="rect">
+            <a:avLst/>
+          </a:prstGeom>
+          <a:noFill/>
+          <a:ln w="0">
+            <a:noFill/>
+          </a:ln>
+        </p:spPr>
         <p:txBody>
           <a:bodyPr lIns="0" rIns="0" tIns="0" bIns="0" anchor="ctr">
             <a:noAutofit/>
           </a:bodyPr>
           <a:p>
             <a:r>
-              <a:rPr b="0" lang="en-US" sz="4400" spc="-1" strike="noStrike">
+              <a:rPr b="0" lang="en-US" sz="3600" spc="-1" strike="noStrike">
                 <a:solidFill>
                   <a:srgbClr val="a6a8c4"/>
                 </a:solidFill>
                 <a:latin typeface="Courier New"/>
               </a:rPr>
-              <a:t>Before Computers</a:t>
+              <a:t>Repetitive Stress Injury</a:t>
             </a:r>
-            <a:endParaRPr b="0" lang="en-US" sz="4400" spc="-1" strike="noStrike">
+            <a:endParaRPr b="0" lang="en-US" sz="3600" spc="-1" strike="noStrike">
               <a:solidFill>
                 <a:srgbClr val="a6a8c4"/>
               </a:solidFill>
@@ -4335,14 +8438,14 @@
       </p:sp>
       <p:sp>
         <p:nvSpPr>
-          <p:cNvPr id="54" name=""/>
+          <p:cNvPr id="137" name="TextShape 3"/>
           <p:cNvSpPr txBox="1"/>
           <p:nvPr/>
         </p:nvSpPr>
         <p:spPr>
           <a:xfrm>
             <a:off x="504000" y="1326600"/>
-            <a:ext cx="9071640" cy="3288240"/>
+            <a:ext cx="9071280" cy="3931200"/>
           </a:xfrm>
           <a:prstGeom prst="rect">
             <a:avLst/>
@@ -4369,23 +8472,217 @@
               <a:buChar char=""/>
             </a:pPr>
             <a:r>
-              <a:rPr b="0" lang="en-US" sz="3200" spc="-1" strike="noStrike">
-                <a:solidFill>
-                  <a:srgbClr val="a6a8c4"/>
-                </a:solidFill>
+              <a:rPr b="0" lang="en-US" sz="1800" spc="-1" strike="noStrike">
                 <a:latin typeface="Arial"/>
               </a:rPr>
-              <a:t>Jacquard Loom</a:t>
+              <a:t>Symptoms: Pain, swelling, tingling, numbness in the hands or wrists.</a:t>
             </a:r>
-            <a:endParaRPr b="0" lang="en-US" sz="3200" spc="-1" strike="noStrike">
-              <a:solidFill>
-                <a:srgbClr val="a6a8c4"/>
-              </a:solidFill>
-              <a:latin typeface="Arial"/>
-            </a:endParaRPr>
-          </a:p>
-        </p:txBody>
-      </p:sp>
+            <a:endParaRPr b="0" lang="en-US" sz="1800" spc="-1" strike="noStrike">
+              <a:latin typeface="Arial"/>
+            </a:endParaRPr>
+          </a:p>
+          <a:p>
+            <a:pPr marL="432000" indent="-324000">
+              <a:spcBef>
+                <a:spcPts val="1417"/>
+              </a:spcBef>
+              <a:buClr>
+                <a:srgbClr val="ffffff"/>
+              </a:buClr>
+              <a:buSzPct val="45000"/>
+              <a:buFont typeface="Wingdings" charset="2"/>
+              <a:buChar char=""/>
+            </a:pPr>
+            <a:endParaRPr b="0" lang="en-US" sz="1800" spc="-1" strike="noStrike">
+              <a:latin typeface="Arial"/>
+            </a:endParaRPr>
+          </a:p>
+          <a:p>
+            <a:pPr marL="432000" indent="-324000">
+              <a:spcBef>
+                <a:spcPts val="1417"/>
+              </a:spcBef>
+              <a:buClr>
+                <a:srgbClr val="ffffff"/>
+              </a:buClr>
+              <a:buSzPct val="45000"/>
+              <a:buFont typeface="Wingdings" charset="2"/>
+              <a:buChar char=""/>
+            </a:pPr>
+            <a:r>
+              <a:rPr b="0" lang="en-US" sz="1800" spc="-1" strike="noStrike">
+                <a:latin typeface="Arial"/>
+              </a:rPr>
+              <a:t>Watch your posture.</a:t>
+            </a:r>
+            <a:endParaRPr b="0" lang="en-US" sz="1800" spc="-1" strike="noStrike">
+              <a:latin typeface="Arial"/>
+            </a:endParaRPr>
+          </a:p>
+          <a:p>
+            <a:pPr lvl="1" marL="864000" indent="-324000">
+              <a:spcBef>
+                <a:spcPts val="1134"/>
+              </a:spcBef>
+              <a:buClr>
+                <a:srgbClr val="ffffff"/>
+              </a:buClr>
+              <a:buSzPct val="75000"/>
+              <a:buFont typeface="Symbol" charset="2"/>
+              <a:buChar char=""/>
+            </a:pPr>
+            <a:r>
+              <a:rPr b="0" lang="en-US" sz="1800" spc="-1" strike="noStrike">
+                <a:latin typeface="Arial"/>
+              </a:rPr>
+              <a:t>Feet flat on the floor.</a:t>
+            </a:r>
+            <a:endParaRPr b="0" lang="en-US" sz="1800" spc="-1" strike="noStrike">
+              <a:latin typeface="Arial"/>
+            </a:endParaRPr>
+          </a:p>
+          <a:p>
+            <a:pPr lvl="1" marL="864000" indent="-324000">
+              <a:spcBef>
+                <a:spcPts val="1134"/>
+              </a:spcBef>
+              <a:buClr>
+                <a:srgbClr val="ffffff"/>
+              </a:buClr>
+              <a:buSzPct val="75000"/>
+              <a:buFont typeface="Symbol" charset="2"/>
+              <a:buChar char=""/>
+            </a:pPr>
+            <a:r>
+              <a:rPr b="0" lang="en-US" sz="1800" spc="-1" strike="noStrike">
+                <a:latin typeface="Arial"/>
+              </a:rPr>
+              <a:t>Back and wrists straight.</a:t>
+            </a:r>
+            <a:endParaRPr b="0" lang="en-US" sz="1800" spc="-1" strike="noStrike">
+              <a:latin typeface="Arial"/>
+            </a:endParaRPr>
+          </a:p>
+          <a:p>
+            <a:pPr lvl="1" marL="864000" indent="-324000">
+              <a:spcBef>
+                <a:spcPts val="1134"/>
+              </a:spcBef>
+              <a:buClr>
+                <a:srgbClr val="ffffff"/>
+              </a:buClr>
+              <a:buSzPct val="75000"/>
+              <a:buFont typeface="Symbol" charset="2"/>
+              <a:buChar char=""/>
+            </a:pPr>
+            <a:r>
+              <a:rPr b="0" lang="en-US" sz="1800" spc="-1" strike="noStrike">
+                <a:latin typeface="Arial"/>
+              </a:rPr>
+              <a:t>Eyes level.</a:t>
+            </a:r>
+            <a:endParaRPr b="0" lang="en-US" sz="1800" spc="-1" strike="noStrike">
+              <a:latin typeface="Arial"/>
+            </a:endParaRPr>
+          </a:p>
+          <a:p>
+            <a:pPr marL="432000" indent="-324000">
+              <a:spcBef>
+                <a:spcPts val="1417"/>
+              </a:spcBef>
+              <a:buClr>
+                <a:srgbClr val="ffffff"/>
+              </a:buClr>
+              <a:buSzPct val="45000"/>
+              <a:buFont typeface="Wingdings" charset="2"/>
+              <a:buChar char=""/>
+            </a:pPr>
+            <a:r>
+              <a:rPr b="0" lang="en-US" sz="1800" spc="-1" strike="noStrike">
+                <a:latin typeface="Arial"/>
+              </a:rPr>
+              <a:t>Is your chair comfy? Can you adjust it?</a:t>
+            </a:r>
+            <a:endParaRPr b="0" lang="en-US" sz="1800" spc="-1" strike="noStrike">
+              <a:latin typeface="Arial"/>
+            </a:endParaRPr>
+          </a:p>
+          <a:p>
+            <a:pPr marL="432000" indent="-324000">
+              <a:spcBef>
+                <a:spcPts val="1417"/>
+              </a:spcBef>
+              <a:buClr>
+                <a:srgbClr val="ffffff"/>
+              </a:buClr>
+              <a:buSzPct val="45000"/>
+              <a:buFont typeface="Wingdings" charset="2"/>
+              <a:buChar char=""/>
+            </a:pPr>
+            <a:r>
+              <a:rPr b="0" lang="en-US" sz="1800" spc="-1" strike="noStrike">
+                <a:latin typeface="Arial"/>
+              </a:rPr>
+              <a:t>Stand up once in a while!</a:t>
+            </a:r>
+            <a:endParaRPr b="0" lang="en-US" sz="1800" spc="-1" strike="noStrike">
+              <a:latin typeface="Arial"/>
+            </a:endParaRPr>
+          </a:p>
+          <a:p>
+            <a:pPr marL="432000" indent="-324000">
+              <a:spcBef>
+                <a:spcPts val="1417"/>
+              </a:spcBef>
+              <a:buClr>
+                <a:srgbClr val="ffffff"/>
+              </a:buClr>
+              <a:buSzPct val="45000"/>
+              <a:buFont typeface="Wingdings" charset="2"/>
+              <a:buChar char=""/>
+            </a:pPr>
+            <a:r>
+              <a:rPr b="0" lang="en-US" sz="1800" spc="-1" strike="noStrike">
+                <a:latin typeface="Arial"/>
+              </a:rPr>
+              <a:t>Resource: </a:t>
+            </a:r>
+            <a:r>
+              <a:rPr b="0" lang="en-US" sz="1800" spc="-1" strike="noStrike">
+                <a:latin typeface="Arial"/>
+                <a:hlinkClick r:id="rId1"/>
+              </a:rPr>
+              <a:t>Cleveland Clinic</a:t>
+            </a:r>
+            <a:endParaRPr b="0" lang="en-US" sz="1800" spc="-1" strike="noStrike">
+              <a:latin typeface="Arial"/>
+            </a:endParaRPr>
+          </a:p>
+        </p:txBody>
+      </p:sp>
+      <p:pic>
+        <p:nvPicPr>
+          <p:cNvPr id="138" name="" descr=""/>
+          <p:cNvPicPr/>
+          <p:nvPr/>
+        </p:nvPicPr>
+        <p:blipFill>
+          <a:blip r:embed="rId2"/>
+          <a:stretch/>
+        </p:blipFill>
+        <p:spPr>
+          <a:xfrm>
+            <a:off x="5704200" y="1828800"/>
+            <a:ext cx="3597480" cy="3597480"/>
+          </a:xfrm>
+          <a:prstGeom prst="rect">
+            <a:avLst/>
+          </a:prstGeom>
+          <a:ln w="0">
+            <a:noFill/>
+          </a:ln>
+        </p:spPr>
+      </p:pic>
     </p:spTree>
   </p:cSld>
   <mc:AlternateContent>
@@ -4418,14 +8715,14 @@
       </p:grpSpPr>
       <p:sp>
         <p:nvSpPr>
-          <p:cNvPr id="55" name=""/>
-          <p:cNvSpPr txBox="1"/>
+          <p:cNvPr id="139" name="CustomShape 1"/>
+          <p:cNvSpPr/>
           <p:nvPr/>
         </p:nvSpPr>
         <p:spPr>
           <a:xfrm>
-            <a:off x="504000" y="226080"/>
-            <a:ext cx="9071640" cy="946440"/>
+            <a:off x="504000" y="1326600"/>
+            <a:ext cx="9071280" cy="3287880"/>
           </a:xfrm>
           <a:prstGeom prst="rect">
             <a:avLst/>
@@ -4435,21 +8732,47 @@
             <a:noFill/>
           </a:ln>
         </p:spPr>
+        <p:style>
+          <a:lnRef idx="0"/>
+          <a:fillRef idx="0"/>
+          <a:effectRef idx="0"/>
+          <a:fontRef idx="minor"/>
+        </p:style>
+      </p:sp>
+      <p:sp>
+        <p:nvSpPr>
+          <p:cNvPr id="140" name="TextShape 2"/>
+          <p:cNvSpPr txBox="1"/>
+          <p:nvPr/>
+        </p:nvSpPr>
+        <p:spPr>
+          <a:xfrm>
+            <a:off x="504000" y="226080"/>
+            <a:ext cx="9071280" cy="946080"/>
+          </a:xfrm>
+          <a:prstGeom prst="rect">
+            <a:avLst/>
+          </a:prstGeom>
+          <a:noFill/>
+          <a:ln w="0">
+            <a:noFill/>
+          </a:ln>
+        </p:spPr>
         <p:txBody>
           <a:bodyPr lIns="0" rIns="0" tIns="0" bIns="0" anchor="ctr">
             <a:noAutofit/>
           </a:bodyPr>
           <a:p>
             <a:r>
-              <a:rPr b="0" lang="en-US" sz="4400" spc="-1" strike="noStrike">
+              <a:rPr b="0" lang="en-US" sz="3600" spc="-1" strike="noStrike">
                 <a:solidFill>
                   <a:srgbClr val="a6a8c4"/>
                 </a:solidFill>
                 <a:latin typeface="Courier New"/>
               </a:rPr>
-              <a:t>Before Computers</a:t>
+              <a:t>Eye Strain</a:t>
             </a:r>
-            <a:endParaRPr b="0" lang="en-US" sz="4400" spc="-1" strike="noStrike">
+            <a:endParaRPr b="0" lang="en-US" sz="3600" spc="-1" strike="noStrike">
               <a:solidFill>
                 <a:srgbClr val="a6a8c4"/>
               </a:solidFill>
@@ -4460,14 +8783,14 @@
       </p:sp>
       <p:sp>
         <p:nvSpPr>
-          <p:cNvPr id="56" name=""/>
+          <p:cNvPr id="141" name="TextShape 3"/>
           <p:cNvSpPr txBox="1"/>
           <p:nvPr/>
         </p:nvSpPr>
         <p:spPr>
           <a:xfrm>
             <a:off x="504000" y="1326600"/>
-            <a:ext cx="9071640" cy="3288240"/>
+            <a:ext cx="9071280" cy="3287880"/>
           </a:xfrm>
           <a:prstGeom prst="rect">
             <a:avLst/>
@@ -4479,7 +8802,7 @@
         </p:spPr>
         <p:txBody>
           <a:bodyPr lIns="0" rIns="0" tIns="0" bIns="0">
-            <a:normAutofit/>
+            <a:normAutofit fontScale="97000"/>
           </a:bodyPr>
           <a:p>
             <a:pPr marL="432000" indent="-324000">
@@ -4494,18 +8817,149 @@
               <a:buChar char=""/>
             </a:pPr>
             <a:r>
-              <a:rPr b="0" lang="en-US" sz="3200" spc="-1" strike="noStrike">
-                <a:solidFill>
-                  <a:srgbClr val="a6a8c4"/>
-                </a:solidFill>
+              <a:rPr b="0" lang="en-US" sz="1800" spc="-1" strike="noStrike">
                 <a:latin typeface="Arial"/>
               </a:rPr>
-              <a:t>Babbage Machine</a:t>
+              <a:t>Symptoms: Itchy, dry eyes; blurry vision; headache; light sensitivity.</a:t>
             </a:r>
-            <a:endParaRPr b="0" lang="en-US" sz="3200" spc="-1" strike="noStrike">
-              <a:solidFill>
-                <a:srgbClr val="a6a8c4"/>
-              </a:solidFill>
+            <a:endParaRPr b="0" lang="en-US" sz="1800" spc="-1" strike="noStrike">
+              <a:latin typeface="Arial"/>
+            </a:endParaRPr>
+          </a:p>
+          <a:p>
+            <a:pPr marL="432000" indent="-324000">
+              <a:spcBef>
+                <a:spcPts val="1417"/>
+              </a:spcBef>
+              <a:buClr>
+                <a:srgbClr val="ffffff"/>
+              </a:buClr>
+              <a:buSzPct val="45000"/>
+              <a:buFont typeface="Wingdings" charset="2"/>
+              <a:buChar char=""/>
+            </a:pPr>
+            <a:endParaRPr b="0" lang="en-US" sz="1800" spc="-1" strike="noStrike">
+              <a:latin typeface="Arial"/>
+            </a:endParaRPr>
+          </a:p>
+          <a:p>
+            <a:pPr marL="432000" indent="-324000">
+              <a:spcBef>
+                <a:spcPts val="1417"/>
+              </a:spcBef>
+              <a:buClr>
+                <a:srgbClr val="ffffff"/>
+              </a:buClr>
+              <a:buSzPct val="45000"/>
+              <a:buFont typeface="Wingdings" charset="2"/>
+              <a:buChar char=""/>
+            </a:pPr>
+            <a:r>
+              <a:rPr b="0" lang="en-US" sz="1800" spc="-1" strike="noStrike">
+                <a:latin typeface="Arial"/>
+              </a:rPr>
+              <a:t>Limit screen time, and take regular breaks with the 20-20-20 rule.</a:t>
+            </a:r>
+            <a:endParaRPr b="0" lang="en-US" sz="1800" spc="-1" strike="noStrike">
+              <a:latin typeface="Arial"/>
+            </a:endParaRPr>
+          </a:p>
+          <a:p>
+            <a:pPr marL="432000" indent="-324000">
+              <a:spcBef>
+                <a:spcPts val="1417"/>
+              </a:spcBef>
+              <a:buClr>
+                <a:srgbClr val="ffffff"/>
+              </a:buClr>
+              <a:buSzPct val="45000"/>
+              <a:buFont typeface="Wingdings" charset="2"/>
+              <a:buChar char=""/>
+            </a:pPr>
+            <a:r>
+              <a:rPr b="0" lang="en-US" sz="1800" spc="-1" strike="noStrike">
+                <a:latin typeface="Arial"/>
+              </a:rPr>
+              <a:t>Adjust settings for brightness, text size, etc.</a:t>
+            </a:r>
+            <a:endParaRPr b="0" lang="en-US" sz="1800" spc="-1" strike="noStrike">
+              <a:latin typeface="Arial"/>
+            </a:endParaRPr>
+          </a:p>
+          <a:p>
+            <a:pPr marL="432000" indent="-324000">
+              <a:spcBef>
+                <a:spcPts val="1417"/>
+              </a:spcBef>
+              <a:buClr>
+                <a:srgbClr val="ffffff"/>
+              </a:buClr>
+              <a:buSzPct val="45000"/>
+              <a:buFont typeface="Wingdings" charset="2"/>
+              <a:buChar char=""/>
+            </a:pPr>
+            <a:endParaRPr b="0" lang="en-US" sz="1800" spc="-1" strike="noStrike">
+              <a:latin typeface="Arial"/>
+            </a:endParaRPr>
+          </a:p>
+          <a:p>
+            <a:pPr marL="432000" indent="-324000">
+              <a:spcBef>
+                <a:spcPts val="1417"/>
+              </a:spcBef>
+              <a:buClr>
+                <a:srgbClr val="ffffff"/>
+              </a:buClr>
+              <a:buSzPct val="45000"/>
+              <a:buFont typeface="Wingdings" charset="2"/>
+              <a:buChar char=""/>
+            </a:pPr>
+            <a:endParaRPr b="0" lang="en-US" sz="1800" spc="-1" strike="noStrike">
+              <a:latin typeface="Arial"/>
+            </a:endParaRPr>
+          </a:p>
+          <a:p>
+            <a:pPr marL="432000" indent="-324000">
+              <a:spcBef>
+                <a:spcPts val="1417"/>
+              </a:spcBef>
+              <a:buClr>
+                <a:srgbClr val="ffffff"/>
+              </a:buClr>
+              <a:buSzPct val="45000"/>
+              <a:buFont typeface="Wingdings" charset="2"/>
+              <a:buChar char=""/>
+            </a:pPr>
+            <a:endParaRPr b="0" lang="en-US" sz="1800" spc="-1" strike="noStrike">
+              <a:latin typeface="Arial"/>
+            </a:endParaRPr>
+          </a:p>
+          <a:p>
+            <a:pPr marL="432000" indent="-324000">
+              <a:spcBef>
+                <a:spcPts val="1417"/>
+              </a:spcBef>
+              <a:buClr>
+                <a:srgbClr val="ffffff"/>
+              </a:buClr>
+              <a:buSzPct val="45000"/>
+              <a:buFont typeface="Wingdings" charset="2"/>
+              <a:buChar char=""/>
+            </a:pPr>
+            <a:r>
+              <a:rPr b="0" lang="en-US" sz="1800" spc="-1" strike="noStrike">
+                <a:latin typeface="Arial"/>
+              </a:rPr>
+              <a:t>Resource: </a:t>
+            </a:r>
+            <a:r>
+              <a:rPr b="0" lang="en-US" sz="1800" spc="-1" strike="noStrike">
+                <a:latin typeface="Arial"/>
+                <a:hlinkClick r:id="rId1"/>
+              </a:rPr>
+              <a:t>Mayo Clinic</a:t>
+            </a:r>
+            <a:endParaRPr b="0" lang="en-US" sz="1800" spc="-1" strike="noStrike">
               <a:latin typeface="Arial"/>
             </a:endParaRPr>
           </a:p>
@@ -4748,4 +9202,456 @@
     </a:fmtScheme>
   </a:themeElements>
 </a:theme>
+</file>
+
+<file path=ppt/theme/theme2.xml><?xml version="1.0" encoding="utf-8"?>
+<a:theme xmlns:a="http://schemas.openxmlformats.org/drawingml/2006/main" name="Office Theme">
+  <a:themeElements>
+    <a:clrScheme name="Office">
+      <a:dk1>
+        <a:sysClr val="windowText" lastClr="000000"/>
+      </a:dk1>
+      <a:lt1>
+        <a:sysClr val="window" lastClr="FFFFFF"/>
+      </a:lt1>
+      <a:dk2>
+        <a:srgbClr val="1f497d"/>
+      </a:dk2>
+      <a:lt2>
+        <a:srgbClr val="eeece1"/>
+      </a:lt2>
+      <a:accent1>
+        <a:srgbClr val="4f81bd"/>
+      </a:accent1>
+      <a:accent2>
+        <a:srgbClr val="c0504d"/>
+      </a:accent2>
+      <a:accent3>
+        <a:srgbClr val="9bbb59"/>
+      </a:accent3>
+      <a:accent4>
+        <a:srgbClr val="8064a2"/>
+      </a:accent4>
+      <a:accent5>
+        <a:srgbClr val="4bacc6"/>
+      </a:accent5>
+      <a:accent6>
+        <a:srgbClr val="f79646"/>
+      </a:accent6>
+      <a:hlink>
+        <a:srgbClr val="0000ff"/>
+      </a:hlink>
+      <a:folHlink>
+        <a:srgbClr val="800080"/>
+      </a:folHlink>
+    </a:clrScheme>
+    <a:fontScheme name="Office">
+      <a:majorFont>
+        <a:latin typeface="Arial"/>
+        <a:ea typeface="DejaVu Sans"/>
+        <a:cs typeface="DejaVu Sans"/>
+      </a:majorFont>
+      <a:minorFont>
+        <a:latin typeface="Arial"/>
+        <a:ea typeface="DejaVu Sans"/>
+        <a:cs typeface="DejaVu Sans"/>
+      </a:minorFont>
+    </a:fontScheme>
+    <a:fmtScheme name="Office">
+      <a:fillStyleLst>
+        <a:solidFill>
+          <a:schemeClr val="phClr"/>
+        </a:solidFill>
+        <a:gradFill rotWithShape="1">
+          <a:gsLst>
+            <a:gs pos="0">
+              <a:schemeClr val="phClr">
+                <a:tint val="50000"/>
+                <a:satMod val="300000"/>
+              </a:schemeClr>
+            </a:gs>
+            <a:gs pos="35000">
+              <a:schemeClr val="phClr">
+                <a:tint val="37000"/>
+                <a:satMod val="300000"/>
+              </a:schemeClr>
+            </a:gs>
+            <a:gs pos="100000">
+              <a:schemeClr val="phClr">
+                <a:tint val="15000"/>
+                <a:satMod val="350000"/>
+              </a:schemeClr>
+            </a:gs>
+          </a:gsLst>
+          <a:lin ang="16200000" scaled="1"/>
+        </a:gradFill>
+        <a:gradFill rotWithShape="1">
+          <a:gsLst>
+            <a:gs pos="0">
+              <a:schemeClr val="phClr">
+                <a:shade val="51000"/>
+                <a:satMod val="130000"/>
+              </a:schemeClr>
+            </a:gs>
+            <a:gs pos="80000">
+              <a:schemeClr val="phClr">
+                <a:shade val="93000"/>
+                <a:satMod val="130000"/>
+              </a:schemeClr>
+            </a:gs>
+            <a:gs pos="100000">
+              <a:schemeClr val="phClr">
+                <a:shade val="94000"/>
+                <a:satMod val="135000"/>
+              </a:schemeClr>
+            </a:gs>
+          </a:gsLst>
+          <a:lin ang="16200000" scaled="0"/>
+        </a:gradFill>
+      </a:fillStyleLst>
+      <a:lnStyleLst>
+        <a:ln w="9525" cap="flat" cmpd="sng" algn="ctr">
+          <a:solidFill>
+            <a:schemeClr val="phClr">
+              <a:shade val="95000"/>
+              <a:satMod val="105000"/>
+            </a:schemeClr>
+          </a:solidFill>
+          <a:prstDash val="solid"/>
+          <a:miter/>
+        </a:ln>
+        <a:ln w="25400" cap="flat" cmpd="sng" algn="ctr">
+          <a:solidFill>
+            <a:schemeClr val="phClr"/>
+          </a:solidFill>
+          <a:prstDash val="solid"/>
+          <a:miter/>
+        </a:ln>
+        <a:ln w="38100" cap="flat" cmpd="sng" algn="ctr">
+          <a:solidFill>
+            <a:schemeClr val="phClr"/>
+          </a:solidFill>
+          <a:prstDash val="solid"/>
+          <a:miter/>
+        </a:ln>
+      </a:lnStyleLst>
+      <a:effectStyleLst>
+        <a:effectStyle>
+          <a:effectLst>
+            <a:outerShdw blurRad="40000" dist="20000" dir="5400000" rotWithShape="0">
+              <a:srgbClr val="000000">
+                <a:alpha val="38000"/>
+              </a:srgbClr>
+            </a:outerShdw>
+          </a:effectLst>
+        </a:effectStyle>
+        <a:effectStyle>
+          <a:effectLst>
+            <a:outerShdw blurRad="40000" dist="23000" dir="5400000" rotWithShape="0">
+              <a:srgbClr val="000000">
+                <a:alpha val="35000"/>
+              </a:srgbClr>
+            </a:outerShdw>
+          </a:effectLst>
+        </a:effectStyle>
+        <a:effectStyle>
+          <a:effectLst>
+            <a:outerShdw blurRad="40000" dist="23000" dir="5400000" rotWithShape="0">
+              <a:srgbClr val="000000">
+                <a:alpha val="35000"/>
+              </a:srgbClr>
+            </a:outerShdw>
+          </a:effectLst>
+          <a:scene3d>
+            <a:camera prst="orthographicFront">
+              <a:rot lat="0" lon="0" rev="0"/>
+            </a:camera>
+            <a:lightRig rig="threePt" dir="t">
+              <a:rot lat="0" lon="0" rev="1200000"/>
+            </a:lightRig>
+          </a:scene3d>
+          <a:sp3d>
+            <a:bevelT w="63500" h="25400"/>
+          </a:sp3d>
+        </a:effectStyle>
+      </a:effectStyleLst>
+      <a:bgFillStyleLst>
+        <a:solidFill>
+          <a:schemeClr val="phClr"/>
+        </a:solidFill>
+        <a:gradFill rotWithShape="1">
+          <a:gsLst>
+            <a:gs pos="0">
+              <a:schemeClr val="phClr">
+                <a:tint val="40000"/>
+                <a:satMod val="350000"/>
+              </a:schemeClr>
+            </a:gs>
+            <a:gs pos="40000">
+              <a:schemeClr val="phClr">
+                <a:tint val="45000"/>
+                <a:shade val="99000"/>
+                <a:satMod val="350000"/>
+              </a:schemeClr>
+            </a:gs>
+            <a:gs pos="100000">
+              <a:schemeClr val="phClr">
+                <a:shade val="20000"/>
+                <a:satMod val="255000"/>
+              </a:schemeClr>
+            </a:gs>
+          </a:gsLst>
+          <a:path path="circle">
+            <a:fillToRect l="50000" t="-80000" r="50000" b="180000"/>
+          </a:path>
+        </a:gradFill>
+        <a:gradFill rotWithShape="1">
+          <a:gsLst>
+            <a:gs pos="0">
+              <a:schemeClr val="phClr">
+                <a:tint val="80000"/>
+                <a:satMod val="300000"/>
+              </a:schemeClr>
+            </a:gs>
+            <a:gs pos="100000">
+              <a:schemeClr val="phClr">
+                <a:shade val="30000"/>
+                <a:satMod val="200000"/>
+              </a:schemeClr>
+            </a:gs>
+          </a:gsLst>
+          <a:path path="circle">
+            <a:fillToRect l="50000" t="50000" r="50000" b="50000"/>
+          </a:path>
+        </a:gradFill>
+      </a:bgFillStyleLst>
+    </a:fmtScheme>
+  </a:themeElements>
+</a:theme>
+</file>
+
+<file path=ppt/theme/theme3.xml><?xml version="1.0" encoding="utf-8"?>
+<a:theme xmlns:a="http://schemas.openxmlformats.org/drawingml/2006/main" name="Office Theme">
+  <a:themeElements>
+    <a:clrScheme name="Office">
+      <a:dk1>
+        <a:sysClr val="windowText" lastClr="000000"/>
+      </a:dk1>
+      <a:lt1>
+        <a:sysClr val="window" lastClr="FFFFFF"/>
+      </a:lt1>
+      <a:dk2>
+        <a:srgbClr val="1f497d"/>
+      </a:dk2>
+      <a:lt2>
+        <a:srgbClr val="eeece1"/>
+      </a:lt2>
+      <a:accent1>
+        <a:srgbClr val="4f81bd"/>
+      </a:accent1>
+      <a:accent2>
+        <a:srgbClr val="c0504d"/>
+      </a:accent2>
+      <a:accent3>
+        <a:srgbClr val="9bbb59"/>
+      </a:accent3>
+      <a:accent4>
+        <a:srgbClr val="8064a2"/>
+      </a:accent4>
+      <a:accent5>
+        <a:srgbClr val="4bacc6"/>
+      </a:accent5>
+      <a:accent6>
+        <a:srgbClr val="f79646"/>
+      </a:accent6>
+      <a:hlink>
+        <a:srgbClr val="0000ff"/>
+      </a:hlink>
+      <a:folHlink>
+        <a:srgbClr val="800080"/>
+      </a:folHlink>
+    </a:clrScheme>
+    <a:fontScheme name="Office">
+      <a:majorFont>
+        <a:latin typeface="Arial"/>
+        <a:ea typeface="DejaVu Sans"/>
+        <a:cs typeface="DejaVu Sans"/>
+      </a:majorFont>
+      <a:minorFont>
+        <a:latin typeface="Arial"/>
+        <a:ea typeface="DejaVu Sans"/>
+        <a:cs typeface="DejaVu Sans"/>
+      </a:minorFont>
+    </a:fontScheme>
+    <a:fmtScheme name="Office">
+      <a:fillStyleLst>
+        <a:solidFill>
+          <a:schemeClr val="phClr"/>
+        </a:solidFill>
+        <a:gradFill rotWithShape="1">
+          <a:gsLst>
+            <a:gs pos="0">
+              <a:schemeClr val="phClr">
+                <a:tint val="50000"/>
+                <a:satMod val="300000"/>
+              </a:schemeClr>
+            </a:gs>
+            <a:gs pos="35000">
+              <a:schemeClr val="phClr">
+                <a:tint val="37000"/>
+                <a:satMod val="300000"/>
+              </a:schemeClr>
+            </a:gs>
+            <a:gs pos="100000">
+              <a:schemeClr val="phClr">
+                <a:tint val="15000"/>
+                <a:satMod val="350000"/>
+              </a:schemeClr>
+            </a:gs>
+          </a:gsLst>
+          <a:lin ang="16200000" scaled="1"/>
+        </a:gradFill>
+        <a:gradFill rotWithShape="1">
+          <a:gsLst>
+            <a:gs pos="0">
+              <a:schemeClr val="phClr">
+                <a:shade val="51000"/>
+                <a:satMod val="130000"/>
+              </a:schemeClr>
+            </a:gs>
+            <a:gs pos="80000">
+              <a:schemeClr val="phClr">
+                <a:shade val="93000"/>
+                <a:satMod val="130000"/>
+              </a:schemeClr>
+            </a:gs>
+            <a:gs pos="100000">
+              <a:schemeClr val="phClr">
+                <a:shade val="94000"/>
+                <a:satMod val="135000"/>
+              </a:schemeClr>
+            </a:gs>
+          </a:gsLst>
+          <a:lin ang="16200000" scaled="0"/>
+        </a:gradFill>
+      </a:fillStyleLst>
+      <a:lnStyleLst>
+        <a:ln w="9525" cap="flat" cmpd="sng" algn="ctr">
+          <a:solidFill>
+            <a:schemeClr val="phClr">
+              <a:shade val="95000"/>
+              <a:satMod val="105000"/>
+            </a:schemeClr>
+          </a:solidFill>
+          <a:prstDash val="solid"/>
+          <a:miter/>
+        </a:ln>
+        <a:ln w="25400" cap="flat" cmpd="sng" algn="ctr">
+          <a:solidFill>
+            <a:schemeClr val="phClr"/>
+          </a:solidFill>
+          <a:prstDash val="solid"/>
+          <a:miter/>
+        </a:ln>
+        <a:ln w="38100" cap="flat" cmpd="sng" algn="ctr">
+          <a:solidFill>
+            <a:schemeClr val="phClr"/>
+          </a:solidFill>
+          <a:prstDash val="solid"/>
+          <a:miter/>
+        </a:ln>
+      </a:lnStyleLst>
+      <a:effectStyleLst>
+        <a:effectStyle>
+          <a:effectLst>
+            <a:outerShdw blurRad="40000" dist="20000" dir="5400000" rotWithShape="0">
+              <a:srgbClr val="000000">
+                <a:alpha val="38000"/>
+              </a:srgbClr>
+            </a:outerShdw>
+          </a:effectLst>
+        </a:effectStyle>
+        <a:effectStyle>
+          <a:effectLst>
+            <a:outerShdw blurRad="40000" dist="23000" dir="5400000" rotWithShape="0">
+              <a:srgbClr val="000000">
+                <a:alpha val="35000"/>
+              </a:srgbClr>
+            </a:outerShdw>
+          </a:effectLst>
+        </a:effectStyle>
+        <a:effectStyle>
+          <a:effectLst>
+            <a:outerShdw blurRad="40000" dist="23000" dir="5400000" rotWithShape="0">
+              <a:srgbClr val="000000">
+                <a:alpha val="35000"/>
+              </a:srgbClr>
+            </a:outerShdw>
+          </a:effectLst>
+          <a:scene3d>
+            <a:camera prst="orthographicFront">
+              <a:rot lat="0" lon="0" rev="0"/>
+            </a:camera>
+            <a:lightRig rig="threePt" dir="t">
+              <a:rot lat="0" lon="0" rev="1200000"/>
+            </a:lightRig>
+          </a:scene3d>
+          <a:sp3d>
+            <a:bevelT w="63500" h="25400"/>
+          </a:sp3d>
+        </a:effectStyle>
+      </a:effectStyleLst>
+      <a:bgFillStyleLst>
+        <a:solidFill>
+          <a:schemeClr val="phClr"/>
+        </a:solidFill>
+        <a:gradFill rotWithShape="1">
+          <a:gsLst>
+            <a:gs pos="0">
+              <a:schemeClr val="phClr">
+                <a:tint val="40000"/>
+                <a:satMod val="350000"/>
+              </a:schemeClr>
+            </a:gs>
+            <a:gs pos="40000">
+              <a:schemeClr val="phClr">
+                <a:tint val="45000"/>
+                <a:shade val="99000"/>
+                <a:satMod val="350000"/>
+              </a:schemeClr>
+            </a:gs>
+            <a:gs pos="100000">
+              <a:schemeClr val="phClr">
+                <a:shade val="20000"/>
+                <a:satMod val="255000"/>
+              </a:schemeClr>
+            </a:gs>
+          </a:gsLst>
+          <a:path path="circle">
+            <a:fillToRect l="50000" t="-80000" r="50000" b="180000"/>
+          </a:path>
+        </a:gradFill>
+        <a:gradFill rotWithShape="1">
+          <a:gsLst>
+            <a:gs pos="0">
+              <a:schemeClr val="phClr">
+                <a:tint val="80000"/>
+                <a:satMod val="300000"/>
+              </a:schemeClr>
+            </a:gs>
+            <a:gs pos="100000">
+              <a:schemeClr val="phClr">
+                <a:shade val="30000"/>
+                <a:satMod val="200000"/>
+              </a:schemeClr>
+            </a:gs>
+          </a:gsLst>
+          <a:path path="circle">
+            <a:fillToRect l="50000" t="50000" r="50000" b="50000"/>
+          </a:path>
+        </a:gradFill>
+      </a:bgFillStyleLst>
+    </a:fmtScheme>
+  </a:themeElements>
+</a:theme>
 </file>